--- a/nn_template.pptx
+++ b/nn_template.pptx
@@ -6,6 +6,7 @@
   </p:sldMasterIdLst>
   <p:sldIdLst>
     <p:sldId id="256" r:id="rId2"/>
+    <p:sldId id="257" r:id="rId3"/>
   </p:sldIdLst>
   <p:sldSz cx="12192000" cy="6858000"/>
   <p:notesSz cx="6858000" cy="9144000"/>
@@ -104,6 +105,11 @@
       </a:defRPr>
     </a:lvl9pPr>
   </p:defaultTextStyle>
+  <p:extLst>
+    <p:ext uri="{EFAFB233-063F-42B5-8137-9DF3F51BA10A}">
+      <p15:sldGuideLst xmlns:p15="http://schemas.microsoft.com/office/powerpoint/2012/main"/>
+    </p:ext>
+  </p:extLst>
 </p:presentation>
 </file>
 
@@ -256,7 +262,7 @@
           <a:p>
             <a:fld id="{7244D9E2-EFDF-4FB2-A286-68762F24C285}" type="datetimeFigureOut">
               <a:rPr lang="en-GB" smtClean="0"/>
-              <a:t>10/04/2020</a:t>
+              <a:t>23/04/2020</a:t>
             </a:fld>
             <a:endParaRPr lang="en-GB"/>
           </a:p>
@@ -456,7 +462,7 @@
           <a:p>
             <a:fld id="{7244D9E2-EFDF-4FB2-A286-68762F24C285}" type="datetimeFigureOut">
               <a:rPr lang="en-GB" smtClean="0"/>
-              <a:t>10/04/2020</a:t>
+              <a:t>23/04/2020</a:t>
             </a:fld>
             <a:endParaRPr lang="en-GB"/>
           </a:p>
@@ -666,7 +672,7 @@
           <a:p>
             <a:fld id="{7244D9E2-EFDF-4FB2-A286-68762F24C285}" type="datetimeFigureOut">
               <a:rPr lang="en-GB" smtClean="0"/>
-              <a:t>10/04/2020</a:t>
+              <a:t>23/04/2020</a:t>
             </a:fld>
             <a:endParaRPr lang="en-GB"/>
           </a:p>
@@ -866,7 +872,7 @@
           <a:p>
             <a:fld id="{7244D9E2-EFDF-4FB2-A286-68762F24C285}" type="datetimeFigureOut">
               <a:rPr lang="en-GB" smtClean="0"/>
-              <a:t>10/04/2020</a:t>
+              <a:t>23/04/2020</a:t>
             </a:fld>
             <a:endParaRPr lang="en-GB"/>
           </a:p>
@@ -1142,7 +1148,7 @@
           <a:p>
             <a:fld id="{7244D9E2-EFDF-4FB2-A286-68762F24C285}" type="datetimeFigureOut">
               <a:rPr lang="en-GB" smtClean="0"/>
-              <a:t>10/04/2020</a:t>
+              <a:t>23/04/2020</a:t>
             </a:fld>
             <a:endParaRPr lang="en-GB"/>
           </a:p>
@@ -1410,7 +1416,7 @@
           <a:p>
             <a:fld id="{7244D9E2-EFDF-4FB2-A286-68762F24C285}" type="datetimeFigureOut">
               <a:rPr lang="en-GB" smtClean="0"/>
-              <a:t>10/04/2020</a:t>
+              <a:t>23/04/2020</a:t>
             </a:fld>
             <a:endParaRPr lang="en-GB"/>
           </a:p>
@@ -1825,7 +1831,7 @@
           <a:p>
             <a:fld id="{7244D9E2-EFDF-4FB2-A286-68762F24C285}" type="datetimeFigureOut">
               <a:rPr lang="en-GB" smtClean="0"/>
-              <a:t>10/04/2020</a:t>
+              <a:t>23/04/2020</a:t>
             </a:fld>
             <a:endParaRPr lang="en-GB"/>
           </a:p>
@@ -1967,7 +1973,7 @@
           <a:p>
             <a:fld id="{7244D9E2-EFDF-4FB2-A286-68762F24C285}" type="datetimeFigureOut">
               <a:rPr lang="en-GB" smtClean="0"/>
-              <a:t>10/04/2020</a:t>
+              <a:t>23/04/2020</a:t>
             </a:fld>
             <a:endParaRPr lang="en-GB"/>
           </a:p>
@@ -2080,7 +2086,7 @@
           <a:p>
             <a:fld id="{7244D9E2-EFDF-4FB2-A286-68762F24C285}" type="datetimeFigureOut">
               <a:rPr lang="en-GB" smtClean="0"/>
-              <a:t>10/04/2020</a:t>
+              <a:t>23/04/2020</a:t>
             </a:fld>
             <a:endParaRPr lang="en-GB"/>
           </a:p>
@@ -2393,7 +2399,7 @@
           <a:p>
             <a:fld id="{7244D9E2-EFDF-4FB2-A286-68762F24C285}" type="datetimeFigureOut">
               <a:rPr lang="en-GB" smtClean="0"/>
-              <a:t>10/04/2020</a:t>
+              <a:t>23/04/2020</a:t>
             </a:fld>
             <a:endParaRPr lang="en-GB"/>
           </a:p>
@@ -2682,7 +2688,7 @@
           <a:p>
             <a:fld id="{7244D9E2-EFDF-4FB2-A286-68762F24C285}" type="datetimeFigureOut">
               <a:rPr lang="en-GB" smtClean="0"/>
-              <a:t>10/04/2020</a:t>
+              <a:t>23/04/2020</a:t>
             </a:fld>
             <a:endParaRPr lang="en-GB"/>
           </a:p>
@@ -2925,7 +2931,7 @@
           <a:p>
             <a:fld id="{7244D9E2-EFDF-4FB2-A286-68762F24C285}" type="datetimeFigureOut">
               <a:rPr lang="en-GB" smtClean="0"/>
-              <a:t>10/04/2020</a:t>
+              <a:t>23/04/2020</a:t>
             </a:fld>
             <a:endParaRPr lang="en-GB"/>
           </a:p>
@@ -9942,6 +9948,8105 @@
     <p:extLst>
       <p:ext uri="{BB962C8B-B14F-4D97-AF65-F5344CB8AC3E}">
         <p14:creationId xmlns:p14="http://schemas.microsoft.com/office/powerpoint/2010/main" val="4030818069"/>
+      </p:ext>
+    </p:extLst>
+  </p:cSld>
+  <p:clrMapOvr>
+    <a:masterClrMapping/>
+  </p:clrMapOvr>
+</p:sld>
+</file>
+
+<file path=ppt/slides/slide2.xml><?xml version="1.0" encoding="utf-8"?>
+<p:sld xmlns:a="http://schemas.openxmlformats.org/drawingml/2006/main" xmlns:r="http://schemas.openxmlformats.org/officeDocument/2006/relationships" xmlns:p="http://schemas.openxmlformats.org/presentationml/2006/main">
+  <p:cSld>
+    <p:spTree>
+      <p:nvGrpSpPr>
+        <p:cNvPr id="1" name=""/>
+        <p:cNvGrpSpPr/>
+        <p:nvPr/>
+      </p:nvGrpSpPr>
+      <p:grpSpPr>
+        <a:xfrm>
+          <a:off x="0" y="0"/>
+          <a:ext cx="0" cy="0"/>
+          <a:chOff x="0" y="0"/>
+          <a:chExt cx="0" cy="0"/>
+        </a:xfrm>
+      </p:grpSpPr>
+      <p:sp>
+        <p:nvSpPr>
+          <p:cNvPr id="4" name="Flowchart: Connector 3">
+            <a:extLst>
+              <a:ext uri="{FF2B5EF4-FFF2-40B4-BE49-F238E27FC236}">
+                <a16:creationId xmlns:a16="http://schemas.microsoft.com/office/drawing/2014/main" id="{A2A33E36-33BB-478D-A0DE-3D510E209F51}"/>
+              </a:ext>
+            </a:extLst>
+          </p:cNvPr>
+          <p:cNvSpPr/>
+          <p:nvPr/>
+        </p:nvSpPr>
+        <p:spPr>
+          <a:xfrm>
+            <a:off x="349809" y="1801427"/>
+            <a:ext cx="680204" cy="680204"/>
+          </a:xfrm>
+          <a:prstGeom prst="flowChartConnector">
+            <a:avLst/>
+          </a:prstGeom>
+        </p:spPr>
+        <p:style>
+          <a:lnRef idx="3">
+            <a:schemeClr val="lt1"/>
+          </a:lnRef>
+          <a:fillRef idx="1">
+            <a:schemeClr val="accent3"/>
+          </a:fillRef>
+          <a:effectRef idx="1">
+            <a:schemeClr val="accent3"/>
+          </a:effectRef>
+          <a:fontRef idx="minor">
+            <a:schemeClr val="lt1"/>
+          </a:fontRef>
+        </p:style>
+        <p:txBody>
+          <a:bodyPr rtlCol="0" anchor="ctr"/>
+          <a:lstStyle/>
+          <a:p>
+            <a:pPr algn="ctr"/>
+            <a:endParaRPr lang="en-GB"/>
+          </a:p>
+        </p:txBody>
+      </p:sp>
+      <p:sp>
+        <p:nvSpPr>
+          <p:cNvPr id="5" name="Flowchart: Connector 4">
+            <a:extLst>
+              <a:ext uri="{FF2B5EF4-FFF2-40B4-BE49-F238E27FC236}">
+                <a16:creationId xmlns:a16="http://schemas.microsoft.com/office/drawing/2014/main" id="{DB7E4C12-E83F-49D0-8A71-6191D6ED6CCE}"/>
+              </a:ext>
+            </a:extLst>
+          </p:cNvPr>
+          <p:cNvSpPr/>
+          <p:nvPr/>
+        </p:nvSpPr>
+        <p:spPr>
+          <a:xfrm>
+            <a:off x="349809" y="2655163"/>
+            <a:ext cx="680204" cy="680204"/>
+          </a:xfrm>
+          <a:prstGeom prst="flowChartConnector">
+            <a:avLst/>
+          </a:prstGeom>
+        </p:spPr>
+        <p:style>
+          <a:lnRef idx="3">
+            <a:schemeClr val="lt1"/>
+          </a:lnRef>
+          <a:fillRef idx="1">
+            <a:schemeClr val="accent3"/>
+          </a:fillRef>
+          <a:effectRef idx="1">
+            <a:schemeClr val="accent3"/>
+          </a:effectRef>
+          <a:fontRef idx="minor">
+            <a:schemeClr val="lt1"/>
+          </a:fontRef>
+        </p:style>
+        <p:txBody>
+          <a:bodyPr rtlCol="0" anchor="ctr"/>
+          <a:lstStyle/>
+          <a:p>
+            <a:pPr algn="ctr"/>
+            <a:endParaRPr lang="en-GB"/>
+          </a:p>
+        </p:txBody>
+      </p:sp>
+      <p:sp>
+        <p:nvSpPr>
+          <p:cNvPr id="6" name="Flowchart: Connector 5">
+            <a:extLst>
+              <a:ext uri="{FF2B5EF4-FFF2-40B4-BE49-F238E27FC236}">
+                <a16:creationId xmlns:a16="http://schemas.microsoft.com/office/drawing/2014/main" id="{B6A9DF6E-352F-484E-918A-69AE52045FAF}"/>
+              </a:ext>
+            </a:extLst>
+          </p:cNvPr>
+          <p:cNvSpPr/>
+          <p:nvPr/>
+        </p:nvSpPr>
+        <p:spPr>
+          <a:xfrm>
+            <a:off x="349809" y="3508899"/>
+            <a:ext cx="680204" cy="680204"/>
+          </a:xfrm>
+          <a:prstGeom prst="flowChartConnector">
+            <a:avLst/>
+          </a:prstGeom>
+        </p:spPr>
+        <p:style>
+          <a:lnRef idx="3">
+            <a:schemeClr val="lt1"/>
+          </a:lnRef>
+          <a:fillRef idx="1">
+            <a:schemeClr val="accent3"/>
+          </a:fillRef>
+          <a:effectRef idx="1">
+            <a:schemeClr val="accent3"/>
+          </a:effectRef>
+          <a:fontRef idx="minor">
+            <a:schemeClr val="lt1"/>
+          </a:fontRef>
+        </p:style>
+        <p:txBody>
+          <a:bodyPr rtlCol="0" anchor="ctr"/>
+          <a:lstStyle/>
+          <a:p>
+            <a:pPr algn="ctr"/>
+            <a:endParaRPr lang="en-GB"/>
+          </a:p>
+        </p:txBody>
+      </p:sp>
+      <p:sp>
+        <p:nvSpPr>
+          <p:cNvPr id="7" name="Flowchart: Connector 6">
+            <a:extLst>
+              <a:ext uri="{FF2B5EF4-FFF2-40B4-BE49-F238E27FC236}">
+                <a16:creationId xmlns:a16="http://schemas.microsoft.com/office/drawing/2014/main" id="{E82A45BD-0110-498E-9717-5C40EDC9B3E6}"/>
+              </a:ext>
+            </a:extLst>
+          </p:cNvPr>
+          <p:cNvSpPr/>
+          <p:nvPr/>
+        </p:nvSpPr>
+        <p:spPr>
+          <a:xfrm>
+            <a:off x="339252" y="4362635"/>
+            <a:ext cx="680204" cy="680204"/>
+          </a:xfrm>
+          <a:prstGeom prst="flowChartConnector">
+            <a:avLst/>
+          </a:prstGeom>
+        </p:spPr>
+        <p:style>
+          <a:lnRef idx="3">
+            <a:schemeClr val="lt1"/>
+          </a:lnRef>
+          <a:fillRef idx="1">
+            <a:schemeClr val="accent3"/>
+          </a:fillRef>
+          <a:effectRef idx="1">
+            <a:schemeClr val="accent3"/>
+          </a:effectRef>
+          <a:fontRef idx="minor">
+            <a:schemeClr val="lt1"/>
+          </a:fontRef>
+        </p:style>
+        <p:txBody>
+          <a:bodyPr rtlCol="0" anchor="ctr"/>
+          <a:lstStyle/>
+          <a:p>
+            <a:pPr algn="ctr"/>
+            <a:endParaRPr lang="en-GB"/>
+          </a:p>
+        </p:txBody>
+      </p:sp>
+      <p:sp>
+        <p:nvSpPr>
+          <p:cNvPr id="28" name="Flowchart: Connector 27">
+            <a:extLst>
+              <a:ext uri="{FF2B5EF4-FFF2-40B4-BE49-F238E27FC236}">
+                <a16:creationId xmlns:a16="http://schemas.microsoft.com/office/drawing/2014/main" id="{BB51505C-8EBA-47A0-80B7-BBE373755A30}"/>
+              </a:ext>
+            </a:extLst>
+          </p:cNvPr>
+          <p:cNvSpPr/>
+          <p:nvPr/>
+        </p:nvSpPr>
+        <p:spPr>
+          <a:xfrm>
+            <a:off x="3032141" y="1801427"/>
+            <a:ext cx="680204" cy="680204"/>
+          </a:xfrm>
+          <a:prstGeom prst="flowChartConnector">
+            <a:avLst/>
+          </a:prstGeom>
+        </p:spPr>
+        <p:style>
+          <a:lnRef idx="3">
+            <a:schemeClr val="lt1"/>
+          </a:lnRef>
+          <a:fillRef idx="1">
+            <a:schemeClr val="accent3"/>
+          </a:fillRef>
+          <a:effectRef idx="1">
+            <a:schemeClr val="accent3"/>
+          </a:effectRef>
+          <a:fontRef idx="minor">
+            <a:schemeClr val="lt1"/>
+          </a:fontRef>
+        </p:style>
+        <p:txBody>
+          <a:bodyPr rtlCol="0" anchor="ctr"/>
+          <a:lstStyle/>
+          <a:p>
+            <a:pPr algn="ctr"/>
+            <a:endParaRPr lang="en-GB"/>
+          </a:p>
+        </p:txBody>
+      </p:sp>
+      <p:sp>
+        <p:nvSpPr>
+          <p:cNvPr id="29" name="Flowchart: Connector 28">
+            <a:extLst>
+              <a:ext uri="{FF2B5EF4-FFF2-40B4-BE49-F238E27FC236}">
+                <a16:creationId xmlns:a16="http://schemas.microsoft.com/office/drawing/2014/main" id="{0094DA00-404F-47AF-AC95-E9E04B1A93BD}"/>
+              </a:ext>
+            </a:extLst>
+          </p:cNvPr>
+          <p:cNvSpPr/>
+          <p:nvPr/>
+        </p:nvSpPr>
+        <p:spPr>
+          <a:xfrm>
+            <a:off x="3032141" y="2655163"/>
+            <a:ext cx="680204" cy="680204"/>
+          </a:xfrm>
+          <a:prstGeom prst="flowChartConnector">
+            <a:avLst/>
+          </a:prstGeom>
+        </p:spPr>
+        <p:style>
+          <a:lnRef idx="3">
+            <a:schemeClr val="lt1"/>
+          </a:lnRef>
+          <a:fillRef idx="1">
+            <a:schemeClr val="accent3"/>
+          </a:fillRef>
+          <a:effectRef idx="1">
+            <a:schemeClr val="accent3"/>
+          </a:effectRef>
+          <a:fontRef idx="minor">
+            <a:schemeClr val="lt1"/>
+          </a:fontRef>
+        </p:style>
+        <p:txBody>
+          <a:bodyPr rtlCol="0" anchor="ctr"/>
+          <a:lstStyle/>
+          <a:p>
+            <a:pPr algn="ctr"/>
+            <a:endParaRPr lang="en-GB"/>
+          </a:p>
+        </p:txBody>
+      </p:sp>
+      <p:sp>
+        <p:nvSpPr>
+          <p:cNvPr id="30" name="Flowchart: Connector 29">
+            <a:extLst>
+              <a:ext uri="{FF2B5EF4-FFF2-40B4-BE49-F238E27FC236}">
+                <a16:creationId xmlns:a16="http://schemas.microsoft.com/office/drawing/2014/main" id="{47867B77-E2EA-4E4F-AF6D-58EADB704598}"/>
+              </a:ext>
+            </a:extLst>
+          </p:cNvPr>
+          <p:cNvSpPr/>
+          <p:nvPr/>
+        </p:nvSpPr>
+        <p:spPr>
+          <a:xfrm>
+            <a:off x="3032141" y="3508899"/>
+            <a:ext cx="680204" cy="680204"/>
+          </a:xfrm>
+          <a:prstGeom prst="flowChartConnector">
+            <a:avLst/>
+          </a:prstGeom>
+        </p:spPr>
+        <p:style>
+          <a:lnRef idx="3">
+            <a:schemeClr val="lt1"/>
+          </a:lnRef>
+          <a:fillRef idx="1">
+            <a:schemeClr val="accent3"/>
+          </a:fillRef>
+          <a:effectRef idx="1">
+            <a:schemeClr val="accent3"/>
+          </a:effectRef>
+          <a:fontRef idx="minor">
+            <a:schemeClr val="lt1"/>
+          </a:fontRef>
+        </p:style>
+        <p:txBody>
+          <a:bodyPr rtlCol="0" anchor="ctr"/>
+          <a:lstStyle/>
+          <a:p>
+            <a:pPr algn="ctr"/>
+            <a:endParaRPr lang="en-GB"/>
+          </a:p>
+        </p:txBody>
+      </p:sp>
+      <p:sp>
+        <p:nvSpPr>
+          <p:cNvPr id="31" name="Flowchart: Connector 30">
+            <a:extLst>
+              <a:ext uri="{FF2B5EF4-FFF2-40B4-BE49-F238E27FC236}">
+                <a16:creationId xmlns:a16="http://schemas.microsoft.com/office/drawing/2014/main" id="{A6D37700-6579-4F4A-BCC3-B626AFAC6EFC}"/>
+              </a:ext>
+            </a:extLst>
+          </p:cNvPr>
+          <p:cNvSpPr/>
+          <p:nvPr/>
+        </p:nvSpPr>
+        <p:spPr>
+          <a:xfrm>
+            <a:off x="3021584" y="4362635"/>
+            <a:ext cx="680204" cy="680204"/>
+          </a:xfrm>
+          <a:prstGeom prst="flowChartConnector">
+            <a:avLst/>
+          </a:prstGeom>
+        </p:spPr>
+        <p:style>
+          <a:lnRef idx="3">
+            <a:schemeClr val="lt1"/>
+          </a:lnRef>
+          <a:fillRef idx="1">
+            <a:schemeClr val="accent3"/>
+          </a:fillRef>
+          <a:effectRef idx="1">
+            <a:schemeClr val="accent3"/>
+          </a:effectRef>
+          <a:fontRef idx="minor">
+            <a:schemeClr val="lt1"/>
+          </a:fontRef>
+        </p:style>
+        <p:txBody>
+          <a:bodyPr rtlCol="0" anchor="ctr"/>
+          <a:lstStyle/>
+          <a:p>
+            <a:pPr algn="ctr"/>
+            <a:endParaRPr lang="en-GB"/>
+          </a:p>
+        </p:txBody>
+      </p:sp>
+      <p:sp>
+        <p:nvSpPr>
+          <p:cNvPr id="32" name="Flowchart: Connector 31">
+            <a:extLst>
+              <a:ext uri="{FF2B5EF4-FFF2-40B4-BE49-F238E27FC236}">
+                <a16:creationId xmlns:a16="http://schemas.microsoft.com/office/drawing/2014/main" id="{79A58913-9274-4F6B-8921-15BDCFD1BDA4}"/>
+              </a:ext>
+            </a:extLst>
+          </p:cNvPr>
+          <p:cNvSpPr/>
+          <p:nvPr/>
+        </p:nvSpPr>
+        <p:spPr>
+          <a:xfrm>
+            <a:off x="3032141" y="947691"/>
+            <a:ext cx="680204" cy="680204"/>
+          </a:xfrm>
+          <a:prstGeom prst="flowChartConnector">
+            <a:avLst/>
+          </a:prstGeom>
+        </p:spPr>
+        <p:style>
+          <a:lnRef idx="3">
+            <a:schemeClr val="lt1"/>
+          </a:lnRef>
+          <a:fillRef idx="1">
+            <a:schemeClr val="accent3"/>
+          </a:fillRef>
+          <a:effectRef idx="1">
+            <a:schemeClr val="accent3"/>
+          </a:effectRef>
+          <a:fontRef idx="minor">
+            <a:schemeClr val="lt1"/>
+          </a:fontRef>
+        </p:style>
+        <p:txBody>
+          <a:bodyPr rtlCol="0" anchor="ctr"/>
+          <a:lstStyle/>
+          <a:p>
+            <a:pPr algn="ctr"/>
+            <a:endParaRPr lang="en-GB"/>
+          </a:p>
+        </p:txBody>
+      </p:sp>
+      <p:sp>
+        <p:nvSpPr>
+          <p:cNvPr id="33" name="Flowchart: Connector 32">
+            <a:extLst>
+              <a:ext uri="{FF2B5EF4-FFF2-40B4-BE49-F238E27FC236}">
+                <a16:creationId xmlns:a16="http://schemas.microsoft.com/office/drawing/2014/main" id="{09F3B548-0FF7-4416-835E-07AB5524DC47}"/>
+              </a:ext>
+            </a:extLst>
+          </p:cNvPr>
+          <p:cNvSpPr/>
+          <p:nvPr/>
+        </p:nvSpPr>
+        <p:spPr>
+          <a:xfrm>
+            <a:off x="3032141" y="5216371"/>
+            <a:ext cx="680204" cy="680204"/>
+          </a:xfrm>
+          <a:prstGeom prst="flowChartConnector">
+            <a:avLst/>
+          </a:prstGeom>
+        </p:spPr>
+        <p:style>
+          <a:lnRef idx="3">
+            <a:schemeClr val="lt1"/>
+          </a:lnRef>
+          <a:fillRef idx="1">
+            <a:schemeClr val="accent3"/>
+          </a:fillRef>
+          <a:effectRef idx="1">
+            <a:schemeClr val="accent3"/>
+          </a:effectRef>
+          <a:fontRef idx="minor">
+            <a:schemeClr val="lt1"/>
+          </a:fontRef>
+        </p:style>
+        <p:txBody>
+          <a:bodyPr rtlCol="0" anchor="ctr"/>
+          <a:lstStyle/>
+          <a:p>
+            <a:pPr algn="ctr"/>
+            <a:endParaRPr lang="en-GB"/>
+          </a:p>
+        </p:txBody>
+      </p:sp>
+      <p:sp>
+        <p:nvSpPr>
+          <p:cNvPr id="34" name="Flowchart: Connector 33">
+            <a:extLst>
+              <a:ext uri="{FF2B5EF4-FFF2-40B4-BE49-F238E27FC236}">
+                <a16:creationId xmlns:a16="http://schemas.microsoft.com/office/drawing/2014/main" id="{8C9801BC-1AE9-41EB-B755-094A13CC3871}"/>
+              </a:ext>
+            </a:extLst>
+          </p:cNvPr>
+          <p:cNvSpPr/>
+          <p:nvPr/>
+        </p:nvSpPr>
+        <p:spPr>
+          <a:xfrm>
+            <a:off x="5231905" y="1801427"/>
+            <a:ext cx="680204" cy="680204"/>
+          </a:xfrm>
+          <a:prstGeom prst="flowChartConnector">
+            <a:avLst/>
+          </a:prstGeom>
+        </p:spPr>
+        <p:style>
+          <a:lnRef idx="3">
+            <a:schemeClr val="lt1"/>
+          </a:lnRef>
+          <a:fillRef idx="1">
+            <a:schemeClr val="accent3"/>
+          </a:fillRef>
+          <a:effectRef idx="1">
+            <a:schemeClr val="accent3"/>
+          </a:effectRef>
+          <a:fontRef idx="minor">
+            <a:schemeClr val="lt1"/>
+          </a:fontRef>
+        </p:style>
+        <p:txBody>
+          <a:bodyPr rtlCol="0" anchor="ctr"/>
+          <a:lstStyle/>
+          <a:p>
+            <a:pPr algn="ctr"/>
+            <a:endParaRPr lang="en-GB"/>
+          </a:p>
+        </p:txBody>
+      </p:sp>
+      <p:sp>
+        <p:nvSpPr>
+          <p:cNvPr id="35" name="Flowchart: Connector 34">
+            <a:extLst>
+              <a:ext uri="{FF2B5EF4-FFF2-40B4-BE49-F238E27FC236}">
+                <a16:creationId xmlns:a16="http://schemas.microsoft.com/office/drawing/2014/main" id="{502828E4-AC31-42E0-82C5-3A0DA75089AE}"/>
+              </a:ext>
+            </a:extLst>
+          </p:cNvPr>
+          <p:cNvSpPr/>
+          <p:nvPr/>
+        </p:nvSpPr>
+        <p:spPr>
+          <a:xfrm>
+            <a:off x="5231905" y="2655163"/>
+            <a:ext cx="680204" cy="680204"/>
+          </a:xfrm>
+          <a:prstGeom prst="flowChartConnector">
+            <a:avLst/>
+          </a:prstGeom>
+        </p:spPr>
+        <p:style>
+          <a:lnRef idx="3">
+            <a:schemeClr val="lt1"/>
+          </a:lnRef>
+          <a:fillRef idx="1">
+            <a:schemeClr val="accent3"/>
+          </a:fillRef>
+          <a:effectRef idx="1">
+            <a:schemeClr val="accent3"/>
+          </a:effectRef>
+          <a:fontRef idx="minor">
+            <a:schemeClr val="lt1"/>
+          </a:fontRef>
+        </p:style>
+        <p:txBody>
+          <a:bodyPr rtlCol="0" anchor="ctr"/>
+          <a:lstStyle/>
+          <a:p>
+            <a:pPr algn="ctr"/>
+            <a:endParaRPr lang="en-GB"/>
+          </a:p>
+        </p:txBody>
+      </p:sp>
+      <p:sp>
+        <p:nvSpPr>
+          <p:cNvPr id="36" name="Flowchart: Connector 35">
+            <a:extLst>
+              <a:ext uri="{FF2B5EF4-FFF2-40B4-BE49-F238E27FC236}">
+                <a16:creationId xmlns:a16="http://schemas.microsoft.com/office/drawing/2014/main" id="{91FB9922-4AB6-478E-9EDB-6470631F6042}"/>
+              </a:ext>
+            </a:extLst>
+          </p:cNvPr>
+          <p:cNvSpPr/>
+          <p:nvPr/>
+        </p:nvSpPr>
+        <p:spPr>
+          <a:xfrm>
+            <a:off x="5231905" y="3508899"/>
+            <a:ext cx="680204" cy="680204"/>
+          </a:xfrm>
+          <a:prstGeom prst="flowChartConnector">
+            <a:avLst/>
+          </a:prstGeom>
+        </p:spPr>
+        <p:style>
+          <a:lnRef idx="3">
+            <a:schemeClr val="lt1"/>
+          </a:lnRef>
+          <a:fillRef idx="1">
+            <a:schemeClr val="accent3"/>
+          </a:fillRef>
+          <a:effectRef idx="1">
+            <a:schemeClr val="accent3"/>
+          </a:effectRef>
+          <a:fontRef idx="minor">
+            <a:schemeClr val="lt1"/>
+          </a:fontRef>
+        </p:style>
+        <p:txBody>
+          <a:bodyPr rtlCol="0" anchor="ctr"/>
+          <a:lstStyle/>
+          <a:p>
+            <a:pPr algn="ctr"/>
+            <a:endParaRPr lang="en-GB"/>
+          </a:p>
+        </p:txBody>
+      </p:sp>
+      <p:sp>
+        <p:nvSpPr>
+          <p:cNvPr id="37" name="Flowchart: Connector 36">
+            <a:extLst>
+              <a:ext uri="{FF2B5EF4-FFF2-40B4-BE49-F238E27FC236}">
+                <a16:creationId xmlns:a16="http://schemas.microsoft.com/office/drawing/2014/main" id="{4F5DF48C-C5FA-4730-9F22-39DEAAE5A918}"/>
+              </a:ext>
+            </a:extLst>
+          </p:cNvPr>
+          <p:cNvSpPr/>
+          <p:nvPr/>
+        </p:nvSpPr>
+        <p:spPr>
+          <a:xfrm>
+            <a:off x="5221348" y="4362635"/>
+            <a:ext cx="680204" cy="680204"/>
+          </a:xfrm>
+          <a:prstGeom prst="flowChartConnector">
+            <a:avLst/>
+          </a:prstGeom>
+        </p:spPr>
+        <p:style>
+          <a:lnRef idx="3">
+            <a:schemeClr val="lt1"/>
+          </a:lnRef>
+          <a:fillRef idx="1">
+            <a:schemeClr val="accent3"/>
+          </a:fillRef>
+          <a:effectRef idx="1">
+            <a:schemeClr val="accent3"/>
+          </a:effectRef>
+          <a:fontRef idx="minor">
+            <a:schemeClr val="lt1"/>
+          </a:fontRef>
+        </p:style>
+        <p:txBody>
+          <a:bodyPr rtlCol="0" anchor="ctr"/>
+          <a:lstStyle/>
+          <a:p>
+            <a:pPr algn="ctr"/>
+            <a:endParaRPr lang="en-GB"/>
+          </a:p>
+        </p:txBody>
+      </p:sp>
+      <p:sp>
+        <p:nvSpPr>
+          <p:cNvPr id="38" name="Flowchart: Connector 37">
+            <a:extLst>
+              <a:ext uri="{FF2B5EF4-FFF2-40B4-BE49-F238E27FC236}">
+                <a16:creationId xmlns:a16="http://schemas.microsoft.com/office/drawing/2014/main" id="{4A153EC3-F7DA-4E15-A3FA-F05D6ABF3214}"/>
+              </a:ext>
+            </a:extLst>
+          </p:cNvPr>
+          <p:cNvSpPr/>
+          <p:nvPr/>
+        </p:nvSpPr>
+        <p:spPr>
+          <a:xfrm>
+            <a:off x="5231905" y="947691"/>
+            <a:ext cx="680204" cy="680204"/>
+          </a:xfrm>
+          <a:prstGeom prst="flowChartConnector">
+            <a:avLst/>
+          </a:prstGeom>
+        </p:spPr>
+        <p:style>
+          <a:lnRef idx="3">
+            <a:schemeClr val="lt1"/>
+          </a:lnRef>
+          <a:fillRef idx="1">
+            <a:schemeClr val="accent3"/>
+          </a:fillRef>
+          <a:effectRef idx="1">
+            <a:schemeClr val="accent3"/>
+          </a:effectRef>
+          <a:fontRef idx="minor">
+            <a:schemeClr val="lt1"/>
+          </a:fontRef>
+        </p:style>
+        <p:txBody>
+          <a:bodyPr rtlCol="0" anchor="ctr"/>
+          <a:lstStyle/>
+          <a:p>
+            <a:pPr algn="ctr"/>
+            <a:endParaRPr lang="en-GB"/>
+          </a:p>
+        </p:txBody>
+      </p:sp>
+      <p:sp>
+        <p:nvSpPr>
+          <p:cNvPr id="39" name="Flowchart: Connector 38">
+            <a:extLst>
+              <a:ext uri="{FF2B5EF4-FFF2-40B4-BE49-F238E27FC236}">
+                <a16:creationId xmlns:a16="http://schemas.microsoft.com/office/drawing/2014/main" id="{45397DC3-F3DE-4CC1-BBB4-8D92EB610B31}"/>
+              </a:ext>
+            </a:extLst>
+          </p:cNvPr>
+          <p:cNvSpPr/>
+          <p:nvPr/>
+        </p:nvSpPr>
+        <p:spPr>
+          <a:xfrm>
+            <a:off x="5231905" y="5216371"/>
+            <a:ext cx="680204" cy="680204"/>
+          </a:xfrm>
+          <a:prstGeom prst="flowChartConnector">
+            <a:avLst/>
+          </a:prstGeom>
+        </p:spPr>
+        <p:style>
+          <a:lnRef idx="3">
+            <a:schemeClr val="lt1"/>
+          </a:lnRef>
+          <a:fillRef idx="1">
+            <a:schemeClr val="accent3"/>
+          </a:fillRef>
+          <a:effectRef idx="1">
+            <a:schemeClr val="accent3"/>
+          </a:effectRef>
+          <a:fontRef idx="minor">
+            <a:schemeClr val="lt1"/>
+          </a:fontRef>
+        </p:style>
+        <p:txBody>
+          <a:bodyPr rtlCol="0" anchor="ctr"/>
+          <a:lstStyle/>
+          <a:p>
+            <a:pPr algn="ctr"/>
+            <a:endParaRPr lang="en-GB"/>
+          </a:p>
+        </p:txBody>
+      </p:sp>
+      <p:sp>
+        <p:nvSpPr>
+          <p:cNvPr id="40" name="Flowchart: Connector 39">
+            <a:extLst>
+              <a:ext uri="{FF2B5EF4-FFF2-40B4-BE49-F238E27FC236}">
+                <a16:creationId xmlns:a16="http://schemas.microsoft.com/office/drawing/2014/main" id="{BA3E623C-0527-437B-A98B-0E18266E4F19}"/>
+              </a:ext>
+            </a:extLst>
+          </p:cNvPr>
+          <p:cNvSpPr/>
+          <p:nvPr/>
+        </p:nvSpPr>
+        <p:spPr>
+          <a:xfrm>
+            <a:off x="7237610" y="1801427"/>
+            <a:ext cx="680204" cy="680204"/>
+          </a:xfrm>
+          <a:prstGeom prst="flowChartConnector">
+            <a:avLst/>
+          </a:prstGeom>
+        </p:spPr>
+        <p:style>
+          <a:lnRef idx="3">
+            <a:schemeClr val="lt1"/>
+          </a:lnRef>
+          <a:fillRef idx="1">
+            <a:schemeClr val="accent3"/>
+          </a:fillRef>
+          <a:effectRef idx="1">
+            <a:schemeClr val="accent3"/>
+          </a:effectRef>
+          <a:fontRef idx="minor">
+            <a:schemeClr val="lt1"/>
+          </a:fontRef>
+        </p:style>
+        <p:txBody>
+          <a:bodyPr rtlCol="0" anchor="ctr"/>
+          <a:lstStyle/>
+          <a:p>
+            <a:pPr algn="ctr"/>
+            <a:endParaRPr lang="en-GB"/>
+          </a:p>
+        </p:txBody>
+      </p:sp>
+      <p:sp>
+        <p:nvSpPr>
+          <p:cNvPr id="41" name="Flowchart: Connector 40">
+            <a:extLst>
+              <a:ext uri="{FF2B5EF4-FFF2-40B4-BE49-F238E27FC236}">
+                <a16:creationId xmlns:a16="http://schemas.microsoft.com/office/drawing/2014/main" id="{66A5ADA8-5CCA-4086-938B-67CD976C4781}"/>
+              </a:ext>
+            </a:extLst>
+          </p:cNvPr>
+          <p:cNvSpPr/>
+          <p:nvPr/>
+        </p:nvSpPr>
+        <p:spPr>
+          <a:xfrm>
+            <a:off x="7237610" y="2655163"/>
+            <a:ext cx="680204" cy="680204"/>
+          </a:xfrm>
+          <a:prstGeom prst="flowChartConnector">
+            <a:avLst/>
+          </a:prstGeom>
+        </p:spPr>
+        <p:style>
+          <a:lnRef idx="3">
+            <a:schemeClr val="lt1"/>
+          </a:lnRef>
+          <a:fillRef idx="1">
+            <a:schemeClr val="accent3"/>
+          </a:fillRef>
+          <a:effectRef idx="1">
+            <a:schemeClr val="accent3"/>
+          </a:effectRef>
+          <a:fontRef idx="minor">
+            <a:schemeClr val="lt1"/>
+          </a:fontRef>
+        </p:style>
+        <p:txBody>
+          <a:bodyPr rtlCol="0" anchor="ctr"/>
+          <a:lstStyle/>
+          <a:p>
+            <a:pPr algn="ctr"/>
+            <a:endParaRPr lang="en-GB"/>
+          </a:p>
+        </p:txBody>
+      </p:sp>
+      <p:sp>
+        <p:nvSpPr>
+          <p:cNvPr id="42" name="Flowchart: Connector 41">
+            <a:extLst>
+              <a:ext uri="{FF2B5EF4-FFF2-40B4-BE49-F238E27FC236}">
+                <a16:creationId xmlns:a16="http://schemas.microsoft.com/office/drawing/2014/main" id="{F8994B28-39F0-4CF2-8C61-7D494B4E565C}"/>
+              </a:ext>
+            </a:extLst>
+          </p:cNvPr>
+          <p:cNvSpPr/>
+          <p:nvPr/>
+        </p:nvSpPr>
+        <p:spPr>
+          <a:xfrm>
+            <a:off x="7237610" y="3508899"/>
+            <a:ext cx="680204" cy="680204"/>
+          </a:xfrm>
+          <a:prstGeom prst="flowChartConnector">
+            <a:avLst/>
+          </a:prstGeom>
+        </p:spPr>
+        <p:style>
+          <a:lnRef idx="3">
+            <a:schemeClr val="lt1"/>
+          </a:lnRef>
+          <a:fillRef idx="1">
+            <a:schemeClr val="accent3"/>
+          </a:fillRef>
+          <a:effectRef idx="1">
+            <a:schemeClr val="accent3"/>
+          </a:effectRef>
+          <a:fontRef idx="minor">
+            <a:schemeClr val="lt1"/>
+          </a:fontRef>
+        </p:style>
+        <p:txBody>
+          <a:bodyPr rtlCol="0" anchor="ctr"/>
+          <a:lstStyle/>
+          <a:p>
+            <a:pPr algn="ctr"/>
+            <a:endParaRPr lang="en-GB"/>
+          </a:p>
+        </p:txBody>
+      </p:sp>
+      <p:sp>
+        <p:nvSpPr>
+          <p:cNvPr id="43" name="Flowchart: Connector 42">
+            <a:extLst>
+              <a:ext uri="{FF2B5EF4-FFF2-40B4-BE49-F238E27FC236}">
+                <a16:creationId xmlns:a16="http://schemas.microsoft.com/office/drawing/2014/main" id="{311F8AFA-CAF5-4019-BE30-6A3B128FF5B3}"/>
+              </a:ext>
+            </a:extLst>
+          </p:cNvPr>
+          <p:cNvSpPr/>
+          <p:nvPr/>
+        </p:nvSpPr>
+        <p:spPr>
+          <a:xfrm>
+            <a:off x="7227053" y="4362635"/>
+            <a:ext cx="680204" cy="680204"/>
+          </a:xfrm>
+          <a:prstGeom prst="flowChartConnector">
+            <a:avLst/>
+          </a:prstGeom>
+        </p:spPr>
+        <p:style>
+          <a:lnRef idx="3">
+            <a:schemeClr val="lt1"/>
+          </a:lnRef>
+          <a:fillRef idx="1">
+            <a:schemeClr val="accent3"/>
+          </a:fillRef>
+          <a:effectRef idx="1">
+            <a:schemeClr val="accent3"/>
+          </a:effectRef>
+          <a:fontRef idx="minor">
+            <a:schemeClr val="lt1"/>
+          </a:fontRef>
+        </p:style>
+        <p:txBody>
+          <a:bodyPr rtlCol="0" anchor="ctr"/>
+          <a:lstStyle/>
+          <a:p>
+            <a:pPr algn="ctr"/>
+            <a:endParaRPr lang="en-GB"/>
+          </a:p>
+        </p:txBody>
+      </p:sp>
+      <p:sp>
+        <p:nvSpPr>
+          <p:cNvPr id="44" name="Flowchart: Connector 43">
+            <a:extLst>
+              <a:ext uri="{FF2B5EF4-FFF2-40B4-BE49-F238E27FC236}">
+                <a16:creationId xmlns:a16="http://schemas.microsoft.com/office/drawing/2014/main" id="{E9FBE36B-8D61-44F8-AE56-17BBA5556721}"/>
+              </a:ext>
+            </a:extLst>
+          </p:cNvPr>
+          <p:cNvSpPr/>
+          <p:nvPr/>
+        </p:nvSpPr>
+        <p:spPr>
+          <a:xfrm>
+            <a:off x="7237610" y="947691"/>
+            <a:ext cx="680204" cy="680204"/>
+          </a:xfrm>
+          <a:prstGeom prst="flowChartConnector">
+            <a:avLst/>
+          </a:prstGeom>
+        </p:spPr>
+        <p:style>
+          <a:lnRef idx="3">
+            <a:schemeClr val="lt1"/>
+          </a:lnRef>
+          <a:fillRef idx="1">
+            <a:schemeClr val="accent3"/>
+          </a:fillRef>
+          <a:effectRef idx="1">
+            <a:schemeClr val="accent3"/>
+          </a:effectRef>
+          <a:fontRef idx="minor">
+            <a:schemeClr val="lt1"/>
+          </a:fontRef>
+        </p:style>
+        <p:txBody>
+          <a:bodyPr rtlCol="0" anchor="ctr"/>
+          <a:lstStyle/>
+          <a:p>
+            <a:pPr algn="ctr"/>
+            <a:endParaRPr lang="en-GB"/>
+          </a:p>
+        </p:txBody>
+      </p:sp>
+      <p:sp>
+        <p:nvSpPr>
+          <p:cNvPr id="45" name="Flowchart: Connector 44">
+            <a:extLst>
+              <a:ext uri="{FF2B5EF4-FFF2-40B4-BE49-F238E27FC236}">
+                <a16:creationId xmlns:a16="http://schemas.microsoft.com/office/drawing/2014/main" id="{042D636D-BEE2-4343-B63C-D464391F4430}"/>
+              </a:ext>
+            </a:extLst>
+          </p:cNvPr>
+          <p:cNvSpPr/>
+          <p:nvPr/>
+        </p:nvSpPr>
+        <p:spPr>
+          <a:xfrm>
+            <a:off x="7237610" y="5216371"/>
+            <a:ext cx="680204" cy="680204"/>
+          </a:xfrm>
+          <a:prstGeom prst="flowChartConnector">
+            <a:avLst/>
+          </a:prstGeom>
+        </p:spPr>
+        <p:style>
+          <a:lnRef idx="3">
+            <a:schemeClr val="lt1"/>
+          </a:lnRef>
+          <a:fillRef idx="1">
+            <a:schemeClr val="accent3"/>
+          </a:fillRef>
+          <a:effectRef idx="1">
+            <a:schemeClr val="accent3"/>
+          </a:effectRef>
+          <a:fontRef idx="minor">
+            <a:schemeClr val="lt1"/>
+          </a:fontRef>
+        </p:style>
+        <p:txBody>
+          <a:bodyPr rtlCol="0" anchor="ctr"/>
+          <a:lstStyle/>
+          <a:p>
+            <a:pPr algn="ctr"/>
+            <a:endParaRPr lang="en-GB"/>
+          </a:p>
+        </p:txBody>
+      </p:sp>
+      <p:sp>
+        <p:nvSpPr>
+          <p:cNvPr id="46" name="Flowchart: Connector 45">
+            <a:extLst>
+              <a:ext uri="{FF2B5EF4-FFF2-40B4-BE49-F238E27FC236}">
+                <a16:creationId xmlns:a16="http://schemas.microsoft.com/office/drawing/2014/main" id="{9AB00D31-98A4-4468-BA49-43F268160927}"/>
+              </a:ext>
+            </a:extLst>
+          </p:cNvPr>
+          <p:cNvSpPr/>
+          <p:nvPr/>
+        </p:nvSpPr>
+        <p:spPr>
+          <a:xfrm>
+            <a:off x="9788033" y="1801427"/>
+            <a:ext cx="680204" cy="680204"/>
+          </a:xfrm>
+          <a:prstGeom prst="flowChartConnector">
+            <a:avLst/>
+          </a:prstGeom>
+        </p:spPr>
+        <p:style>
+          <a:lnRef idx="3">
+            <a:schemeClr val="lt1"/>
+          </a:lnRef>
+          <a:fillRef idx="1">
+            <a:schemeClr val="accent3"/>
+          </a:fillRef>
+          <a:effectRef idx="1">
+            <a:schemeClr val="accent3"/>
+          </a:effectRef>
+          <a:fontRef idx="minor">
+            <a:schemeClr val="lt1"/>
+          </a:fontRef>
+        </p:style>
+        <p:txBody>
+          <a:bodyPr rtlCol="0" anchor="ctr"/>
+          <a:lstStyle/>
+          <a:p>
+            <a:pPr algn="ctr"/>
+            <a:endParaRPr lang="en-GB"/>
+          </a:p>
+        </p:txBody>
+      </p:sp>
+      <p:sp>
+        <p:nvSpPr>
+          <p:cNvPr id="49" name="Flowchart: Connector 48">
+            <a:extLst>
+              <a:ext uri="{FF2B5EF4-FFF2-40B4-BE49-F238E27FC236}">
+                <a16:creationId xmlns:a16="http://schemas.microsoft.com/office/drawing/2014/main" id="{63A00A87-764D-4330-A6E3-C5B34DC84B35}"/>
+              </a:ext>
+            </a:extLst>
+          </p:cNvPr>
+          <p:cNvSpPr/>
+          <p:nvPr/>
+        </p:nvSpPr>
+        <p:spPr>
+          <a:xfrm>
+            <a:off x="9777476" y="4362635"/>
+            <a:ext cx="680204" cy="680204"/>
+          </a:xfrm>
+          <a:prstGeom prst="flowChartConnector">
+            <a:avLst/>
+          </a:prstGeom>
+        </p:spPr>
+        <p:style>
+          <a:lnRef idx="3">
+            <a:schemeClr val="lt1"/>
+          </a:lnRef>
+          <a:fillRef idx="1">
+            <a:schemeClr val="accent3"/>
+          </a:fillRef>
+          <a:effectRef idx="1">
+            <a:schemeClr val="accent3"/>
+          </a:effectRef>
+          <a:fontRef idx="minor">
+            <a:schemeClr val="lt1"/>
+          </a:fontRef>
+        </p:style>
+        <p:txBody>
+          <a:bodyPr rtlCol="0" anchor="ctr"/>
+          <a:lstStyle/>
+          <a:p>
+            <a:pPr algn="ctr"/>
+            <a:endParaRPr lang="en-GB"/>
+          </a:p>
+        </p:txBody>
+      </p:sp>
+      <p:sp>
+        <p:nvSpPr>
+          <p:cNvPr id="50" name="Flowchart: Connector 49">
+            <a:extLst>
+              <a:ext uri="{FF2B5EF4-FFF2-40B4-BE49-F238E27FC236}">
+                <a16:creationId xmlns:a16="http://schemas.microsoft.com/office/drawing/2014/main" id="{5D6AF853-E65D-4244-93BF-6BABE0D026A9}"/>
+              </a:ext>
+            </a:extLst>
+          </p:cNvPr>
+          <p:cNvSpPr/>
+          <p:nvPr/>
+        </p:nvSpPr>
+        <p:spPr>
+          <a:xfrm>
+            <a:off x="7237610" y="6070107"/>
+            <a:ext cx="680204" cy="680204"/>
+          </a:xfrm>
+          <a:prstGeom prst="flowChartConnector">
+            <a:avLst/>
+          </a:prstGeom>
+        </p:spPr>
+        <p:style>
+          <a:lnRef idx="3">
+            <a:schemeClr val="lt1"/>
+          </a:lnRef>
+          <a:fillRef idx="1">
+            <a:schemeClr val="accent3"/>
+          </a:fillRef>
+          <a:effectRef idx="1">
+            <a:schemeClr val="accent3"/>
+          </a:effectRef>
+          <a:fontRef idx="minor">
+            <a:schemeClr val="lt1"/>
+          </a:fontRef>
+        </p:style>
+        <p:txBody>
+          <a:bodyPr rtlCol="0" anchor="ctr"/>
+          <a:lstStyle/>
+          <a:p>
+            <a:pPr algn="ctr"/>
+            <a:endParaRPr lang="en-GB"/>
+          </a:p>
+        </p:txBody>
+      </p:sp>
+      <p:sp>
+        <p:nvSpPr>
+          <p:cNvPr id="51" name="Flowchart: Connector 50">
+            <a:extLst>
+              <a:ext uri="{FF2B5EF4-FFF2-40B4-BE49-F238E27FC236}">
+                <a16:creationId xmlns:a16="http://schemas.microsoft.com/office/drawing/2014/main" id="{291808B3-CE69-4E3F-B1F2-76778CC1E22E}"/>
+              </a:ext>
+            </a:extLst>
+          </p:cNvPr>
+          <p:cNvSpPr/>
+          <p:nvPr/>
+        </p:nvSpPr>
+        <p:spPr>
+          <a:xfrm>
+            <a:off x="7227053" y="93955"/>
+            <a:ext cx="680204" cy="680204"/>
+          </a:xfrm>
+          <a:prstGeom prst="flowChartConnector">
+            <a:avLst/>
+          </a:prstGeom>
+        </p:spPr>
+        <p:style>
+          <a:lnRef idx="3">
+            <a:schemeClr val="lt1"/>
+          </a:lnRef>
+          <a:fillRef idx="1">
+            <a:schemeClr val="accent3"/>
+          </a:fillRef>
+          <a:effectRef idx="1">
+            <a:schemeClr val="accent3"/>
+          </a:effectRef>
+          <a:fontRef idx="minor">
+            <a:schemeClr val="lt1"/>
+          </a:fontRef>
+        </p:style>
+        <p:txBody>
+          <a:bodyPr rtlCol="0" anchor="ctr"/>
+          <a:lstStyle/>
+          <a:p>
+            <a:pPr algn="ctr"/>
+            <a:endParaRPr lang="en-GB"/>
+          </a:p>
+        </p:txBody>
+      </p:sp>
+      <p:cxnSp>
+        <p:nvCxnSpPr>
+          <p:cNvPr id="53" name="Straight Arrow Connector 52">
+            <a:extLst>
+              <a:ext uri="{FF2B5EF4-FFF2-40B4-BE49-F238E27FC236}">
+                <a16:creationId xmlns:a16="http://schemas.microsoft.com/office/drawing/2014/main" id="{08239C5D-0DA7-4508-A8C8-D10E13311ED0}"/>
+              </a:ext>
+            </a:extLst>
+          </p:cNvPr>
+          <p:cNvCxnSpPr>
+            <a:stCxn id="4" idx="6"/>
+            <a:endCxn id="32" idx="2"/>
+          </p:cNvCxnSpPr>
+          <p:nvPr/>
+        </p:nvCxnSpPr>
+        <p:spPr>
+          <a:xfrm flipV="1">
+            <a:off x="1030013" y="1287793"/>
+            <a:ext cx="2002128" cy="853736"/>
+          </a:xfrm>
+          <a:prstGeom prst="straightConnector1">
+            <a:avLst/>
+          </a:prstGeom>
+          <a:ln>
+            <a:tailEnd type="triangle"/>
+          </a:ln>
+        </p:spPr>
+        <p:style>
+          <a:lnRef idx="3">
+            <a:schemeClr val="dk1"/>
+          </a:lnRef>
+          <a:fillRef idx="0">
+            <a:schemeClr val="dk1"/>
+          </a:fillRef>
+          <a:effectRef idx="2">
+            <a:schemeClr val="dk1"/>
+          </a:effectRef>
+          <a:fontRef idx="minor">
+            <a:schemeClr val="tx1"/>
+          </a:fontRef>
+        </p:style>
+      </p:cxnSp>
+      <p:cxnSp>
+        <p:nvCxnSpPr>
+          <p:cNvPr id="54" name="Straight Arrow Connector 53">
+            <a:extLst>
+              <a:ext uri="{FF2B5EF4-FFF2-40B4-BE49-F238E27FC236}">
+                <a16:creationId xmlns:a16="http://schemas.microsoft.com/office/drawing/2014/main" id="{C80772E8-7AA4-4C99-8D33-BCD05657A39B}"/>
+              </a:ext>
+            </a:extLst>
+          </p:cNvPr>
+          <p:cNvCxnSpPr>
+            <a:cxnSpLocks/>
+            <a:stCxn id="4" idx="6"/>
+            <a:endCxn id="28" idx="2"/>
+          </p:cNvCxnSpPr>
+          <p:nvPr/>
+        </p:nvCxnSpPr>
+        <p:spPr>
+          <a:xfrm>
+            <a:off x="1030013" y="2141529"/>
+            <a:ext cx="2002128" cy="0"/>
+          </a:xfrm>
+          <a:prstGeom prst="straightConnector1">
+            <a:avLst/>
+          </a:prstGeom>
+          <a:ln>
+            <a:tailEnd type="triangle"/>
+          </a:ln>
+        </p:spPr>
+        <p:style>
+          <a:lnRef idx="3">
+            <a:schemeClr val="dk1"/>
+          </a:lnRef>
+          <a:fillRef idx="0">
+            <a:schemeClr val="dk1"/>
+          </a:fillRef>
+          <a:effectRef idx="2">
+            <a:schemeClr val="dk1"/>
+          </a:effectRef>
+          <a:fontRef idx="minor">
+            <a:schemeClr val="tx1"/>
+          </a:fontRef>
+        </p:style>
+      </p:cxnSp>
+      <p:cxnSp>
+        <p:nvCxnSpPr>
+          <p:cNvPr id="57" name="Straight Arrow Connector 56">
+            <a:extLst>
+              <a:ext uri="{FF2B5EF4-FFF2-40B4-BE49-F238E27FC236}">
+                <a16:creationId xmlns:a16="http://schemas.microsoft.com/office/drawing/2014/main" id="{FCB2D094-F5FE-4F62-9BB4-0F0A381CE8C9}"/>
+              </a:ext>
+            </a:extLst>
+          </p:cNvPr>
+          <p:cNvCxnSpPr>
+            <a:cxnSpLocks/>
+            <a:stCxn id="4" idx="6"/>
+            <a:endCxn id="29" idx="2"/>
+          </p:cNvCxnSpPr>
+          <p:nvPr/>
+        </p:nvCxnSpPr>
+        <p:spPr>
+          <a:xfrm>
+            <a:off x="1030013" y="2141529"/>
+            <a:ext cx="2002128" cy="853736"/>
+          </a:xfrm>
+          <a:prstGeom prst="straightConnector1">
+            <a:avLst/>
+          </a:prstGeom>
+          <a:ln>
+            <a:tailEnd type="triangle"/>
+          </a:ln>
+        </p:spPr>
+        <p:style>
+          <a:lnRef idx="3">
+            <a:schemeClr val="dk1"/>
+          </a:lnRef>
+          <a:fillRef idx="0">
+            <a:schemeClr val="dk1"/>
+          </a:fillRef>
+          <a:effectRef idx="2">
+            <a:schemeClr val="dk1"/>
+          </a:effectRef>
+          <a:fontRef idx="minor">
+            <a:schemeClr val="tx1"/>
+          </a:fontRef>
+        </p:style>
+      </p:cxnSp>
+      <p:cxnSp>
+        <p:nvCxnSpPr>
+          <p:cNvPr id="60" name="Straight Arrow Connector 59">
+            <a:extLst>
+              <a:ext uri="{FF2B5EF4-FFF2-40B4-BE49-F238E27FC236}">
+                <a16:creationId xmlns:a16="http://schemas.microsoft.com/office/drawing/2014/main" id="{D95F6D27-02B5-4144-94C3-15D70BC29F99}"/>
+              </a:ext>
+            </a:extLst>
+          </p:cNvPr>
+          <p:cNvCxnSpPr>
+            <a:cxnSpLocks/>
+            <a:stCxn id="4" idx="6"/>
+            <a:endCxn id="30" idx="2"/>
+          </p:cNvCxnSpPr>
+          <p:nvPr/>
+        </p:nvCxnSpPr>
+        <p:spPr>
+          <a:xfrm>
+            <a:off x="1030013" y="2141529"/>
+            <a:ext cx="2002128" cy="1707472"/>
+          </a:xfrm>
+          <a:prstGeom prst="straightConnector1">
+            <a:avLst/>
+          </a:prstGeom>
+          <a:ln>
+            <a:tailEnd type="triangle"/>
+          </a:ln>
+        </p:spPr>
+        <p:style>
+          <a:lnRef idx="3">
+            <a:schemeClr val="dk1"/>
+          </a:lnRef>
+          <a:fillRef idx="0">
+            <a:schemeClr val="dk1"/>
+          </a:fillRef>
+          <a:effectRef idx="2">
+            <a:schemeClr val="dk1"/>
+          </a:effectRef>
+          <a:fontRef idx="minor">
+            <a:schemeClr val="tx1"/>
+          </a:fontRef>
+        </p:style>
+      </p:cxnSp>
+      <p:cxnSp>
+        <p:nvCxnSpPr>
+          <p:cNvPr id="63" name="Straight Arrow Connector 62">
+            <a:extLst>
+              <a:ext uri="{FF2B5EF4-FFF2-40B4-BE49-F238E27FC236}">
+                <a16:creationId xmlns:a16="http://schemas.microsoft.com/office/drawing/2014/main" id="{1251AF3F-DA7C-4E3A-8B50-5B80F4AD4967}"/>
+              </a:ext>
+            </a:extLst>
+          </p:cNvPr>
+          <p:cNvCxnSpPr>
+            <a:cxnSpLocks/>
+            <a:stCxn id="4" idx="6"/>
+            <a:endCxn id="31" idx="2"/>
+          </p:cNvCxnSpPr>
+          <p:nvPr/>
+        </p:nvCxnSpPr>
+        <p:spPr>
+          <a:xfrm>
+            <a:off x="1030013" y="2141529"/>
+            <a:ext cx="1991571" cy="2561208"/>
+          </a:xfrm>
+          <a:prstGeom prst="straightConnector1">
+            <a:avLst/>
+          </a:prstGeom>
+          <a:ln>
+            <a:tailEnd type="triangle"/>
+          </a:ln>
+        </p:spPr>
+        <p:style>
+          <a:lnRef idx="3">
+            <a:schemeClr val="dk1"/>
+          </a:lnRef>
+          <a:fillRef idx="0">
+            <a:schemeClr val="dk1"/>
+          </a:fillRef>
+          <a:effectRef idx="2">
+            <a:schemeClr val="dk1"/>
+          </a:effectRef>
+          <a:fontRef idx="minor">
+            <a:schemeClr val="tx1"/>
+          </a:fontRef>
+        </p:style>
+      </p:cxnSp>
+      <p:cxnSp>
+        <p:nvCxnSpPr>
+          <p:cNvPr id="66" name="Straight Arrow Connector 65">
+            <a:extLst>
+              <a:ext uri="{FF2B5EF4-FFF2-40B4-BE49-F238E27FC236}">
+                <a16:creationId xmlns:a16="http://schemas.microsoft.com/office/drawing/2014/main" id="{7B7DFD3D-F00C-4FFC-9181-7786E70486AF}"/>
+              </a:ext>
+            </a:extLst>
+          </p:cNvPr>
+          <p:cNvCxnSpPr>
+            <a:cxnSpLocks/>
+            <a:stCxn id="4" idx="6"/>
+            <a:endCxn id="33" idx="2"/>
+          </p:cNvCxnSpPr>
+          <p:nvPr/>
+        </p:nvCxnSpPr>
+        <p:spPr>
+          <a:xfrm>
+            <a:off x="1030013" y="2141529"/>
+            <a:ext cx="2002128" cy="3414944"/>
+          </a:xfrm>
+          <a:prstGeom prst="straightConnector1">
+            <a:avLst/>
+          </a:prstGeom>
+          <a:ln>
+            <a:tailEnd type="triangle"/>
+          </a:ln>
+        </p:spPr>
+        <p:style>
+          <a:lnRef idx="3">
+            <a:schemeClr val="dk1"/>
+          </a:lnRef>
+          <a:fillRef idx="0">
+            <a:schemeClr val="dk1"/>
+          </a:fillRef>
+          <a:effectRef idx="2">
+            <a:schemeClr val="dk1"/>
+          </a:effectRef>
+          <a:fontRef idx="minor">
+            <a:schemeClr val="tx1"/>
+          </a:fontRef>
+        </p:style>
+      </p:cxnSp>
+      <p:cxnSp>
+        <p:nvCxnSpPr>
+          <p:cNvPr id="69" name="Straight Arrow Connector 68">
+            <a:extLst>
+              <a:ext uri="{FF2B5EF4-FFF2-40B4-BE49-F238E27FC236}">
+                <a16:creationId xmlns:a16="http://schemas.microsoft.com/office/drawing/2014/main" id="{4EFE13DE-D9D8-48F2-9604-D0EC1E09C0D3}"/>
+              </a:ext>
+            </a:extLst>
+          </p:cNvPr>
+          <p:cNvCxnSpPr>
+            <a:cxnSpLocks/>
+            <a:stCxn id="5" idx="6"/>
+            <a:endCxn id="33" idx="2"/>
+          </p:cNvCxnSpPr>
+          <p:nvPr/>
+        </p:nvCxnSpPr>
+        <p:spPr>
+          <a:xfrm>
+            <a:off x="1030013" y="2995265"/>
+            <a:ext cx="2002128" cy="2561208"/>
+          </a:xfrm>
+          <a:prstGeom prst="straightConnector1">
+            <a:avLst/>
+          </a:prstGeom>
+          <a:ln>
+            <a:tailEnd type="triangle"/>
+          </a:ln>
+        </p:spPr>
+        <p:style>
+          <a:lnRef idx="3">
+            <a:schemeClr val="dk1"/>
+          </a:lnRef>
+          <a:fillRef idx="0">
+            <a:schemeClr val="dk1"/>
+          </a:fillRef>
+          <a:effectRef idx="2">
+            <a:schemeClr val="dk1"/>
+          </a:effectRef>
+          <a:fontRef idx="minor">
+            <a:schemeClr val="tx1"/>
+          </a:fontRef>
+        </p:style>
+      </p:cxnSp>
+      <p:cxnSp>
+        <p:nvCxnSpPr>
+          <p:cNvPr id="72" name="Straight Arrow Connector 71">
+            <a:extLst>
+              <a:ext uri="{FF2B5EF4-FFF2-40B4-BE49-F238E27FC236}">
+                <a16:creationId xmlns:a16="http://schemas.microsoft.com/office/drawing/2014/main" id="{31B74589-77B6-401F-BC06-DFCF04DB1507}"/>
+              </a:ext>
+            </a:extLst>
+          </p:cNvPr>
+          <p:cNvCxnSpPr>
+            <a:cxnSpLocks/>
+            <a:stCxn id="5" idx="6"/>
+            <a:endCxn id="31" idx="2"/>
+          </p:cNvCxnSpPr>
+          <p:nvPr/>
+        </p:nvCxnSpPr>
+        <p:spPr>
+          <a:xfrm>
+            <a:off x="1030013" y="2995265"/>
+            <a:ext cx="1991571" cy="1707472"/>
+          </a:xfrm>
+          <a:prstGeom prst="straightConnector1">
+            <a:avLst/>
+          </a:prstGeom>
+          <a:ln>
+            <a:tailEnd type="triangle"/>
+          </a:ln>
+        </p:spPr>
+        <p:style>
+          <a:lnRef idx="3">
+            <a:schemeClr val="dk1"/>
+          </a:lnRef>
+          <a:fillRef idx="0">
+            <a:schemeClr val="dk1"/>
+          </a:fillRef>
+          <a:effectRef idx="2">
+            <a:schemeClr val="dk1"/>
+          </a:effectRef>
+          <a:fontRef idx="minor">
+            <a:schemeClr val="tx1"/>
+          </a:fontRef>
+        </p:style>
+      </p:cxnSp>
+      <p:cxnSp>
+        <p:nvCxnSpPr>
+          <p:cNvPr id="75" name="Straight Arrow Connector 74">
+            <a:extLst>
+              <a:ext uri="{FF2B5EF4-FFF2-40B4-BE49-F238E27FC236}">
+                <a16:creationId xmlns:a16="http://schemas.microsoft.com/office/drawing/2014/main" id="{EF396A79-23E9-436C-966A-0CA81930DA9D}"/>
+              </a:ext>
+            </a:extLst>
+          </p:cNvPr>
+          <p:cNvCxnSpPr>
+            <a:cxnSpLocks/>
+            <a:stCxn id="5" idx="6"/>
+            <a:endCxn id="30" idx="2"/>
+          </p:cNvCxnSpPr>
+          <p:nvPr/>
+        </p:nvCxnSpPr>
+        <p:spPr>
+          <a:xfrm>
+            <a:off x="1030013" y="2995265"/>
+            <a:ext cx="2002128" cy="853736"/>
+          </a:xfrm>
+          <a:prstGeom prst="straightConnector1">
+            <a:avLst/>
+          </a:prstGeom>
+          <a:ln>
+            <a:tailEnd type="triangle"/>
+          </a:ln>
+        </p:spPr>
+        <p:style>
+          <a:lnRef idx="3">
+            <a:schemeClr val="dk1"/>
+          </a:lnRef>
+          <a:fillRef idx="0">
+            <a:schemeClr val="dk1"/>
+          </a:fillRef>
+          <a:effectRef idx="2">
+            <a:schemeClr val="dk1"/>
+          </a:effectRef>
+          <a:fontRef idx="minor">
+            <a:schemeClr val="tx1"/>
+          </a:fontRef>
+        </p:style>
+      </p:cxnSp>
+      <p:cxnSp>
+        <p:nvCxnSpPr>
+          <p:cNvPr id="78" name="Straight Arrow Connector 77">
+            <a:extLst>
+              <a:ext uri="{FF2B5EF4-FFF2-40B4-BE49-F238E27FC236}">
+                <a16:creationId xmlns:a16="http://schemas.microsoft.com/office/drawing/2014/main" id="{5A42CBB0-CBBC-43E6-B492-3B1693C1560C}"/>
+              </a:ext>
+            </a:extLst>
+          </p:cNvPr>
+          <p:cNvCxnSpPr>
+            <a:cxnSpLocks/>
+            <a:stCxn id="5" idx="6"/>
+            <a:endCxn id="29" idx="2"/>
+          </p:cNvCxnSpPr>
+          <p:nvPr/>
+        </p:nvCxnSpPr>
+        <p:spPr>
+          <a:xfrm>
+            <a:off x="1030013" y="2995265"/>
+            <a:ext cx="2002128" cy="0"/>
+          </a:xfrm>
+          <a:prstGeom prst="straightConnector1">
+            <a:avLst/>
+          </a:prstGeom>
+          <a:ln>
+            <a:tailEnd type="triangle"/>
+          </a:ln>
+        </p:spPr>
+        <p:style>
+          <a:lnRef idx="3">
+            <a:schemeClr val="dk1"/>
+          </a:lnRef>
+          <a:fillRef idx="0">
+            <a:schemeClr val="dk1"/>
+          </a:fillRef>
+          <a:effectRef idx="2">
+            <a:schemeClr val="dk1"/>
+          </a:effectRef>
+          <a:fontRef idx="minor">
+            <a:schemeClr val="tx1"/>
+          </a:fontRef>
+        </p:style>
+      </p:cxnSp>
+      <p:cxnSp>
+        <p:nvCxnSpPr>
+          <p:cNvPr id="81" name="Straight Arrow Connector 80">
+            <a:extLst>
+              <a:ext uri="{FF2B5EF4-FFF2-40B4-BE49-F238E27FC236}">
+                <a16:creationId xmlns:a16="http://schemas.microsoft.com/office/drawing/2014/main" id="{9706D931-F192-4F2C-94C1-B806E34AA40F}"/>
+              </a:ext>
+            </a:extLst>
+          </p:cNvPr>
+          <p:cNvCxnSpPr>
+            <a:cxnSpLocks/>
+            <a:stCxn id="5" idx="6"/>
+            <a:endCxn id="28" idx="2"/>
+          </p:cNvCxnSpPr>
+          <p:nvPr/>
+        </p:nvCxnSpPr>
+        <p:spPr>
+          <a:xfrm flipV="1">
+            <a:off x="1030013" y="2141529"/>
+            <a:ext cx="2002128" cy="853736"/>
+          </a:xfrm>
+          <a:prstGeom prst="straightConnector1">
+            <a:avLst/>
+          </a:prstGeom>
+          <a:ln>
+            <a:tailEnd type="triangle"/>
+          </a:ln>
+        </p:spPr>
+        <p:style>
+          <a:lnRef idx="3">
+            <a:schemeClr val="dk1"/>
+          </a:lnRef>
+          <a:fillRef idx="0">
+            <a:schemeClr val="dk1"/>
+          </a:fillRef>
+          <a:effectRef idx="2">
+            <a:schemeClr val="dk1"/>
+          </a:effectRef>
+          <a:fontRef idx="minor">
+            <a:schemeClr val="tx1"/>
+          </a:fontRef>
+        </p:style>
+      </p:cxnSp>
+      <p:cxnSp>
+        <p:nvCxnSpPr>
+          <p:cNvPr id="84" name="Straight Arrow Connector 83">
+            <a:extLst>
+              <a:ext uri="{FF2B5EF4-FFF2-40B4-BE49-F238E27FC236}">
+                <a16:creationId xmlns:a16="http://schemas.microsoft.com/office/drawing/2014/main" id="{F943DAD8-6FF5-42CF-8ED7-3763F2A919B2}"/>
+              </a:ext>
+            </a:extLst>
+          </p:cNvPr>
+          <p:cNvCxnSpPr>
+            <a:cxnSpLocks/>
+            <a:stCxn id="5" idx="6"/>
+            <a:endCxn id="32" idx="2"/>
+          </p:cNvCxnSpPr>
+          <p:nvPr/>
+        </p:nvCxnSpPr>
+        <p:spPr>
+          <a:xfrm flipV="1">
+            <a:off x="1030013" y="1287793"/>
+            <a:ext cx="2002128" cy="1707472"/>
+          </a:xfrm>
+          <a:prstGeom prst="straightConnector1">
+            <a:avLst/>
+          </a:prstGeom>
+          <a:ln>
+            <a:tailEnd type="triangle"/>
+          </a:ln>
+        </p:spPr>
+        <p:style>
+          <a:lnRef idx="3">
+            <a:schemeClr val="dk1"/>
+          </a:lnRef>
+          <a:fillRef idx="0">
+            <a:schemeClr val="dk1"/>
+          </a:fillRef>
+          <a:effectRef idx="2">
+            <a:schemeClr val="dk1"/>
+          </a:effectRef>
+          <a:fontRef idx="minor">
+            <a:schemeClr val="tx1"/>
+          </a:fontRef>
+        </p:style>
+      </p:cxnSp>
+      <p:cxnSp>
+        <p:nvCxnSpPr>
+          <p:cNvPr id="87" name="Straight Arrow Connector 86">
+            <a:extLst>
+              <a:ext uri="{FF2B5EF4-FFF2-40B4-BE49-F238E27FC236}">
+                <a16:creationId xmlns:a16="http://schemas.microsoft.com/office/drawing/2014/main" id="{C6329247-891C-4BC4-83A8-CF2B44A00B06}"/>
+              </a:ext>
+            </a:extLst>
+          </p:cNvPr>
+          <p:cNvCxnSpPr>
+            <a:cxnSpLocks/>
+            <a:stCxn id="6" idx="6"/>
+            <a:endCxn id="32" idx="2"/>
+          </p:cNvCxnSpPr>
+          <p:nvPr/>
+        </p:nvCxnSpPr>
+        <p:spPr>
+          <a:xfrm flipV="1">
+            <a:off x="1030013" y="1287793"/>
+            <a:ext cx="2002128" cy="2561208"/>
+          </a:xfrm>
+          <a:prstGeom prst="straightConnector1">
+            <a:avLst/>
+          </a:prstGeom>
+          <a:ln>
+            <a:tailEnd type="triangle"/>
+          </a:ln>
+        </p:spPr>
+        <p:style>
+          <a:lnRef idx="3">
+            <a:schemeClr val="dk1"/>
+          </a:lnRef>
+          <a:fillRef idx="0">
+            <a:schemeClr val="dk1"/>
+          </a:fillRef>
+          <a:effectRef idx="2">
+            <a:schemeClr val="dk1"/>
+          </a:effectRef>
+          <a:fontRef idx="minor">
+            <a:schemeClr val="tx1"/>
+          </a:fontRef>
+        </p:style>
+      </p:cxnSp>
+      <p:cxnSp>
+        <p:nvCxnSpPr>
+          <p:cNvPr id="90" name="Straight Arrow Connector 89">
+            <a:extLst>
+              <a:ext uri="{FF2B5EF4-FFF2-40B4-BE49-F238E27FC236}">
+                <a16:creationId xmlns:a16="http://schemas.microsoft.com/office/drawing/2014/main" id="{1234EF20-75A0-4661-9892-FC45F52C7A9A}"/>
+              </a:ext>
+            </a:extLst>
+          </p:cNvPr>
+          <p:cNvCxnSpPr>
+            <a:cxnSpLocks/>
+            <a:stCxn id="6" idx="6"/>
+            <a:endCxn id="28" idx="2"/>
+          </p:cNvCxnSpPr>
+          <p:nvPr/>
+        </p:nvCxnSpPr>
+        <p:spPr>
+          <a:xfrm flipV="1">
+            <a:off x="1030013" y="2141529"/>
+            <a:ext cx="2002128" cy="1707472"/>
+          </a:xfrm>
+          <a:prstGeom prst="straightConnector1">
+            <a:avLst/>
+          </a:prstGeom>
+          <a:ln>
+            <a:tailEnd type="triangle"/>
+          </a:ln>
+        </p:spPr>
+        <p:style>
+          <a:lnRef idx="3">
+            <a:schemeClr val="dk1"/>
+          </a:lnRef>
+          <a:fillRef idx="0">
+            <a:schemeClr val="dk1"/>
+          </a:fillRef>
+          <a:effectRef idx="2">
+            <a:schemeClr val="dk1"/>
+          </a:effectRef>
+          <a:fontRef idx="minor">
+            <a:schemeClr val="tx1"/>
+          </a:fontRef>
+        </p:style>
+      </p:cxnSp>
+      <p:cxnSp>
+        <p:nvCxnSpPr>
+          <p:cNvPr id="93" name="Straight Arrow Connector 92">
+            <a:extLst>
+              <a:ext uri="{FF2B5EF4-FFF2-40B4-BE49-F238E27FC236}">
+                <a16:creationId xmlns:a16="http://schemas.microsoft.com/office/drawing/2014/main" id="{4D3AECE4-ECD0-4048-8726-1C1987950383}"/>
+              </a:ext>
+            </a:extLst>
+          </p:cNvPr>
+          <p:cNvCxnSpPr>
+            <a:cxnSpLocks/>
+            <a:stCxn id="6" idx="6"/>
+            <a:endCxn id="29" idx="2"/>
+          </p:cNvCxnSpPr>
+          <p:nvPr/>
+        </p:nvCxnSpPr>
+        <p:spPr>
+          <a:xfrm flipV="1">
+            <a:off x="1030013" y="2995265"/>
+            <a:ext cx="2002128" cy="853736"/>
+          </a:xfrm>
+          <a:prstGeom prst="straightConnector1">
+            <a:avLst/>
+          </a:prstGeom>
+          <a:ln>
+            <a:tailEnd type="triangle"/>
+          </a:ln>
+        </p:spPr>
+        <p:style>
+          <a:lnRef idx="3">
+            <a:schemeClr val="dk1"/>
+          </a:lnRef>
+          <a:fillRef idx="0">
+            <a:schemeClr val="dk1"/>
+          </a:fillRef>
+          <a:effectRef idx="2">
+            <a:schemeClr val="dk1"/>
+          </a:effectRef>
+          <a:fontRef idx="minor">
+            <a:schemeClr val="tx1"/>
+          </a:fontRef>
+        </p:style>
+      </p:cxnSp>
+      <p:cxnSp>
+        <p:nvCxnSpPr>
+          <p:cNvPr id="96" name="Straight Arrow Connector 95">
+            <a:extLst>
+              <a:ext uri="{FF2B5EF4-FFF2-40B4-BE49-F238E27FC236}">
+                <a16:creationId xmlns:a16="http://schemas.microsoft.com/office/drawing/2014/main" id="{9862BF02-042D-4C1E-A6BC-B73F874AE8F9}"/>
+              </a:ext>
+            </a:extLst>
+          </p:cNvPr>
+          <p:cNvCxnSpPr>
+            <a:cxnSpLocks/>
+            <a:stCxn id="6" idx="6"/>
+            <a:endCxn id="30" idx="2"/>
+          </p:cNvCxnSpPr>
+          <p:nvPr/>
+        </p:nvCxnSpPr>
+        <p:spPr>
+          <a:xfrm>
+            <a:off x="1030013" y="3849001"/>
+            <a:ext cx="2002128" cy="0"/>
+          </a:xfrm>
+          <a:prstGeom prst="straightConnector1">
+            <a:avLst/>
+          </a:prstGeom>
+          <a:ln>
+            <a:tailEnd type="triangle"/>
+          </a:ln>
+        </p:spPr>
+        <p:style>
+          <a:lnRef idx="3">
+            <a:schemeClr val="dk1"/>
+          </a:lnRef>
+          <a:fillRef idx="0">
+            <a:schemeClr val="dk1"/>
+          </a:fillRef>
+          <a:effectRef idx="2">
+            <a:schemeClr val="dk1"/>
+          </a:effectRef>
+          <a:fontRef idx="minor">
+            <a:schemeClr val="tx1"/>
+          </a:fontRef>
+        </p:style>
+      </p:cxnSp>
+      <p:cxnSp>
+        <p:nvCxnSpPr>
+          <p:cNvPr id="99" name="Straight Arrow Connector 98">
+            <a:extLst>
+              <a:ext uri="{FF2B5EF4-FFF2-40B4-BE49-F238E27FC236}">
+                <a16:creationId xmlns:a16="http://schemas.microsoft.com/office/drawing/2014/main" id="{75FD8218-9F3B-41F7-B185-189AC29EF8C6}"/>
+              </a:ext>
+            </a:extLst>
+          </p:cNvPr>
+          <p:cNvCxnSpPr>
+            <a:cxnSpLocks/>
+            <a:stCxn id="6" idx="6"/>
+            <a:endCxn id="31" idx="2"/>
+          </p:cNvCxnSpPr>
+          <p:nvPr/>
+        </p:nvCxnSpPr>
+        <p:spPr>
+          <a:xfrm>
+            <a:off x="1030013" y="3849001"/>
+            <a:ext cx="1991571" cy="853736"/>
+          </a:xfrm>
+          <a:prstGeom prst="straightConnector1">
+            <a:avLst/>
+          </a:prstGeom>
+          <a:ln>
+            <a:tailEnd type="triangle"/>
+          </a:ln>
+        </p:spPr>
+        <p:style>
+          <a:lnRef idx="3">
+            <a:schemeClr val="dk1"/>
+          </a:lnRef>
+          <a:fillRef idx="0">
+            <a:schemeClr val="dk1"/>
+          </a:fillRef>
+          <a:effectRef idx="2">
+            <a:schemeClr val="dk1"/>
+          </a:effectRef>
+          <a:fontRef idx="minor">
+            <a:schemeClr val="tx1"/>
+          </a:fontRef>
+        </p:style>
+      </p:cxnSp>
+      <p:cxnSp>
+        <p:nvCxnSpPr>
+          <p:cNvPr id="102" name="Straight Arrow Connector 101">
+            <a:extLst>
+              <a:ext uri="{FF2B5EF4-FFF2-40B4-BE49-F238E27FC236}">
+                <a16:creationId xmlns:a16="http://schemas.microsoft.com/office/drawing/2014/main" id="{21A6E9B5-9699-485B-AA03-FF6DCFCA925E}"/>
+              </a:ext>
+            </a:extLst>
+          </p:cNvPr>
+          <p:cNvCxnSpPr>
+            <a:cxnSpLocks/>
+            <a:stCxn id="6" idx="6"/>
+            <a:endCxn id="33" idx="2"/>
+          </p:cNvCxnSpPr>
+          <p:nvPr/>
+        </p:nvCxnSpPr>
+        <p:spPr>
+          <a:xfrm>
+            <a:off x="1030013" y="3849001"/>
+            <a:ext cx="2002128" cy="1707472"/>
+          </a:xfrm>
+          <a:prstGeom prst="straightConnector1">
+            <a:avLst/>
+          </a:prstGeom>
+          <a:ln>
+            <a:tailEnd type="triangle"/>
+          </a:ln>
+        </p:spPr>
+        <p:style>
+          <a:lnRef idx="3">
+            <a:schemeClr val="dk1"/>
+          </a:lnRef>
+          <a:fillRef idx="0">
+            <a:schemeClr val="dk1"/>
+          </a:fillRef>
+          <a:effectRef idx="2">
+            <a:schemeClr val="dk1"/>
+          </a:effectRef>
+          <a:fontRef idx="minor">
+            <a:schemeClr val="tx1"/>
+          </a:fontRef>
+        </p:style>
+      </p:cxnSp>
+      <p:cxnSp>
+        <p:nvCxnSpPr>
+          <p:cNvPr id="105" name="Straight Arrow Connector 104">
+            <a:extLst>
+              <a:ext uri="{FF2B5EF4-FFF2-40B4-BE49-F238E27FC236}">
+                <a16:creationId xmlns:a16="http://schemas.microsoft.com/office/drawing/2014/main" id="{E3E2F392-060D-48AF-8A09-110DB376EB6C}"/>
+              </a:ext>
+            </a:extLst>
+          </p:cNvPr>
+          <p:cNvCxnSpPr>
+            <a:cxnSpLocks/>
+            <a:stCxn id="7" idx="6"/>
+            <a:endCxn id="33" idx="2"/>
+          </p:cNvCxnSpPr>
+          <p:nvPr/>
+        </p:nvCxnSpPr>
+        <p:spPr>
+          <a:xfrm>
+            <a:off x="1019456" y="4702737"/>
+            <a:ext cx="2012685" cy="853736"/>
+          </a:xfrm>
+          <a:prstGeom prst="straightConnector1">
+            <a:avLst/>
+          </a:prstGeom>
+          <a:ln>
+            <a:tailEnd type="triangle"/>
+          </a:ln>
+        </p:spPr>
+        <p:style>
+          <a:lnRef idx="3">
+            <a:schemeClr val="dk1"/>
+          </a:lnRef>
+          <a:fillRef idx="0">
+            <a:schemeClr val="dk1"/>
+          </a:fillRef>
+          <a:effectRef idx="2">
+            <a:schemeClr val="dk1"/>
+          </a:effectRef>
+          <a:fontRef idx="minor">
+            <a:schemeClr val="tx1"/>
+          </a:fontRef>
+        </p:style>
+      </p:cxnSp>
+      <p:cxnSp>
+        <p:nvCxnSpPr>
+          <p:cNvPr id="108" name="Straight Arrow Connector 107">
+            <a:extLst>
+              <a:ext uri="{FF2B5EF4-FFF2-40B4-BE49-F238E27FC236}">
+                <a16:creationId xmlns:a16="http://schemas.microsoft.com/office/drawing/2014/main" id="{C4B59A0F-55E9-40EA-B10B-0FCC5B542B77}"/>
+              </a:ext>
+            </a:extLst>
+          </p:cNvPr>
+          <p:cNvCxnSpPr>
+            <a:cxnSpLocks/>
+            <a:stCxn id="7" idx="6"/>
+            <a:endCxn id="31" idx="2"/>
+          </p:cNvCxnSpPr>
+          <p:nvPr/>
+        </p:nvCxnSpPr>
+        <p:spPr>
+          <a:xfrm>
+            <a:off x="1019456" y="4702737"/>
+            <a:ext cx="2002128" cy="0"/>
+          </a:xfrm>
+          <a:prstGeom prst="straightConnector1">
+            <a:avLst/>
+          </a:prstGeom>
+          <a:ln>
+            <a:tailEnd type="triangle"/>
+          </a:ln>
+        </p:spPr>
+        <p:style>
+          <a:lnRef idx="3">
+            <a:schemeClr val="dk1"/>
+          </a:lnRef>
+          <a:fillRef idx="0">
+            <a:schemeClr val="dk1"/>
+          </a:fillRef>
+          <a:effectRef idx="2">
+            <a:schemeClr val="dk1"/>
+          </a:effectRef>
+          <a:fontRef idx="minor">
+            <a:schemeClr val="tx1"/>
+          </a:fontRef>
+        </p:style>
+      </p:cxnSp>
+      <p:cxnSp>
+        <p:nvCxnSpPr>
+          <p:cNvPr id="111" name="Straight Arrow Connector 110">
+            <a:extLst>
+              <a:ext uri="{FF2B5EF4-FFF2-40B4-BE49-F238E27FC236}">
+                <a16:creationId xmlns:a16="http://schemas.microsoft.com/office/drawing/2014/main" id="{7EE9D3A6-06DA-4B74-B84D-B4C43F77043D}"/>
+              </a:ext>
+            </a:extLst>
+          </p:cNvPr>
+          <p:cNvCxnSpPr>
+            <a:cxnSpLocks/>
+            <a:stCxn id="7" idx="6"/>
+            <a:endCxn id="30" idx="2"/>
+          </p:cNvCxnSpPr>
+          <p:nvPr/>
+        </p:nvCxnSpPr>
+        <p:spPr>
+          <a:xfrm flipV="1">
+            <a:off x="1019456" y="3849001"/>
+            <a:ext cx="2012685" cy="853736"/>
+          </a:xfrm>
+          <a:prstGeom prst="straightConnector1">
+            <a:avLst/>
+          </a:prstGeom>
+          <a:ln>
+            <a:tailEnd type="triangle"/>
+          </a:ln>
+        </p:spPr>
+        <p:style>
+          <a:lnRef idx="3">
+            <a:schemeClr val="dk1"/>
+          </a:lnRef>
+          <a:fillRef idx="0">
+            <a:schemeClr val="dk1"/>
+          </a:fillRef>
+          <a:effectRef idx="2">
+            <a:schemeClr val="dk1"/>
+          </a:effectRef>
+          <a:fontRef idx="minor">
+            <a:schemeClr val="tx1"/>
+          </a:fontRef>
+        </p:style>
+      </p:cxnSp>
+      <p:cxnSp>
+        <p:nvCxnSpPr>
+          <p:cNvPr id="114" name="Straight Arrow Connector 113">
+            <a:extLst>
+              <a:ext uri="{FF2B5EF4-FFF2-40B4-BE49-F238E27FC236}">
+                <a16:creationId xmlns:a16="http://schemas.microsoft.com/office/drawing/2014/main" id="{776ACDE4-2519-4569-AF5A-B18677B29417}"/>
+              </a:ext>
+            </a:extLst>
+          </p:cNvPr>
+          <p:cNvCxnSpPr>
+            <a:cxnSpLocks/>
+            <a:stCxn id="7" idx="6"/>
+            <a:endCxn id="29" idx="2"/>
+          </p:cNvCxnSpPr>
+          <p:nvPr/>
+        </p:nvCxnSpPr>
+        <p:spPr>
+          <a:xfrm flipV="1">
+            <a:off x="1019456" y="2995265"/>
+            <a:ext cx="2012685" cy="1707472"/>
+          </a:xfrm>
+          <a:prstGeom prst="straightConnector1">
+            <a:avLst/>
+          </a:prstGeom>
+          <a:ln>
+            <a:tailEnd type="triangle"/>
+          </a:ln>
+        </p:spPr>
+        <p:style>
+          <a:lnRef idx="3">
+            <a:schemeClr val="dk1"/>
+          </a:lnRef>
+          <a:fillRef idx="0">
+            <a:schemeClr val="dk1"/>
+          </a:fillRef>
+          <a:effectRef idx="2">
+            <a:schemeClr val="dk1"/>
+          </a:effectRef>
+          <a:fontRef idx="minor">
+            <a:schemeClr val="tx1"/>
+          </a:fontRef>
+        </p:style>
+      </p:cxnSp>
+      <p:cxnSp>
+        <p:nvCxnSpPr>
+          <p:cNvPr id="117" name="Straight Arrow Connector 116">
+            <a:extLst>
+              <a:ext uri="{FF2B5EF4-FFF2-40B4-BE49-F238E27FC236}">
+                <a16:creationId xmlns:a16="http://schemas.microsoft.com/office/drawing/2014/main" id="{1AFB8902-827D-4F08-AE5A-2546A96E9809}"/>
+              </a:ext>
+            </a:extLst>
+          </p:cNvPr>
+          <p:cNvCxnSpPr>
+            <a:cxnSpLocks/>
+            <a:stCxn id="7" idx="6"/>
+            <a:endCxn id="28" idx="2"/>
+          </p:cNvCxnSpPr>
+          <p:nvPr/>
+        </p:nvCxnSpPr>
+        <p:spPr>
+          <a:xfrm flipV="1">
+            <a:off x="1019456" y="2141529"/>
+            <a:ext cx="2012685" cy="2561208"/>
+          </a:xfrm>
+          <a:prstGeom prst="straightConnector1">
+            <a:avLst/>
+          </a:prstGeom>
+          <a:ln>
+            <a:tailEnd type="triangle"/>
+          </a:ln>
+        </p:spPr>
+        <p:style>
+          <a:lnRef idx="3">
+            <a:schemeClr val="dk1"/>
+          </a:lnRef>
+          <a:fillRef idx="0">
+            <a:schemeClr val="dk1"/>
+          </a:fillRef>
+          <a:effectRef idx="2">
+            <a:schemeClr val="dk1"/>
+          </a:effectRef>
+          <a:fontRef idx="minor">
+            <a:schemeClr val="tx1"/>
+          </a:fontRef>
+        </p:style>
+      </p:cxnSp>
+      <p:cxnSp>
+        <p:nvCxnSpPr>
+          <p:cNvPr id="120" name="Straight Arrow Connector 119">
+            <a:extLst>
+              <a:ext uri="{FF2B5EF4-FFF2-40B4-BE49-F238E27FC236}">
+                <a16:creationId xmlns:a16="http://schemas.microsoft.com/office/drawing/2014/main" id="{B7D0BD3D-0CF4-4B8B-8457-0BF644C6370C}"/>
+              </a:ext>
+            </a:extLst>
+          </p:cNvPr>
+          <p:cNvCxnSpPr>
+            <a:cxnSpLocks/>
+            <a:stCxn id="7" idx="6"/>
+            <a:endCxn id="32" idx="2"/>
+          </p:cNvCxnSpPr>
+          <p:nvPr/>
+        </p:nvCxnSpPr>
+        <p:spPr>
+          <a:xfrm flipV="1">
+            <a:off x="1019456" y="1287793"/>
+            <a:ext cx="2012685" cy="3414944"/>
+          </a:xfrm>
+          <a:prstGeom prst="straightConnector1">
+            <a:avLst/>
+          </a:prstGeom>
+          <a:ln>
+            <a:tailEnd type="triangle"/>
+          </a:ln>
+        </p:spPr>
+        <p:style>
+          <a:lnRef idx="3">
+            <a:schemeClr val="dk1"/>
+          </a:lnRef>
+          <a:fillRef idx="0">
+            <a:schemeClr val="dk1"/>
+          </a:fillRef>
+          <a:effectRef idx="2">
+            <a:schemeClr val="dk1"/>
+          </a:effectRef>
+          <a:fontRef idx="minor">
+            <a:schemeClr val="tx1"/>
+          </a:fontRef>
+        </p:style>
+      </p:cxnSp>
+      <p:cxnSp>
+        <p:nvCxnSpPr>
+          <p:cNvPr id="146" name="Straight Arrow Connector 145">
+            <a:extLst>
+              <a:ext uri="{FF2B5EF4-FFF2-40B4-BE49-F238E27FC236}">
+                <a16:creationId xmlns:a16="http://schemas.microsoft.com/office/drawing/2014/main" id="{97C86159-C32A-4E45-A291-18F0269AAB99}"/>
+              </a:ext>
+            </a:extLst>
+          </p:cNvPr>
+          <p:cNvCxnSpPr>
+            <a:cxnSpLocks/>
+            <a:stCxn id="32" idx="6"/>
+            <a:endCxn id="38" idx="2"/>
+          </p:cNvCxnSpPr>
+          <p:nvPr/>
+        </p:nvCxnSpPr>
+        <p:spPr>
+          <a:xfrm>
+            <a:off x="3712345" y="1287793"/>
+            <a:ext cx="1519560" cy="0"/>
+          </a:xfrm>
+          <a:prstGeom prst="straightConnector1">
+            <a:avLst/>
+          </a:prstGeom>
+          <a:ln>
+            <a:tailEnd type="triangle"/>
+          </a:ln>
+        </p:spPr>
+        <p:style>
+          <a:lnRef idx="3">
+            <a:schemeClr val="dk1"/>
+          </a:lnRef>
+          <a:fillRef idx="0">
+            <a:schemeClr val="dk1"/>
+          </a:fillRef>
+          <a:effectRef idx="2">
+            <a:schemeClr val="dk1"/>
+          </a:effectRef>
+          <a:fontRef idx="minor">
+            <a:schemeClr val="tx1"/>
+          </a:fontRef>
+        </p:style>
+      </p:cxnSp>
+      <p:cxnSp>
+        <p:nvCxnSpPr>
+          <p:cNvPr id="149" name="Straight Arrow Connector 148">
+            <a:extLst>
+              <a:ext uri="{FF2B5EF4-FFF2-40B4-BE49-F238E27FC236}">
+                <a16:creationId xmlns:a16="http://schemas.microsoft.com/office/drawing/2014/main" id="{450E897E-4D29-4C52-B0FB-F984C13872A6}"/>
+              </a:ext>
+            </a:extLst>
+          </p:cNvPr>
+          <p:cNvCxnSpPr>
+            <a:cxnSpLocks/>
+            <a:stCxn id="32" idx="6"/>
+            <a:endCxn id="34" idx="2"/>
+          </p:cNvCxnSpPr>
+          <p:nvPr/>
+        </p:nvCxnSpPr>
+        <p:spPr>
+          <a:xfrm>
+            <a:off x="3712345" y="1287793"/>
+            <a:ext cx="1519560" cy="853736"/>
+          </a:xfrm>
+          <a:prstGeom prst="straightConnector1">
+            <a:avLst/>
+          </a:prstGeom>
+          <a:ln>
+            <a:tailEnd type="triangle"/>
+          </a:ln>
+        </p:spPr>
+        <p:style>
+          <a:lnRef idx="3">
+            <a:schemeClr val="dk1"/>
+          </a:lnRef>
+          <a:fillRef idx="0">
+            <a:schemeClr val="dk1"/>
+          </a:fillRef>
+          <a:effectRef idx="2">
+            <a:schemeClr val="dk1"/>
+          </a:effectRef>
+          <a:fontRef idx="minor">
+            <a:schemeClr val="tx1"/>
+          </a:fontRef>
+        </p:style>
+      </p:cxnSp>
+      <p:cxnSp>
+        <p:nvCxnSpPr>
+          <p:cNvPr id="152" name="Straight Arrow Connector 151">
+            <a:extLst>
+              <a:ext uri="{FF2B5EF4-FFF2-40B4-BE49-F238E27FC236}">
+                <a16:creationId xmlns:a16="http://schemas.microsoft.com/office/drawing/2014/main" id="{E67505C2-1B4B-430A-A0A2-046CF2E80C50}"/>
+              </a:ext>
+            </a:extLst>
+          </p:cNvPr>
+          <p:cNvCxnSpPr>
+            <a:cxnSpLocks/>
+            <a:stCxn id="32" idx="6"/>
+            <a:endCxn id="35" idx="2"/>
+          </p:cNvCxnSpPr>
+          <p:nvPr/>
+        </p:nvCxnSpPr>
+        <p:spPr>
+          <a:xfrm>
+            <a:off x="3712345" y="1287793"/>
+            <a:ext cx="1519560" cy="1707472"/>
+          </a:xfrm>
+          <a:prstGeom prst="straightConnector1">
+            <a:avLst/>
+          </a:prstGeom>
+          <a:ln>
+            <a:tailEnd type="triangle"/>
+          </a:ln>
+        </p:spPr>
+        <p:style>
+          <a:lnRef idx="3">
+            <a:schemeClr val="dk1"/>
+          </a:lnRef>
+          <a:fillRef idx="0">
+            <a:schemeClr val="dk1"/>
+          </a:fillRef>
+          <a:effectRef idx="2">
+            <a:schemeClr val="dk1"/>
+          </a:effectRef>
+          <a:fontRef idx="minor">
+            <a:schemeClr val="tx1"/>
+          </a:fontRef>
+        </p:style>
+      </p:cxnSp>
+      <p:cxnSp>
+        <p:nvCxnSpPr>
+          <p:cNvPr id="155" name="Straight Arrow Connector 154">
+            <a:extLst>
+              <a:ext uri="{FF2B5EF4-FFF2-40B4-BE49-F238E27FC236}">
+                <a16:creationId xmlns:a16="http://schemas.microsoft.com/office/drawing/2014/main" id="{37DC6A91-B32D-4F06-8B43-CCD9372B1825}"/>
+              </a:ext>
+            </a:extLst>
+          </p:cNvPr>
+          <p:cNvCxnSpPr>
+            <a:cxnSpLocks/>
+            <a:stCxn id="32" idx="6"/>
+            <a:endCxn id="36" idx="2"/>
+          </p:cNvCxnSpPr>
+          <p:nvPr/>
+        </p:nvCxnSpPr>
+        <p:spPr>
+          <a:xfrm>
+            <a:off x="3712345" y="1287793"/>
+            <a:ext cx="1519560" cy="2561208"/>
+          </a:xfrm>
+          <a:prstGeom prst="straightConnector1">
+            <a:avLst/>
+          </a:prstGeom>
+          <a:ln>
+            <a:tailEnd type="triangle"/>
+          </a:ln>
+        </p:spPr>
+        <p:style>
+          <a:lnRef idx="3">
+            <a:schemeClr val="dk1"/>
+          </a:lnRef>
+          <a:fillRef idx="0">
+            <a:schemeClr val="dk1"/>
+          </a:fillRef>
+          <a:effectRef idx="2">
+            <a:schemeClr val="dk1"/>
+          </a:effectRef>
+          <a:fontRef idx="minor">
+            <a:schemeClr val="tx1"/>
+          </a:fontRef>
+        </p:style>
+      </p:cxnSp>
+      <p:cxnSp>
+        <p:nvCxnSpPr>
+          <p:cNvPr id="158" name="Straight Arrow Connector 157">
+            <a:extLst>
+              <a:ext uri="{FF2B5EF4-FFF2-40B4-BE49-F238E27FC236}">
+                <a16:creationId xmlns:a16="http://schemas.microsoft.com/office/drawing/2014/main" id="{C7C656ED-768E-4B40-8D7C-BEA1D077242C}"/>
+              </a:ext>
+            </a:extLst>
+          </p:cNvPr>
+          <p:cNvCxnSpPr>
+            <a:cxnSpLocks/>
+            <a:stCxn id="32" idx="6"/>
+            <a:endCxn id="37" idx="2"/>
+          </p:cNvCxnSpPr>
+          <p:nvPr/>
+        </p:nvCxnSpPr>
+        <p:spPr>
+          <a:xfrm>
+            <a:off x="3712345" y="1287793"/>
+            <a:ext cx="1509003" cy="3414944"/>
+          </a:xfrm>
+          <a:prstGeom prst="straightConnector1">
+            <a:avLst/>
+          </a:prstGeom>
+          <a:ln>
+            <a:tailEnd type="triangle"/>
+          </a:ln>
+        </p:spPr>
+        <p:style>
+          <a:lnRef idx="3">
+            <a:schemeClr val="dk1"/>
+          </a:lnRef>
+          <a:fillRef idx="0">
+            <a:schemeClr val="dk1"/>
+          </a:fillRef>
+          <a:effectRef idx="2">
+            <a:schemeClr val="dk1"/>
+          </a:effectRef>
+          <a:fontRef idx="minor">
+            <a:schemeClr val="tx1"/>
+          </a:fontRef>
+        </p:style>
+      </p:cxnSp>
+      <p:cxnSp>
+        <p:nvCxnSpPr>
+          <p:cNvPr id="161" name="Straight Arrow Connector 160">
+            <a:extLst>
+              <a:ext uri="{FF2B5EF4-FFF2-40B4-BE49-F238E27FC236}">
+                <a16:creationId xmlns:a16="http://schemas.microsoft.com/office/drawing/2014/main" id="{E4F27C58-A659-4189-9353-CE3AD709B9D5}"/>
+              </a:ext>
+            </a:extLst>
+          </p:cNvPr>
+          <p:cNvCxnSpPr>
+            <a:cxnSpLocks/>
+            <a:stCxn id="32" idx="6"/>
+            <a:endCxn id="39" idx="2"/>
+          </p:cNvCxnSpPr>
+          <p:nvPr/>
+        </p:nvCxnSpPr>
+        <p:spPr>
+          <a:xfrm>
+            <a:off x="3712345" y="1287793"/>
+            <a:ext cx="1519560" cy="4268680"/>
+          </a:xfrm>
+          <a:prstGeom prst="straightConnector1">
+            <a:avLst/>
+          </a:prstGeom>
+          <a:ln>
+            <a:tailEnd type="triangle"/>
+          </a:ln>
+        </p:spPr>
+        <p:style>
+          <a:lnRef idx="3">
+            <a:schemeClr val="dk1"/>
+          </a:lnRef>
+          <a:fillRef idx="0">
+            <a:schemeClr val="dk1"/>
+          </a:fillRef>
+          <a:effectRef idx="2">
+            <a:schemeClr val="dk1"/>
+          </a:effectRef>
+          <a:fontRef idx="minor">
+            <a:schemeClr val="tx1"/>
+          </a:fontRef>
+        </p:style>
+      </p:cxnSp>
+      <p:cxnSp>
+        <p:nvCxnSpPr>
+          <p:cNvPr id="164" name="Straight Arrow Connector 163">
+            <a:extLst>
+              <a:ext uri="{FF2B5EF4-FFF2-40B4-BE49-F238E27FC236}">
+                <a16:creationId xmlns:a16="http://schemas.microsoft.com/office/drawing/2014/main" id="{2B1368CC-63E8-43A3-BBC2-F6FC719EE275}"/>
+              </a:ext>
+            </a:extLst>
+          </p:cNvPr>
+          <p:cNvCxnSpPr>
+            <a:cxnSpLocks/>
+            <a:stCxn id="28" idx="6"/>
+            <a:endCxn id="38" idx="2"/>
+          </p:cNvCxnSpPr>
+          <p:nvPr/>
+        </p:nvCxnSpPr>
+        <p:spPr>
+          <a:xfrm flipV="1">
+            <a:off x="3712345" y="1287793"/>
+            <a:ext cx="1519560" cy="853736"/>
+          </a:xfrm>
+          <a:prstGeom prst="straightConnector1">
+            <a:avLst/>
+          </a:prstGeom>
+          <a:ln>
+            <a:tailEnd type="triangle"/>
+          </a:ln>
+        </p:spPr>
+        <p:style>
+          <a:lnRef idx="3">
+            <a:schemeClr val="dk1"/>
+          </a:lnRef>
+          <a:fillRef idx="0">
+            <a:schemeClr val="dk1"/>
+          </a:fillRef>
+          <a:effectRef idx="2">
+            <a:schemeClr val="dk1"/>
+          </a:effectRef>
+          <a:fontRef idx="minor">
+            <a:schemeClr val="tx1"/>
+          </a:fontRef>
+        </p:style>
+      </p:cxnSp>
+      <p:cxnSp>
+        <p:nvCxnSpPr>
+          <p:cNvPr id="167" name="Straight Arrow Connector 166">
+            <a:extLst>
+              <a:ext uri="{FF2B5EF4-FFF2-40B4-BE49-F238E27FC236}">
+                <a16:creationId xmlns:a16="http://schemas.microsoft.com/office/drawing/2014/main" id="{A7CB43C9-5A98-420E-81E4-7E3B89288ABE}"/>
+              </a:ext>
+            </a:extLst>
+          </p:cNvPr>
+          <p:cNvCxnSpPr>
+            <a:cxnSpLocks/>
+            <a:stCxn id="28" idx="6"/>
+            <a:endCxn id="34" idx="2"/>
+          </p:cNvCxnSpPr>
+          <p:nvPr/>
+        </p:nvCxnSpPr>
+        <p:spPr>
+          <a:xfrm>
+            <a:off x="3712345" y="2141529"/>
+            <a:ext cx="1519560" cy="0"/>
+          </a:xfrm>
+          <a:prstGeom prst="straightConnector1">
+            <a:avLst/>
+          </a:prstGeom>
+          <a:ln>
+            <a:tailEnd type="triangle"/>
+          </a:ln>
+        </p:spPr>
+        <p:style>
+          <a:lnRef idx="3">
+            <a:schemeClr val="dk1"/>
+          </a:lnRef>
+          <a:fillRef idx="0">
+            <a:schemeClr val="dk1"/>
+          </a:fillRef>
+          <a:effectRef idx="2">
+            <a:schemeClr val="dk1"/>
+          </a:effectRef>
+          <a:fontRef idx="minor">
+            <a:schemeClr val="tx1"/>
+          </a:fontRef>
+        </p:style>
+      </p:cxnSp>
+      <p:cxnSp>
+        <p:nvCxnSpPr>
+          <p:cNvPr id="170" name="Straight Arrow Connector 169">
+            <a:extLst>
+              <a:ext uri="{FF2B5EF4-FFF2-40B4-BE49-F238E27FC236}">
+                <a16:creationId xmlns:a16="http://schemas.microsoft.com/office/drawing/2014/main" id="{99AEBD28-B99D-4115-B104-63B86CB27128}"/>
+              </a:ext>
+            </a:extLst>
+          </p:cNvPr>
+          <p:cNvCxnSpPr>
+            <a:cxnSpLocks/>
+            <a:stCxn id="28" idx="6"/>
+            <a:endCxn id="35" idx="2"/>
+          </p:cNvCxnSpPr>
+          <p:nvPr/>
+        </p:nvCxnSpPr>
+        <p:spPr>
+          <a:xfrm>
+            <a:off x="3712345" y="2141529"/>
+            <a:ext cx="1519560" cy="853736"/>
+          </a:xfrm>
+          <a:prstGeom prst="straightConnector1">
+            <a:avLst/>
+          </a:prstGeom>
+          <a:ln>
+            <a:tailEnd type="triangle"/>
+          </a:ln>
+        </p:spPr>
+        <p:style>
+          <a:lnRef idx="3">
+            <a:schemeClr val="dk1"/>
+          </a:lnRef>
+          <a:fillRef idx="0">
+            <a:schemeClr val="dk1"/>
+          </a:fillRef>
+          <a:effectRef idx="2">
+            <a:schemeClr val="dk1"/>
+          </a:effectRef>
+          <a:fontRef idx="minor">
+            <a:schemeClr val="tx1"/>
+          </a:fontRef>
+        </p:style>
+      </p:cxnSp>
+      <p:cxnSp>
+        <p:nvCxnSpPr>
+          <p:cNvPr id="173" name="Straight Arrow Connector 172">
+            <a:extLst>
+              <a:ext uri="{FF2B5EF4-FFF2-40B4-BE49-F238E27FC236}">
+                <a16:creationId xmlns:a16="http://schemas.microsoft.com/office/drawing/2014/main" id="{9D181D8F-0CC7-458E-8BD5-8C237ADFE1C9}"/>
+              </a:ext>
+            </a:extLst>
+          </p:cNvPr>
+          <p:cNvCxnSpPr>
+            <a:cxnSpLocks/>
+            <a:stCxn id="28" idx="6"/>
+            <a:endCxn id="36" idx="2"/>
+          </p:cNvCxnSpPr>
+          <p:nvPr/>
+        </p:nvCxnSpPr>
+        <p:spPr>
+          <a:xfrm>
+            <a:off x="3712345" y="2141529"/>
+            <a:ext cx="1519560" cy="1707472"/>
+          </a:xfrm>
+          <a:prstGeom prst="straightConnector1">
+            <a:avLst/>
+          </a:prstGeom>
+          <a:ln>
+            <a:tailEnd type="triangle"/>
+          </a:ln>
+        </p:spPr>
+        <p:style>
+          <a:lnRef idx="3">
+            <a:schemeClr val="dk1"/>
+          </a:lnRef>
+          <a:fillRef idx="0">
+            <a:schemeClr val="dk1"/>
+          </a:fillRef>
+          <a:effectRef idx="2">
+            <a:schemeClr val="dk1"/>
+          </a:effectRef>
+          <a:fontRef idx="minor">
+            <a:schemeClr val="tx1"/>
+          </a:fontRef>
+        </p:style>
+      </p:cxnSp>
+      <p:cxnSp>
+        <p:nvCxnSpPr>
+          <p:cNvPr id="177" name="Straight Arrow Connector 176">
+            <a:extLst>
+              <a:ext uri="{FF2B5EF4-FFF2-40B4-BE49-F238E27FC236}">
+                <a16:creationId xmlns:a16="http://schemas.microsoft.com/office/drawing/2014/main" id="{D98F1BBC-A172-4DEC-A94F-FC40840D78A5}"/>
+              </a:ext>
+            </a:extLst>
+          </p:cNvPr>
+          <p:cNvCxnSpPr>
+            <a:cxnSpLocks/>
+            <a:stCxn id="28" idx="6"/>
+            <a:endCxn id="37" idx="2"/>
+          </p:cNvCxnSpPr>
+          <p:nvPr/>
+        </p:nvCxnSpPr>
+        <p:spPr>
+          <a:xfrm>
+            <a:off x="3712345" y="2141529"/>
+            <a:ext cx="1509003" cy="2561208"/>
+          </a:xfrm>
+          <a:prstGeom prst="straightConnector1">
+            <a:avLst/>
+          </a:prstGeom>
+          <a:ln>
+            <a:tailEnd type="triangle"/>
+          </a:ln>
+        </p:spPr>
+        <p:style>
+          <a:lnRef idx="3">
+            <a:schemeClr val="dk1"/>
+          </a:lnRef>
+          <a:fillRef idx="0">
+            <a:schemeClr val="dk1"/>
+          </a:fillRef>
+          <a:effectRef idx="2">
+            <a:schemeClr val="dk1"/>
+          </a:effectRef>
+          <a:fontRef idx="minor">
+            <a:schemeClr val="tx1"/>
+          </a:fontRef>
+        </p:style>
+      </p:cxnSp>
+      <p:cxnSp>
+        <p:nvCxnSpPr>
+          <p:cNvPr id="180" name="Straight Arrow Connector 179">
+            <a:extLst>
+              <a:ext uri="{FF2B5EF4-FFF2-40B4-BE49-F238E27FC236}">
+                <a16:creationId xmlns:a16="http://schemas.microsoft.com/office/drawing/2014/main" id="{D27CA2A2-5A94-45ED-8DC0-74D17DB5800B}"/>
+              </a:ext>
+            </a:extLst>
+          </p:cNvPr>
+          <p:cNvCxnSpPr>
+            <a:cxnSpLocks/>
+            <a:stCxn id="28" idx="6"/>
+            <a:endCxn id="39" idx="2"/>
+          </p:cNvCxnSpPr>
+          <p:nvPr/>
+        </p:nvCxnSpPr>
+        <p:spPr>
+          <a:xfrm>
+            <a:off x="3712345" y="2141529"/>
+            <a:ext cx="1519560" cy="3414944"/>
+          </a:xfrm>
+          <a:prstGeom prst="straightConnector1">
+            <a:avLst/>
+          </a:prstGeom>
+          <a:ln>
+            <a:tailEnd type="triangle"/>
+          </a:ln>
+        </p:spPr>
+        <p:style>
+          <a:lnRef idx="3">
+            <a:schemeClr val="dk1"/>
+          </a:lnRef>
+          <a:fillRef idx="0">
+            <a:schemeClr val="dk1"/>
+          </a:fillRef>
+          <a:effectRef idx="2">
+            <a:schemeClr val="dk1"/>
+          </a:effectRef>
+          <a:fontRef idx="minor">
+            <a:schemeClr val="tx1"/>
+          </a:fontRef>
+        </p:style>
+      </p:cxnSp>
+      <p:cxnSp>
+        <p:nvCxnSpPr>
+          <p:cNvPr id="183" name="Straight Arrow Connector 182">
+            <a:extLst>
+              <a:ext uri="{FF2B5EF4-FFF2-40B4-BE49-F238E27FC236}">
+                <a16:creationId xmlns:a16="http://schemas.microsoft.com/office/drawing/2014/main" id="{49E3158D-4014-44E0-AE51-CE2E4F46F2FF}"/>
+              </a:ext>
+            </a:extLst>
+          </p:cNvPr>
+          <p:cNvCxnSpPr>
+            <a:cxnSpLocks/>
+            <a:stCxn id="29" idx="6"/>
+            <a:endCxn id="35" idx="2"/>
+          </p:cNvCxnSpPr>
+          <p:nvPr/>
+        </p:nvCxnSpPr>
+        <p:spPr>
+          <a:xfrm>
+            <a:off x="3712345" y="2995265"/>
+            <a:ext cx="1519560" cy="0"/>
+          </a:xfrm>
+          <a:prstGeom prst="straightConnector1">
+            <a:avLst/>
+          </a:prstGeom>
+          <a:ln>
+            <a:tailEnd type="triangle"/>
+          </a:ln>
+        </p:spPr>
+        <p:style>
+          <a:lnRef idx="3">
+            <a:schemeClr val="dk1"/>
+          </a:lnRef>
+          <a:fillRef idx="0">
+            <a:schemeClr val="dk1"/>
+          </a:fillRef>
+          <a:effectRef idx="2">
+            <a:schemeClr val="dk1"/>
+          </a:effectRef>
+          <a:fontRef idx="minor">
+            <a:schemeClr val="tx1"/>
+          </a:fontRef>
+        </p:style>
+      </p:cxnSp>
+      <p:cxnSp>
+        <p:nvCxnSpPr>
+          <p:cNvPr id="185" name="Straight Arrow Connector 184">
+            <a:extLst>
+              <a:ext uri="{FF2B5EF4-FFF2-40B4-BE49-F238E27FC236}">
+                <a16:creationId xmlns:a16="http://schemas.microsoft.com/office/drawing/2014/main" id="{2FCFF4CA-DE2C-4559-B250-DF0EF9848D70}"/>
+              </a:ext>
+            </a:extLst>
+          </p:cNvPr>
+          <p:cNvCxnSpPr>
+            <a:cxnSpLocks/>
+            <a:stCxn id="29" idx="6"/>
+            <a:endCxn id="38" idx="2"/>
+          </p:cNvCxnSpPr>
+          <p:nvPr/>
+        </p:nvCxnSpPr>
+        <p:spPr>
+          <a:xfrm flipV="1">
+            <a:off x="3712345" y="1287793"/>
+            <a:ext cx="1519560" cy="1707472"/>
+          </a:xfrm>
+          <a:prstGeom prst="straightConnector1">
+            <a:avLst/>
+          </a:prstGeom>
+          <a:ln>
+            <a:tailEnd type="triangle"/>
+          </a:ln>
+        </p:spPr>
+        <p:style>
+          <a:lnRef idx="3">
+            <a:schemeClr val="dk1"/>
+          </a:lnRef>
+          <a:fillRef idx="0">
+            <a:schemeClr val="dk1"/>
+          </a:fillRef>
+          <a:effectRef idx="2">
+            <a:schemeClr val="dk1"/>
+          </a:effectRef>
+          <a:fontRef idx="minor">
+            <a:schemeClr val="tx1"/>
+          </a:fontRef>
+        </p:style>
+      </p:cxnSp>
+      <p:cxnSp>
+        <p:nvCxnSpPr>
+          <p:cNvPr id="189" name="Straight Arrow Connector 188">
+            <a:extLst>
+              <a:ext uri="{FF2B5EF4-FFF2-40B4-BE49-F238E27FC236}">
+                <a16:creationId xmlns:a16="http://schemas.microsoft.com/office/drawing/2014/main" id="{60D778E5-E25C-41FB-B3E4-6FF90DB182D6}"/>
+              </a:ext>
+            </a:extLst>
+          </p:cNvPr>
+          <p:cNvCxnSpPr>
+            <a:cxnSpLocks/>
+            <a:stCxn id="29" idx="6"/>
+            <a:endCxn id="34" idx="2"/>
+          </p:cNvCxnSpPr>
+          <p:nvPr/>
+        </p:nvCxnSpPr>
+        <p:spPr>
+          <a:xfrm flipV="1">
+            <a:off x="3712345" y="2141529"/>
+            <a:ext cx="1519560" cy="853736"/>
+          </a:xfrm>
+          <a:prstGeom prst="straightConnector1">
+            <a:avLst/>
+          </a:prstGeom>
+          <a:ln>
+            <a:tailEnd type="triangle"/>
+          </a:ln>
+        </p:spPr>
+        <p:style>
+          <a:lnRef idx="3">
+            <a:schemeClr val="dk1"/>
+          </a:lnRef>
+          <a:fillRef idx="0">
+            <a:schemeClr val="dk1"/>
+          </a:fillRef>
+          <a:effectRef idx="2">
+            <a:schemeClr val="dk1"/>
+          </a:effectRef>
+          <a:fontRef idx="minor">
+            <a:schemeClr val="tx1"/>
+          </a:fontRef>
+        </p:style>
+      </p:cxnSp>
+      <p:cxnSp>
+        <p:nvCxnSpPr>
+          <p:cNvPr id="192" name="Straight Arrow Connector 191">
+            <a:extLst>
+              <a:ext uri="{FF2B5EF4-FFF2-40B4-BE49-F238E27FC236}">
+                <a16:creationId xmlns:a16="http://schemas.microsoft.com/office/drawing/2014/main" id="{975EBEE6-35F6-4983-9151-DB5AACEE8E0A}"/>
+              </a:ext>
+            </a:extLst>
+          </p:cNvPr>
+          <p:cNvCxnSpPr>
+            <a:cxnSpLocks/>
+            <a:stCxn id="29" idx="6"/>
+            <a:endCxn id="36" idx="2"/>
+          </p:cNvCxnSpPr>
+          <p:nvPr/>
+        </p:nvCxnSpPr>
+        <p:spPr>
+          <a:xfrm>
+            <a:off x="3712345" y="2995265"/>
+            <a:ext cx="1519560" cy="853736"/>
+          </a:xfrm>
+          <a:prstGeom prst="straightConnector1">
+            <a:avLst/>
+          </a:prstGeom>
+          <a:ln>
+            <a:tailEnd type="triangle"/>
+          </a:ln>
+        </p:spPr>
+        <p:style>
+          <a:lnRef idx="3">
+            <a:schemeClr val="dk1"/>
+          </a:lnRef>
+          <a:fillRef idx="0">
+            <a:schemeClr val="dk1"/>
+          </a:fillRef>
+          <a:effectRef idx="2">
+            <a:schemeClr val="dk1"/>
+          </a:effectRef>
+          <a:fontRef idx="minor">
+            <a:schemeClr val="tx1"/>
+          </a:fontRef>
+        </p:style>
+      </p:cxnSp>
+      <p:cxnSp>
+        <p:nvCxnSpPr>
+          <p:cNvPr id="195" name="Straight Arrow Connector 194">
+            <a:extLst>
+              <a:ext uri="{FF2B5EF4-FFF2-40B4-BE49-F238E27FC236}">
+                <a16:creationId xmlns:a16="http://schemas.microsoft.com/office/drawing/2014/main" id="{D4115A7F-80A5-4805-BF66-1F07AA15F75B}"/>
+              </a:ext>
+            </a:extLst>
+          </p:cNvPr>
+          <p:cNvCxnSpPr>
+            <a:cxnSpLocks/>
+            <a:stCxn id="29" idx="6"/>
+            <a:endCxn id="36" idx="2"/>
+          </p:cNvCxnSpPr>
+          <p:nvPr/>
+        </p:nvCxnSpPr>
+        <p:spPr>
+          <a:xfrm>
+            <a:off x="3712345" y="2995265"/>
+            <a:ext cx="1519560" cy="853736"/>
+          </a:xfrm>
+          <a:prstGeom prst="straightConnector1">
+            <a:avLst/>
+          </a:prstGeom>
+          <a:ln>
+            <a:tailEnd type="triangle"/>
+          </a:ln>
+        </p:spPr>
+        <p:style>
+          <a:lnRef idx="3">
+            <a:schemeClr val="dk1"/>
+          </a:lnRef>
+          <a:fillRef idx="0">
+            <a:schemeClr val="dk1"/>
+          </a:fillRef>
+          <a:effectRef idx="2">
+            <a:schemeClr val="dk1"/>
+          </a:effectRef>
+          <a:fontRef idx="minor">
+            <a:schemeClr val="tx1"/>
+          </a:fontRef>
+        </p:style>
+      </p:cxnSp>
+      <p:cxnSp>
+        <p:nvCxnSpPr>
+          <p:cNvPr id="198" name="Straight Arrow Connector 197">
+            <a:extLst>
+              <a:ext uri="{FF2B5EF4-FFF2-40B4-BE49-F238E27FC236}">
+                <a16:creationId xmlns:a16="http://schemas.microsoft.com/office/drawing/2014/main" id="{39505A49-1A97-4FB6-B30A-8C095CA78E0D}"/>
+              </a:ext>
+            </a:extLst>
+          </p:cNvPr>
+          <p:cNvCxnSpPr>
+            <a:cxnSpLocks/>
+            <a:stCxn id="29" idx="6"/>
+            <a:endCxn id="37" idx="2"/>
+          </p:cNvCxnSpPr>
+          <p:nvPr/>
+        </p:nvCxnSpPr>
+        <p:spPr>
+          <a:xfrm>
+            <a:off x="3712345" y="2995265"/>
+            <a:ext cx="1509003" cy="1707472"/>
+          </a:xfrm>
+          <a:prstGeom prst="straightConnector1">
+            <a:avLst/>
+          </a:prstGeom>
+          <a:ln>
+            <a:tailEnd type="triangle"/>
+          </a:ln>
+        </p:spPr>
+        <p:style>
+          <a:lnRef idx="3">
+            <a:schemeClr val="dk1"/>
+          </a:lnRef>
+          <a:fillRef idx="0">
+            <a:schemeClr val="dk1"/>
+          </a:fillRef>
+          <a:effectRef idx="2">
+            <a:schemeClr val="dk1"/>
+          </a:effectRef>
+          <a:fontRef idx="minor">
+            <a:schemeClr val="tx1"/>
+          </a:fontRef>
+        </p:style>
+      </p:cxnSp>
+      <p:cxnSp>
+        <p:nvCxnSpPr>
+          <p:cNvPr id="201" name="Straight Arrow Connector 200">
+            <a:extLst>
+              <a:ext uri="{FF2B5EF4-FFF2-40B4-BE49-F238E27FC236}">
+                <a16:creationId xmlns:a16="http://schemas.microsoft.com/office/drawing/2014/main" id="{325239C6-E010-4939-802F-994535B6E918}"/>
+              </a:ext>
+            </a:extLst>
+          </p:cNvPr>
+          <p:cNvCxnSpPr>
+            <a:cxnSpLocks/>
+            <a:stCxn id="29" idx="6"/>
+            <a:endCxn id="39" idx="2"/>
+          </p:cNvCxnSpPr>
+          <p:nvPr/>
+        </p:nvCxnSpPr>
+        <p:spPr>
+          <a:xfrm>
+            <a:off x="3712345" y="2995265"/>
+            <a:ext cx="1519560" cy="2561208"/>
+          </a:xfrm>
+          <a:prstGeom prst="straightConnector1">
+            <a:avLst/>
+          </a:prstGeom>
+          <a:ln>
+            <a:tailEnd type="triangle"/>
+          </a:ln>
+        </p:spPr>
+        <p:style>
+          <a:lnRef idx="3">
+            <a:schemeClr val="dk1"/>
+          </a:lnRef>
+          <a:fillRef idx="0">
+            <a:schemeClr val="dk1"/>
+          </a:fillRef>
+          <a:effectRef idx="2">
+            <a:schemeClr val="dk1"/>
+          </a:effectRef>
+          <a:fontRef idx="minor">
+            <a:schemeClr val="tx1"/>
+          </a:fontRef>
+        </p:style>
+      </p:cxnSp>
+      <p:cxnSp>
+        <p:nvCxnSpPr>
+          <p:cNvPr id="204" name="Straight Arrow Connector 203">
+            <a:extLst>
+              <a:ext uri="{FF2B5EF4-FFF2-40B4-BE49-F238E27FC236}">
+                <a16:creationId xmlns:a16="http://schemas.microsoft.com/office/drawing/2014/main" id="{AE3872E9-EC5F-414E-803E-DDF4FC8D809F}"/>
+              </a:ext>
+            </a:extLst>
+          </p:cNvPr>
+          <p:cNvCxnSpPr>
+            <a:cxnSpLocks/>
+            <a:stCxn id="30" idx="6"/>
+            <a:endCxn id="39" idx="2"/>
+          </p:cNvCxnSpPr>
+          <p:nvPr/>
+        </p:nvCxnSpPr>
+        <p:spPr>
+          <a:xfrm>
+            <a:off x="3712345" y="3849001"/>
+            <a:ext cx="1519560" cy="1707472"/>
+          </a:xfrm>
+          <a:prstGeom prst="straightConnector1">
+            <a:avLst/>
+          </a:prstGeom>
+          <a:ln>
+            <a:tailEnd type="triangle"/>
+          </a:ln>
+        </p:spPr>
+        <p:style>
+          <a:lnRef idx="3">
+            <a:schemeClr val="dk1"/>
+          </a:lnRef>
+          <a:fillRef idx="0">
+            <a:schemeClr val="dk1"/>
+          </a:fillRef>
+          <a:effectRef idx="2">
+            <a:schemeClr val="dk1"/>
+          </a:effectRef>
+          <a:fontRef idx="minor">
+            <a:schemeClr val="tx1"/>
+          </a:fontRef>
+        </p:style>
+      </p:cxnSp>
+      <p:cxnSp>
+        <p:nvCxnSpPr>
+          <p:cNvPr id="207" name="Straight Arrow Connector 206">
+            <a:extLst>
+              <a:ext uri="{FF2B5EF4-FFF2-40B4-BE49-F238E27FC236}">
+                <a16:creationId xmlns:a16="http://schemas.microsoft.com/office/drawing/2014/main" id="{4C15A394-0660-4816-B4E7-86EDFA082098}"/>
+              </a:ext>
+            </a:extLst>
+          </p:cNvPr>
+          <p:cNvCxnSpPr>
+            <a:cxnSpLocks/>
+            <a:stCxn id="30" idx="6"/>
+            <a:endCxn id="37" idx="2"/>
+          </p:cNvCxnSpPr>
+          <p:nvPr/>
+        </p:nvCxnSpPr>
+        <p:spPr>
+          <a:xfrm>
+            <a:off x="3712345" y="3849001"/>
+            <a:ext cx="1509003" cy="853736"/>
+          </a:xfrm>
+          <a:prstGeom prst="straightConnector1">
+            <a:avLst/>
+          </a:prstGeom>
+          <a:ln>
+            <a:tailEnd type="triangle"/>
+          </a:ln>
+        </p:spPr>
+        <p:style>
+          <a:lnRef idx="3">
+            <a:schemeClr val="dk1"/>
+          </a:lnRef>
+          <a:fillRef idx="0">
+            <a:schemeClr val="dk1"/>
+          </a:fillRef>
+          <a:effectRef idx="2">
+            <a:schemeClr val="dk1"/>
+          </a:effectRef>
+          <a:fontRef idx="minor">
+            <a:schemeClr val="tx1"/>
+          </a:fontRef>
+        </p:style>
+      </p:cxnSp>
+      <p:cxnSp>
+        <p:nvCxnSpPr>
+          <p:cNvPr id="210" name="Straight Arrow Connector 209">
+            <a:extLst>
+              <a:ext uri="{FF2B5EF4-FFF2-40B4-BE49-F238E27FC236}">
+                <a16:creationId xmlns:a16="http://schemas.microsoft.com/office/drawing/2014/main" id="{73A3430B-88D0-4ADE-96A3-EB0DF5A45EE7}"/>
+              </a:ext>
+            </a:extLst>
+          </p:cNvPr>
+          <p:cNvCxnSpPr>
+            <a:cxnSpLocks/>
+            <a:stCxn id="30" idx="6"/>
+            <a:endCxn id="36" idx="2"/>
+          </p:cNvCxnSpPr>
+          <p:nvPr/>
+        </p:nvCxnSpPr>
+        <p:spPr>
+          <a:xfrm>
+            <a:off x="3712345" y="3849001"/>
+            <a:ext cx="1519560" cy="0"/>
+          </a:xfrm>
+          <a:prstGeom prst="straightConnector1">
+            <a:avLst/>
+          </a:prstGeom>
+          <a:ln>
+            <a:tailEnd type="triangle"/>
+          </a:ln>
+        </p:spPr>
+        <p:style>
+          <a:lnRef idx="3">
+            <a:schemeClr val="dk1"/>
+          </a:lnRef>
+          <a:fillRef idx="0">
+            <a:schemeClr val="dk1"/>
+          </a:fillRef>
+          <a:effectRef idx="2">
+            <a:schemeClr val="dk1"/>
+          </a:effectRef>
+          <a:fontRef idx="minor">
+            <a:schemeClr val="tx1"/>
+          </a:fontRef>
+        </p:style>
+      </p:cxnSp>
+      <p:cxnSp>
+        <p:nvCxnSpPr>
+          <p:cNvPr id="213" name="Straight Arrow Connector 212">
+            <a:extLst>
+              <a:ext uri="{FF2B5EF4-FFF2-40B4-BE49-F238E27FC236}">
+                <a16:creationId xmlns:a16="http://schemas.microsoft.com/office/drawing/2014/main" id="{5809258E-733D-4C2E-A38E-DDA8E3C86DB1}"/>
+              </a:ext>
+            </a:extLst>
+          </p:cNvPr>
+          <p:cNvCxnSpPr>
+            <a:cxnSpLocks/>
+            <a:stCxn id="30" idx="6"/>
+            <a:endCxn id="35" idx="2"/>
+          </p:cNvCxnSpPr>
+          <p:nvPr/>
+        </p:nvCxnSpPr>
+        <p:spPr>
+          <a:xfrm flipV="1">
+            <a:off x="3712345" y="2995265"/>
+            <a:ext cx="1519560" cy="853736"/>
+          </a:xfrm>
+          <a:prstGeom prst="straightConnector1">
+            <a:avLst/>
+          </a:prstGeom>
+          <a:ln>
+            <a:tailEnd type="triangle"/>
+          </a:ln>
+        </p:spPr>
+        <p:style>
+          <a:lnRef idx="3">
+            <a:schemeClr val="dk1"/>
+          </a:lnRef>
+          <a:fillRef idx="0">
+            <a:schemeClr val="dk1"/>
+          </a:fillRef>
+          <a:effectRef idx="2">
+            <a:schemeClr val="dk1"/>
+          </a:effectRef>
+          <a:fontRef idx="minor">
+            <a:schemeClr val="tx1"/>
+          </a:fontRef>
+        </p:style>
+      </p:cxnSp>
+      <p:cxnSp>
+        <p:nvCxnSpPr>
+          <p:cNvPr id="216" name="Straight Arrow Connector 215">
+            <a:extLst>
+              <a:ext uri="{FF2B5EF4-FFF2-40B4-BE49-F238E27FC236}">
+                <a16:creationId xmlns:a16="http://schemas.microsoft.com/office/drawing/2014/main" id="{421FF780-A7EF-4700-AD36-C192644526E1}"/>
+              </a:ext>
+            </a:extLst>
+          </p:cNvPr>
+          <p:cNvCxnSpPr>
+            <a:cxnSpLocks/>
+            <a:stCxn id="30" idx="6"/>
+            <a:endCxn id="34" idx="2"/>
+          </p:cNvCxnSpPr>
+          <p:nvPr/>
+        </p:nvCxnSpPr>
+        <p:spPr>
+          <a:xfrm flipV="1">
+            <a:off x="3712345" y="2141529"/>
+            <a:ext cx="1519560" cy="1707472"/>
+          </a:xfrm>
+          <a:prstGeom prst="straightConnector1">
+            <a:avLst/>
+          </a:prstGeom>
+          <a:ln>
+            <a:tailEnd type="triangle"/>
+          </a:ln>
+        </p:spPr>
+        <p:style>
+          <a:lnRef idx="3">
+            <a:schemeClr val="dk1"/>
+          </a:lnRef>
+          <a:fillRef idx="0">
+            <a:schemeClr val="dk1"/>
+          </a:fillRef>
+          <a:effectRef idx="2">
+            <a:schemeClr val="dk1"/>
+          </a:effectRef>
+          <a:fontRef idx="minor">
+            <a:schemeClr val="tx1"/>
+          </a:fontRef>
+        </p:style>
+      </p:cxnSp>
+      <p:cxnSp>
+        <p:nvCxnSpPr>
+          <p:cNvPr id="219" name="Straight Arrow Connector 218">
+            <a:extLst>
+              <a:ext uri="{FF2B5EF4-FFF2-40B4-BE49-F238E27FC236}">
+                <a16:creationId xmlns:a16="http://schemas.microsoft.com/office/drawing/2014/main" id="{267BC4EE-BC32-4577-A832-67CA4FA78140}"/>
+              </a:ext>
+            </a:extLst>
+          </p:cNvPr>
+          <p:cNvCxnSpPr>
+            <a:cxnSpLocks/>
+            <a:stCxn id="30" idx="6"/>
+            <a:endCxn id="38" idx="2"/>
+          </p:cNvCxnSpPr>
+          <p:nvPr/>
+        </p:nvCxnSpPr>
+        <p:spPr>
+          <a:xfrm flipV="1">
+            <a:off x="3712345" y="1287793"/>
+            <a:ext cx="1519560" cy="2561208"/>
+          </a:xfrm>
+          <a:prstGeom prst="straightConnector1">
+            <a:avLst/>
+          </a:prstGeom>
+          <a:ln>
+            <a:tailEnd type="triangle"/>
+          </a:ln>
+        </p:spPr>
+        <p:style>
+          <a:lnRef idx="3">
+            <a:schemeClr val="dk1"/>
+          </a:lnRef>
+          <a:fillRef idx="0">
+            <a:schemeClr val="dk1"/>
+          </a:fillRef>
+          <a:effectRef idx="2">
+            <a:schemeClr val="dk1"/>
+          </a:effectRef>
+          <a:fontRef idx="minor">
+            <a:schemeClr val="tx1"/>
+          </a:fontRef>
+        </p:style>
+      </p:cxnSp>
+      <p:cxnSp>
+        <p:nvCxnSpPr>
+          <p:cNvPr id="222" name="Straight Arrow Connector 221">
+            <a:extLst>
+              <a:ext uri="{FF2B5EF4-FFF2-40B4-BE49-F238E27FC236}">
+                <a16:creationId xmlns:a16="http://schemas.microsoft.com/office/drawing/2014/main" id="{C9151C2D-E0D1-44F6-B69D-13E69F0EB2C1}"/>
+              </a:ext>
+            </a:extLst>
+          </p:cNvPr>
+          <p:cNvCxnSpPr>
+            <a:cxnSpLocks/>
+            <a:stCxn id="31" idx="6"/>
+            <a:endCxn id="39" idx="2"/>
+          </p:cNvCxnSpPr>
+          <p:nvPr/>
+        </p:nvCxnSpPr>
+        <p:spPr>
+          <a:xfrm>
+            <a:off x="3701788" y="4702737"/>
+            <a:ext cx="1530117" cy="853736"/>
+          </a:xfrm>
+          <a:prstGeom prst="straightConnector1">
+            <a:avLst/>
+          </a:prstGeom>
+          <a:ln>
+            <a:tailEnd type="triangle"/>
+          </a:ln>
+        </p:spPr>
+        <p:style>
+          <a:lnRef idx="3">
+            <a:schemeClr val="dk1"/>
+          </a:lnRef>
+          <a:fillRef idx="0">
+            <a:schemeClr val="dk1"/>
+          </a:fillRef>
+          <a:effectRef idx="2">
+            <a:schemeClr val="dk1"/>
+          </a:effectRef>
+          <a:fontRef idx="minor">
+            <a:schemeClr val="tx1"/>
+          </a:fontRef>
+        </p:style>
+      </p:cxnSp>
+      <p:cxnSp>
+        <p:nvCxnSpPr>
+          <p:cNvPr id="225" name="Straight Arrow Connector 224">
+            <a:extLst>
+              <a:ext uri="{FF2B5EF4-FFF2-40B4-BE49-F238E27FC236}">
+                <a16:creationId xmlns:a16="http://schemas.microsoft.com/office/drawing/2014/main" id="{F853BABE-07BF-413B-8961-8B918A322ACC}"/>
+              </a:ext>
+            </a:extLst>
+          </p:cNvPr>
+          <p:cNvCxnSpPr>
+            <a:cxnSpLocks/>
+            <a:stCxn id="31" idx="6"/>
+            <a:endCxn id="37" idx="2"/>
+          </p:cNvCxnSpPr>
+          <p:nvPr/>
+        </p:nvCxnSpPr>
+        <p:spPr>
+          <a:xfrm>
+            <a:off x="3701788" y="4702737"/>
+            <a:ext cx="1519560" cy="0"/>
+          </a:xfrm>
+          <a:prstGeom prst="straightConnector1">
+            <a:avLst/>
+          </a:prstGeom>
+          <a:ln>
+            <a:tailEnd type="triangle"/>
+          </a:ln>
+        </p:spPr>
+        <p:style>
+          <a:lnRef idx="3">
+            <a:schemeClr val="dk1"/>
+          </a:lnRef>
+          <a:fillRef idx="0">
+            <a:schemeClr val="dk1"/>
+          </a:fillRef>
+          <a:effectRef idx="2">
+            <a:schemeClr val="dk1"/>
+          </a:effectRef>
+          <a:fontRef idx="minor">
+            <a:schemeClr val="tx1"/>
+          </a:fontRef>
+        </p:style>
+      </p:cxnSp>
+      <p:cxnSp>
+        <p:nvCxnSpPr>
+          <p:cNvPr id="228" name="Straight Arrow Connector 227">
+            <a:extLst>
+              <a:ext uri="{FF2B5EF4-FFF2-40B4-BE49-F238E27FC236}">
+                <a16:creationId xmlns:a16="http://schemas.microsoft.com/office/drawing/2014/main" id="{DC9555E0-7394-42A0-8F0E-BD9C579347CD}"/>
+              </a:ext>
+            </a:extLst>
+          </p:cNvPr>
+          <p:cNvCxnSpPr>
+            <a:cxnSpLocks/>
+            <a:stCxn id="31" idx="6"/>
+            <a:endCxn id="36" idx="2"/>
+          </p:cNvCxnSpPr>
+          <p:nvPr/>
+        </p:nvCxnSpPr>
+        <p:spPr>
+          <a:xfrm flipV="1">
+            <a:off x="3701788" y="3849001"/>
+            <a:ext cx="1530117" cy="853736"/>
+          </a:xfrm>
+          <a:prstGeom prst="straightConnector1">
+            <a:avLst/>
+          </a:prstGeom>
+          <a:ln>
+            <a:tailEnd type="triangle"/>
+          </a:ln>
+        </p:spPr>
+        <p:style>
+          <a:lnRef idx="3">
+            <a:schemeClr val="dk1"/>
+          </a:lnRef>
+          <a:fillRef idx="0">
+            <a:schemeClr val="dk1"/>
+          </a:fillRef>
+          <a:effectRef idx="2">
+            <a:schemeClr val="dk1"/>
+          </a:effectRef>
+          <a:fontRef idx="minor">
+            <a:schemeClr val="tx1"/>
+          </a:fontRef>
+        </p:style>
+      </p:cxnSp>
+      <p:cxnSp>
+        <p:nvCxnSpPr>
+          <p:cNvPr id="231" name="Straight Arrow Connector 230">
+            <a:extLst>
+              <a:ext uri="{FF2B5EF4-FFF2-40B4-BE49-F238E27FC236}">
+                <a16:creationId xmlns:a16="http://schemas.microsoft.com/office/drawing/2014/main" id="{D0283B3A-47AA-4595-B95A-28075DB41048}"/>
+              </a:ext>
+            </a:extLst>
+          </p:cNvPr>
+          <p:cNvCxnSpPr>
+            <a:cxnSpLocks/>
+            <a:stCxn id="31" idx="6"/>
+            <a:endCxn id="35" idx="2"/>
+          </p:cNvCxnSpPr>
+          <p:nvPr/>
+        </p:nvCxnSpPr>
+        <p:spPr>
+          <a:xfrm flipV="1">
+            <a:off x="3701788" y="2995265"/>
+            <a:ext cx="1530117" cy="1707472"/>
+          </a:xfrm>
+          <a:prstGeom prst="straightConnector1">
+            <a:avLst/>
+          </a:prstGeom>
+          <a:ln>
+            <a:tailEnd type="triangle"/>
+          </a:ln>
+        </p:spPr>
+        <p:style>
+          <a:lnRef idx="3">
+            <a:schemeClr val="dk1"/>
+          </a:lnRef>
+          <a:fillRef idx="0">
+            <a:schemeClr val="dk1"/>
+          </a:fillRef>
+          <a:effectRef idx="2">
+            <a:schemeClr val="dk1"/>
+          </a:effectRef>
+          <a:fontRef idx="minor">
+            <a:schemeClr val="tx1"/>
+          </a:fontRef>
+        </p:style>
+      </p:cxnSp>
+      <p:cxnSp>
+        <p:nvCxnSpPr>
+          <p:cNvPr id="234" name="Straight Arrow Connector 233">
+            <a:extLst>
+              <a:ext uri="{FF2B5EF4-FFF2-40B4-BE49-F238E27FC236}">
+                <a16:creationId xmlns:a16="http://schemas.microsoft.com/office/drawing/2014/main" id="{0F7F85B9-D0AF-4E82-B95B-C41A5C9732BF}"/>
+              </a:ext>
+            </a:extLst>
+          </p:cNvPr>
+          <p:cNvCxnSpPr>
+            <a:cxnSpLocks/>
+            <a:stCxn id="31" idx="6"/>
+            <a:endCxn id="34" idx="2"/>
+          </p:cNvCxnSpPr>
+          <p:nvPr/>
+        </p:nvCxnSpPr>
+        <p:spPr>
+          <a:xfrm flipV="1">
+            <a:off x="3701788" y="2141529"/>
+            <a:ext cx="1530117" cy="2561208"/>
+          </a:xfrm>
+          <a:prstGeom prst="straightConnector1">
+            <a:avLst/>
+          </a:prstGeom>
+          <a:ln>
+            <a:tailEnd type="triangle"/>
+          </a:ln>
+        </p:spPr>
+        <p:style>
+          <a:lnRef idx="3">
+            <a:schemeClr val="dk1"/>
+          </a:lnRef>
+          <a:fillRef idx="0">
+            <a:schemeClr val="dk1"/>
+          </a:fillRef>
+          <a:effectRef idx="2">
+            <a:schemeClr val="dk1"/>
+          </a:effectRef>
+          <a:fontRef idx="minor">
+            <a:schemeClr val="tx1"/>
+          </a:fontRef>
+        </p:style>
+      </p:cxnSp>
+      <p:cxnSp>
+        <p:nvCxnSpPr>
+          <p:cNvPr id="237" name="Straight Arrow Connector 236">
+            <a:extLst>
+              <a:ext uri="{FF2B5EF4-FFF2-40B4-BE49-F238E27FC236}">
+                <a16:creationId xmlns:a16="http://schemas.microsoft.com/office/drawing/2014/main" id="{9E6B9C1A-75CD-4AF6-8A5A-ED5389D26536}"/>
+              </a:ext>
+            </a:extLst>
+          </p:cNvPr>
+          <p:cNvCxnSpPr>
+            <a:cxnSpLocks/>
+            <a:stCxn id="31" idx="6"/>
+            <a:endCxn id="38" idx="2"/>
+          </p:cNvCxnSpPr>
+          <p:nvPr/>
+        </p:nvCxnSpPr>
+        <p:spPr>
+          <a:xfrm flipV="1">
+            <a:off x="3701788" y="1287793"/>
+            <a:ext cx="1530117" cy="3414944"/>
+          </a:xfrm>
+          <a:prstGeom prst="straightConnector1">
+            <a:avLst/>
+          </a:prstGeom>
+          <a:ln>
+            <a:tailEnd type="triangle"/>
+          </a:ln>
+        </p:spPr>
+        <p:style>
+          <a:lnRef idx="3">
+            <a:schemeClr val="dk1"/>
+          </a:lnRef>
+          <a:fillRef idx="0">
+            <a:schemeClr val="dk1"/>
+          </a:fillRef>
+          <a:effectRef idx="2">
+            <a:schemeClr val="dk1"/>
+          </a:effectRef>
+          <a:fontRef idx="minor">
+            <a:schemeClr val="tx1"/>
+          </a:fontRef>
+        </p:style>
+      </p:cxnSp>
+      <p:cxnSp>
+        <p:nvCxnSpPr>
+          <p:cNvPr id="240" name="Straight Arrow Connector 239">
+            <a:extLst>
+              <a:ext uri="{FF2B5EF4-FFF2-40B4-BE49-F238E27FC236}">
+                <a16:creationId xmlns:a16="http://schemas.microsoft.com/office/drawing/2014/main" id="{7E070982-CBC0-4649-A6F4-B0212591C84D}"/>
+              </a:ext>
+            </a:extLst>
+          </p:cNvPr>
+          <p:cNvCxnSpPr>
+            <a:cxnSpLocks/>
+            <a:stCxn id="33" idx="6"/>
+            <a:endCxn id="39" idx="2"/>
+          </p:cNvCxnSpPr>
+          <p:nvPr/>
+        </p:nvCxnSpPr>
+        <p:spPr>
+          <a:xfrm>
+            <a:off x="3712345" y="5556473"/>
+            <a:ext cx="1519560" cy="0"/>
+          </a:xfrm>
+          <a:prstGeom prst="straightConnector1">
+            <a:avLst/>
+          </a:prstGeom>
+          <a:ln>
+            <a:tailEnd type="triangle"/>
+          </a:ln>
+        </p:spPr>
+        <p:style>
+          <a:lnRef idx="3">
+            <a:schemeClr val="dk1"/>
+          </a:lnRef>
+          <a:fillRef idx="0">
+            <a:schemeClr val="dk1"/>
+          </a:fillRef>
+          <a:effectRef idx="2">
+            <a:schemeClr val="dk1"/>
+          </a:effectRef>
+          <a:fontRef idx="minor">
+            <a:schemeClr val="tx1"/>
+          </a:fontRef>
+        </p:style>
+      </p:cxnSp>
+      <p:cxnSp>
+        <p:nvCxnSpPr>
+          <p:cNvPr id="243" name="Straight Arrow Connector 242">
+            <a:extLst>
+              <a:ext uri="{FF2B5EF4-FFF2-40B4-BE49-F238E27FC236}">
+                <a16:creationId xmlns:a16="http://schemas.microsoft.com/office/drawing/2014/main" id="{E19D86E3-8D8D-4BC2-AFBA-57ED4802B6AD}"/>
+              </a:ext>
+            </a:extLst>
+          </p:cNvPr>
+          <p:cNvCxnSpPr>
+            <a:cxnSpLocks/>
+            <a:stCxn id="33" idx="6"/>
+            <a:endCxn id="37" idx="2"/>
+          </p:cNvCxnSpPr>
+          <p:nvPr/>
+        </p:nvCxnSpPr>
+        <p:spPr>
+          <a:xfrm flipV="1">
+            <a:off x="3712345" y="4702737"/>
+            <a:ext cx="1509003" cy="853736"/>
+          </a:xfrm>
+          <a:prstGeom prst="straightConnector1">
+            <a:avLst/>
+          </a:prstGeom>
+          <a:ln>
+            <a:tailEnd type="triangle"/>
+          </a:ln>
+        </p:spPr>
+        <p:style>
+          <a:lnRef idx="3">
+            <a:schemeClr val="dk1"/>
+          </a:lnRef>
+          <a:fillRef idx="0">
+            <a:schemeClr val="dk1"/>
+          </a:fillRef>
+          <a:effectRef idx="2">
+            <a:schemeClr val="dk1"/>
+          </a:effectRef>
+          <a:fontRef idx="minor">
+            <a:schemeClr val="tx1"/>
+          </a:fontRef>
+        </p:style>
+      </p:cxnSp>
+      <p:cxnSp>
+        <p:nvCxnSpPr>
+          <p:cNvPr id="246" name="Straight Arrow Connector 245">
+            <a:extLst>
+              <a:ext uri="{FF2B5EF4-FFF2-40B4-BE49-F238E27FC236}">
+                <a16:creationId xmlns:a16="http://schemas.microsoft.com/office/drawing/2014/main" id="{9F908DD2-550F-4C2B-919E-4F4B754604DE}"/>
+              </a:ext>
+            </a:extLst>
+          </p:cNvPr>
+          <p:cNvCxnSpPr>
+            <a:cxnSpLocks/>
+            <a:stCxn id="33" idx="6"/>
+            <a:endCxn id="36" idx="2"/>
+          </p:cNvCxnSpPr>
+          <p:nvPr/>
+        </p:nvCxnSpPr>
+        <p:spPr>
+          <a:xfrm flipV="1">
+            <a:off x="3712345" y="3849001"/>
+            <a:ext cx="1519560" cy="1707472"/>
+          </a:xfrm>
+          <a:prstGeom prst="straightConnector1">
+            <a:avLst/>
+          </a:prstGeom>
+          <a:ln>
+            <a:tailEnd type="triangle"/>
+          </a:ln>
+        </p:spPr>
+        <p:style>
+          <a:lnRef idx="3">
+            <a:schemeClr val="dk1"/>
+          </a:lnRef>
+          <a:fillRef idx="0">
+            <a:schemeClr val="dk1"/>
+          </a:fillRef>
+          <a:effectRef idx="2">
+            <a:schemeClr val="dk1"/>
+          </a:effectRef>
+          <a:fontRef idx="minor">
+            <a:schemeClr val="tx1"/>
+          </a:fontRef>
+        </p:style>
+      </p:cxnSp>
+      <p:cxnSp>
+        <p:nvCxnSpPr>
+          <p:cNvPr id="249" name="Straight Arrow Connector 248">
+            <a:extLst>
+              <a:ext uri="{FF2B5EF4-FFF2-40B4-BE49-F238E27FC236}">
+                <a16:creationId xmlns:a16="http://schemas.microsoft.com/office/drawing/2014/main" id="{4AB555EE-3C5A-432A-81D1-339E689E675B}"/>
+              </a:ext>
+            </a:extLst>
+          </p:cNvPr>
+          <p:cNvCxnSpPr>
+            <a:cxnSpLocks/>
+            <a:stCxn id="33" idx="6"/>
+            <a:endCxn id="35" idx="2"/>
+          </p:cNvCxnSpPr>
+          <p:nvPr/>
+        </p:nvCxnSpPr>
+        <p:spPr>
+          <a:xfrm flipV="1">
+            <a:off x="3712345" y="2995265"/>
+            <a:ext cx="1519560" cy="2561208"/>
+          </a:xfrm>
+          <a:prstGeom prst="straightConnector1">
+            <a:avLst/>
+          </a:prstGeom>
+          <a:ln>
+            <a:tailEnd type="triangle"/>
+          </a:ln>
+        </p:spPr>
+        <p:style>
+          <a:lnRef idx="3">
+            <a:schemeClr val="dk1"/>
+          </a:lnRef>
+          <a:fillRef idx="0">
+            <a:schemeClr val="dk1"/>
+          </a:fillRef>
+          <a:effectRef idx="2">
+            <a:schemeClr val="dk1"/>
+          </a:effectRef>
+          <a:fontRef idx="minor">
+            <a:schemeClr val="tx1"/>
+          </a:fontRef>
+        </p:style>
+      </p:cxnSp>
+      <p:cxnSp>
+        <p:nvCxnSpPr>
+          <p:cNvPr id="252" name="Straight Arrow Connector 251">
+            <a:extLst>
+              <a:ext uri="{FF2B5EF4-FFF2-40B4-BE49-F238E27FC236}">
+                <a16:creationId xmlns:a16="http://schemas.microsoft.com/office/drawing/2014/main" id="{D832C4BE-FFF3-47AA-9262-EA60E653071C}"/>
+              </a:ext>
+            </a:extLst>
+          </p:cNvPr>
+          <p:cNvCxnSpPr>
+            <a:cxnSpLocks/>
+            <a:stCxn id="33" idx="6"/>
+            <a:endCxn id="34" idx="2"/>
+          </p:cNvCxnSpPr>
+          <p:nvPr/>
+        </p:nvCxnSpPr>
+        <p:spPr>
+          <a:xfrm flipV="1">
+            <a:off x="3712345" y="2141529"/>
+            <a:ext cx="1519560" cy="3414944"/>
+          </a:xfrm>
+          <a:prstGeom prst="straightConnector1">
+            <a:avLst/>
+          </a:prstGeom>
+          <a:ln>
+            <a:tailEnd type="triangle"/>
+          </a:ln>
+        </p:spPr>
+        <p:style>
+          <a:lnRef idx="3">
+            <a:schemeClr val="dk1"/>
+          </a:lnRef>
+          <a:fillRef idx="0">
+            <a:schemeClr val="dk1"/>
+          </a:fillRef>
+          <a:effectRef idx="2">
+            <a:schemeClr val="dk1"/>
+          </a:effectRef>
+          <a:fontRef idx="minor">
+            <a:schemeClr val="tx1"/>
+          </a:fontRef>
+        </p:style>
+      </p:cxnSp>
+      <p:cxnSp>
+        <p:nvCxnSpPr>
+          <p:cNvPr id="255" name="Straight Arrow Connector 254">
+            <a:extLst>
+              <a:ext uri="{FF2B5EF4-FFF2-40B4-BE49-F238E27FC236}">
+                <a16:creationId xmlns:a16="http://schemas.microsoft.com/office/drawing/2014/main" id="{E8E57B68-6E19-4E5E-B0EB-A8B876ADFFCE}"/>
+              </a:ext>
+            </a:extLst>
+          </p:cNvPr>
+          <p:cNvCxnSpPr>
+            <a:cxnSpLocks/>
+            <a:stCxn id="33" idx="6"/>
+            <a:endCxn id="38" idx="2"/>
+          </p:cNvCxnSpPr>
+          <p:nvPr/>
+        </p:nvCxnSpPr>
+        <p:spPr>
+          <a:xfrm flipV="1">
+            <a:off x="3712345" y="1287793"/>
+            <a:ext cx="1519560" cy="4268680"/>
+          </a:xfrm>
+          <a:prstGeom prst="straightConnector1">
+            <a:avLst/>
+          </a:prstGeom>
+          <a:ln>
+            <a:tailEnd type="triangle"/>
+          </a:ln>
+        </p:spPr>
+        <p:style>
+          <a:lnRef idx="3">
+            <a:schemeClr val="dk1"/>
+          </a:lnRef>
+          <a:fillRef idx="0">
+            <a:schemeClr val="dk1"/>
+          </a:fillRef>
+          <a:effectRef idx="2">
+            <a:schemeClr val="dk1"/>
+          </a:effectRef>
+          <a:fontRef idx="minor">
+            <a:schemeClr val="tx1"/>
+          </a:fontRef>
+        </p:style>
+      </p:cxnSp>
+      <p:cxnSp>
+        <p:nvCxnSpPr>
+          <p:cNvPr id="319" name="Straight Arrow Connector 318">
+            <a:extLst>
+              <a:ext uri="{FF2B5EF4-FFF2-40B4-BE49-F238E27FC236}">
+                <a16:creationId xmlns:a16="http://schemas.microsoft.com/office/drawing/2014/main" id="{392BEB40-4AC8-46F4-91E9-FE15BAD22CBE}"/>
+              </a:ext>
+            </a:extLst>
+          </p:cNvPr>
+          <p:cNvCxnSpPr>
+            <a:cxnSpLocks/>
+            <a:stCxn id="39" idx="6"/>
+            <a:endCxn id="50" idx="2"/>
+          </p:cNvCxnSpPr>
+          <p:nvPr/>
+        </p:nvCxnSpPr>
+        <p:spPr>
+          <a:xfrm>
+            <a:off x="5912109" y="5556473"/>
+            <a:ext cx="1325501" cy="853736"/>
+          </a:xfrm>
+          <a:prstGeom prst="straightConnector1">
+            <a:avLst/>
+          </a:prstGeom>
+          <a:ln>
+            <a:tailEnd type="triangle"/>
+          </a:ln>
+        </p:spPr>
+        <p:style>
+          <a:lnRef idx="3">
+            <a:schemeClr val="dk1"/>
+          </a:lnRef>
+          <a:fillRef idx="0">
+            <a:schemeClr val="dk1"/>
+          </a:fillRef>
+          <a:effectRef idx="2">
+            <a:schemeClr val="dk1"/>
+          </a:effectRef>
+          <a:fontRef idx="minor">
+            <a:schemeClr val="tx1"/>
+          </a:fontRef>
+        </p:style>
+      </p:cxnSp>
+      <p:cxnSp>
+        <p:nvCxnSpPr>
+          <p:cNvPr id="322" name="Straight Arrow Connector 321">
+            <a:extLst>
+              <a:ext uri="{FF2B5EF4-FFF2-40B4-BE49-F238E27FC236}">
+                <a16:creationId xmlns:a16="http://schemas.microsoft.com/office/drawing/2014/main" id="{0E2F0F63-6015-45FD-8A6A-63F24D036894}"/>
+              </a:ext>
+            </a:extLst>
+          </p:cNvPr>
+          <p:cNvCxnSpPr>
+            <a:cxnSpLocks/>
+            <a:stCxn id="39" idx="6"/>
+            <a:endCxn id="45" idx="2"/>
+          </p:cNvCxnSpPr>
+          <p:nvPr/>
+        </p:nvCxnSpPr>
+        <p:spPr>
+          <a:xfrm>
+            <a:off x="5912109" y="5556473"/>
+            <a:ext cx="1325501" cy="0"/>
+          </a:xfrm>
+          <a:prstGeom prst="straightConnector1">
+            <a:avLst/>
+          </a:prstGeom>
+          <a:ln>
+            <a:tailEnd type="triangle"/>
+          </a:ln>
+        </p:spPr>
+        <p:style>
+          <a:lnRef idx="3">
+            <a:schemeClr val="dk1"/>
+          </a:lnRef>
+          <a:fillRef idx="0">
+            <a:schemeClr val="dk1"/>
+          </a:fillRef>
+          <a:effectRef idx="2">
+            <a:schemeClr val="dk1"/>
+          </a:effectRef>
+          <a:fontRef idx="minor">
+            <a:schemeClr val="tx1"/>
+          </a:fontRef>
+        </p:style>
+      </p:cxnSp>
+      <p:cxnSp>
+        <p:nvCxnSpPr>
+          <p:cNvPr id="325" name="Straight Arrow Connector 324">
+            <a:extLst>
+              <a:ext uri="{FF2B5EF4-FFF2-40B4-BE49-F238E27FC236}">
+                <a16:creationId xmlns:a16="http://schemas.microsoft.com/office/drawing/2014/main" id="{EEE258CE-65B7-41EA-92E6-7FC37A95A7A3}"/>
+              </a:ext>
+            </a:extLst>
+          </p:cNvPr>
+          <p:cNvCxnSpPr>
+            <a:cxnSpLocks/>
+            <a:stCxn id="39" idx="6"/>
+            <a:endCxn id="43" idx="2"/>
+          </p:cNvCxnSpPr>
+          <p:nvPr/>
+        </p:nvCxnSpPr>
+        <p:spPr>
+          <a:xfrm flipV="1">
+            <a:off x="5912109" y="4702737"/>
+            <a:ext cx="1314944" cy="853736"/>
+          </a:xfrm>
+          <a:prstGeom prst="straightConnector1">
+            <a:avLst/>
+          </a:prstGeom>
+          <a:ln>
+            <a:tailEnd type="triangle"/>
+          </a:ln>
+        </p:spPr>
+        <p:style>
+          <a:lnRef idx="3">
+            <a:schemeClr val="dk1"/>
+          </a:lnRef>
+          <a:fillRef idx="0">
+            <a:schemeClr val="dk1"/>
+          </a:fillRef>
+          <a:effectRef idx="2">
+            <a:schemeClr val="dk1"/>
+          </a:effectRef>
+          <a:fontRef idx="minor">
+            <a:schemeClr val="tx1"/>
+          </a:fontRef>
+        </p:style>
+      </p:cxnSp>
+      <p:cxnSp>
+        <p:nvCxnSpPr>
+          <p:cNvPr id="328" name="Straight Arrow Connector 327">
+            <a:extLst>
+              <a:ext uri="{FF2B5EF4-FFF2-40B4-BE49-F238E27FC236}">
+                <a16:creationId xmlns:a16="http://schemas.microsoft.com/office/drawing/2014/main" id="{96E73854-3F7A-49E1-B9E5-0F03EBEDD96E}"/>
+              </a:ext>
+            </a:extLst>
+          </p:cNvPr>
+          <p:cNvCxnSpPr>
+            <a:cxnSpLocks/>
+            <a:stCxn id="39" idx="6"/>
+            <a:endCxn id="42" idx="2"/>
+          </p:cNvCxnSpPr>
+          <p:nvPr/>
+        </p:nvCxnSpPr>
+        <p:spPr>
+          <a:xfrm flipV="1">
+            <a:off x="5912109" y="3849001"/>
+            <a:ext cx="1325501" cy="1707472"/>
+          </a:xfrm>
+          <a:prstGeom prst="straightConnector1">
+            <a:avLst/>
+          </a:prstGeom>
+          <a:ln>
+            <a:tailEnd type="triangle"/>
+          </a:ln>
+        </p:spPr>
+        <p:style>
+          <a:lnRef idx="3">
+            <a:schemeClr val="dk1"/>
+          </a:lnRef>
+          <a:fillRef idx="0">
+            <a:schemeClr val="dk1"/>
+          </a:fillRef>
+          <a:effectRef idx="2">
+            <a:schemeClr val="dk1"/>
+          </a:effectRef>
+          <a:fontRef idx="minor">
+            <a:schemeClr val="tx1"/>
+          </a:fontRef>
+        </p:style>
+      </p:cxnSp>
+      <p:cxnSp>
+        <p:nvCxnSpPr>
+          <p:cNvPr id="331" name="Straight Arrow Connector 330">
+            <a:extLst>
+              <a:ext uri="{FF2B5EF4-FFF2-40B4-BE49-F238E27FC236}">
+                <a16:creationId xmlns:a16="http://schemas.microsoft.com/office/drawing/2014/main" id="{9589C4E3-6CCD-41CE-B8EF-4698A384D17F}"/>
+              </a:ext>
+            </a:extLst>
+          </p:cNvPr>
+          <p:cNvCxnSpPr>
+            <a:cxnSpLocks/>
+            <a:stCxn id="39" idx="6"/>
+            <a:endCxn id="41" idx="2"/>
+          </p:cNvCxnSpPr>
+          <p:nvPr/>
+        </p:nvCxnSpPr>
+        <p:spPr>
+          <a:xfrm flipV="1">
+            <a:off x="5912109" y="2995265"/>
+            <a:ext cx="1325501" cy="2561208"/>
+          </a:xfrm>
+          <a:prstGeom prst="straightConnector1">
+            <a:avLst/>
+          </a:prstGeom>
+          <a:ln>
+            <a:tailEnd type="triangle"/>
+          </a:ln>
+        </p:spPr>
+        <p:style>
+          <a:lnRef idx="3">
+            <a:schemeClr val="dk1"/>
+          </a:lnRef>
+          <a:fillRef idx="0">
+            <a:schemeClr val="dk1"/>
+          </a:fillRef>
+          <a:effectRef idx="2">
+            <a:schemeClr val="dk1"/>
+          </a:effectRef>
+          <a:fontRef idx="minor">
+            <a:schemeClr val="tx1"/>
+          </a:fontRef>
+        </p:style>
+      </p:cxnSp>
+      <p:cxnSp>
+        <p:nvCxnSpPr>
+          <p:cNvPr id="334" name="Straight Arrow Connector 333">
+            <a:extLst>
+              <a:ext uri="{FF2B5EF4-FFF2-40B4-BE49-F238E27FC236}">
+                <a16:creationId xmlns:a16="http://schemas.microsoft.com/office/drawing/2014/main" id="{2E37AD17-755D-41A4-94AF-F06F3873406E}"/>
+              </a:ext>
+            </a:extLst>
+          </p:cNvPr>
+          <p:cNvCxnSpPr>
+            <a:cxnSpLocks/>
+            <a:stCxn id="39" idx="6"/>
+            <a:endCxn id="40" idx="2"/>
+          </p:cNvCxnSpPr>
+          <p:nvPr/>
+        </p:nvCxnSpPr>
+        <p:spPr>
+          <a:xfrm flipV="1">
+            <a:off x="5912109" y="2141529"/>
+            <a:ext cx="1325501" cy="3414944"/>
+          </a:xfrm>
+          <a:prstGeom prst="straightConnector1">
+            <a:avLst/>
+          </a:prstGeom>
+          <a:ln>
+            <a:tailEnd type="triangle"/>
+          </a:ln>
+        </p:spPr>
+        <p:style>
+          <a:lnRef idx="3">
+            <a:schemeClr val="dk1"/>
+          </a:lnRef>
+          <a:fillRef idx="0">
+            <a:schemeClr val="dk1"/>
+          </a:fillRef>
+          <a:effectRef idx="2">
+            <a:schemeClr val="dk1"/>
+          </a:effectRef>
+          <a:fontRef idx="minor">
+            <a:schemeClr val="tx1"/>
+          </a:fontRef>
+        </p:style>
+      </p:cxnSp>
+      <p:cxnSp>
+        <p:nvCxnSpPr>
+          <p:cNvPr id="337" name="Straight Arrow Connector 336">
+            <a:extLst>
+              <a:ext uri="{FF2B5EF4-FFF2-40B4-BE49-F238E27FC236}">
+                <a16:creationId xmlns:a16="http://schemas.microsoft.com/office/drawing/2014/main" id="{5286B1AC-141B-4A21-B4CE-D5E36796C87C}"/>
+              </a:ext>
+            </a:extLst>
+          </p:cNvPr>
+          <p:cNvCxnSpPr>
+            <a:cxnSpLocks/>
+            <a:stCxn id="39" idx="6"/>
+            <a:endCxn id="44" idx="2"/>
+          </p:cNvCxnSpPr>
+          <p:nvPr/>
+        </p:nvCxnSpPr>
+        <p:spPr>
+          <a:xfrm flipV="1">
+            <a:off x="5912109" y="1287793"/>
+            <a:ext cx="1325501" cy="4268680"/>
+          </a:xfrm>
+          <a:prstGeom prst="straightConnector1">
+            <a:avLst/>
+          </a:prstGeom>
+          <a:ln>
+            <a:tailEnd type="triangle"/>
+          </a:ln>
+        </p:spPr>
+        <p:style>
+          <a:lnRef idx="3">
+            <a:schemeClr val="dk1"/>
+          </a:lnRef>
+          <a:fillRef idx="0">
+            <a:schemeClr val="dk1"/>
+          </a:fillRef>
+          <a:effectRef idx="2">
+            <a:schemeClr val="dk1"/>
+          </a:effectRef>
+          <a:fontRef idx="minor">
+            <a:schemeClr val="tx1"/>
+          </a:fontRef>
+        </p:style>
+      </p:cxnSp>
+      <p:cxnSp>
+        <p:nvCxnSpPr>
+          <p:cNvPr id="340" name="Straight Arrow Connector 339">
+            <a:extLst>
+              <a:ext uri="{FF2B5EF4-FFF2-40B4-BE49-F238E27FC236}">
+                <a16:creationId xmlns:a16="http://schemas.microsoft.com/office/drawing/2014/main" id="{4A092445-CA13-4CB7-BBA7-CE6ADC81B5E9}"/>
+              </a:ext>
+            </a:extLst>
+          </p:cNvPr>
+          <p:cNvCxnSpPr>
+            <a:cxnSpLocks/>
+            <a:stCxn id="39" idx="6"/>
+            <a:endCxn id="51" idx="2"/>
+          </p:cNvCxnSpPr>
+          <p:nvPr/>
+        </p:nvCxnSpPr>
+        <p:spPr>
+          <a:xfrm flipV="1">
+            <a:off x="5912109" y="434057"/>
+            <a:ext cx="1314944" cy="5122416"/>
+          </a:xfrm>
+          <a:prstGeom prst="straightConnector1">
+            <a:avLst/>
+          </a:prstGeom>
+          <a:ln>
+            <a:tailEnd type="triangle"/>
+          </a:ln>
+        </p:spPr>
+        <p:style>
+          <a:lnRef idx="3">
+            <a:schemeClr val="dk1"/>
+          </a:lnRef>
+          <a:fillRef idx="0">
+            <a:schemeClr val="dk1"/>
+          </a:fillRef>
+          <a:effectRef idx="2">
+            <a:schemeClr val="dk1"/>
+          </a:effectRef>
+          <a:fontRef idx="minor">
+            <a:schemeClr val="tx1"/>
+          </a:fontRef>
+        </p:style>
+      </p:cxnSp>
+      <p:cxnSp>
+        <p:nvCxnSpPr>
+          <p:cNvPr id="343" name="Straight Arrow Connector 342">
+            <a:extLst>
+              <a:ext uri="{FF2B5EF4-FFF2-40B4-BE49-F238E27FC236}">
+                <a16:creationId xmlns:a16="http://schemas.microsoft.com/office/drawing/2014/main" id="{E78881BC-9CA6-466D-9FF5-B28C00D12534}"/>
+              </a:ext>
+            </a:extLst>
+          </p:cNvPr>
+          <p:cNvCxnSpPr>
+            <a:cxnSpLocks/>
+            <a:stCxn id="37" idx="6"/>
+            <a:endCxn id="50" idx="2"/>
+          </p:cNvCxnSpPr>
+          <p:nvPr/>
+        </p:nvCxnSpPr>
+        <p:spPr>
+          <a:xfrm>
+            <a:off x="5901552" y="4702737"/>
+            <a:ext cx="1336058" cy="1707472"/>
+          </a:xfrm>
+          <a:prstGeom prst="straightConnector1">
+            <a:avLst/>
+          </a:prstGeom>
+          <a:ln>
+            <a:tailEnd type="triangle"/>
+          </a:ln>
+        </p:spPr>
+        <p:style>
+          <a:lnRef idx="3">
+            <a:schemeClr val="dk1"/>
+          </a:lnRef>
+          <a:fillRef idx="0">
+            <a:schemeClr val="dk1"/>
+          </a:fillRef>
+          <a:effectRef idx="2">
+            <a:schemeClr val="dk1"/>
+          </a:effectRef>
+          <a:fontRef idx="minor">
+            <a:schemeClr val="tx1"/>
+          </a:fontRef>
+        </p:style>
+      </p:cxnSp>
+      <p:cxnSp>
+        <p:nvCxnSpPr>
+          <p:cNvPr id="346" name="Straight Arrow Connector 345">
+            <a:extLst>
+              <a:ext uri="{FF2B5EF4-FFF2-40B4-BE49-F238E27FC236}">
+                <a16:creationId xmlns:a16="http://schemas.microsoft.com/office/drawing/2014/main" id="{6D379187-4681-453B-81B6-413E7D7CA25E}"/>
+              </a:ext>
+            </a:extLst>
+          </p:cNvPr>
+          <p:cNvCxnSpPr>
+            <a:cxnSpLocks/>
+            <a:stCxn id="37" idx="6"/>
+            <a:endCxn id="45" idx="2"/>
+          </p:cNvCxnSpPr>
+          <p:nvPr/>
+        </p:nvCxnSpPr>
+        <p:spPr>
+          <a:xfrm>
+            <a:off x="5901552" y="4702737"/>
+            <a:ext cx="1336058" cy="853736"/>
+          </a:xfrm>
+          <a:prstGeom prst="straightConnector1">
+            <a:avLst/>
+          </a:prstGeom>
+          <a:ln>
+            <a:tailEnd type="triangle"/>
+          </a:ln>
+        </p:spPr>
+        <p:style>
+          <a:lnRef idx="3">
+            <a:schemeClr val="dk1"/>
+          </a:lnRef>
+          <a:fillRef idx="0">
+            <a:schemeClr val="dk1"/>
+          </a:fillRef>
+          <a:effectRef idx="2">
+            <a:schemeClr val="dk1"/>
+          </a:effectRef>
+          <a:fontRef idx="minor">
+            <a:schemeClr val="tx1"/>
+          </a:fontRef>
+        </p:style>
+      </p:cxnSp>
+      <p:cxnSp>
+        <p:nvCxnSpPr>
+          <p:cNvPr id="349" name="Straight Arrow Connector 348">
+            <a:extLst>
+              <a:ext uri="{FF2B5EF4-FFF2-40B4-BE49-F238E27FC236}">
+                <a16:creationId xmlns:a16="http://schemas.microsoft.com/office/drawing/2014/main" id="{E317B91C-06E1-4DC0-A093-C47BE221EE0F}"/>
+              </a:ext>
+            </a:extLst>
+          </p:cNvPr>
+          <p:cNvCxnSpPr>
+            <a:cxnSpLocks/>
+            <a:stCxn id="37" idx="6"/>
+            <a:endCxn id="43" idx="2"/>
+          </p:cNvCxnSpPr>
+          <p:nvPr/>
+        </p:nvCxnSpPr>
+        <p:spPr>
+          <a:xfrm>
+            <a:off x="5901552" y="4702737"/>
+            <a:ext cx="1325501" cy="0"/>
+          </a:xfrm>
+          <a:prstGeom prst="straightConnector1">
+            <a:avLst/>
+          </a:prstGeom>
+          <a:ln>
+            <a:tailEnd type="triangle"/>
+          </a:ln>
+        </p:spPr>
+        <p:style>
+          <a:lnRef idx="3">
+            <a:schemeClr val="dk1"/>
+          </a:lnRef>
+          <a:fillRef idx="0">
+            <a:schemeClr val="dk1"/>
+          </a:fillRef>
+          <a:effectRef idx="2">
+            <a:schemeClr val="dk1"/>
+          </a:effectRef>
+          <a:fontRef idx="minor">
+            <a:schemeClr val="tx1"/>
+          </a:fontRef>
+        </p:style>
+      </p:cxnSp>
+      <p:cxnSp>
+        <p:nvCxnSpPr>
+          <p:cNvPr id="352" name="Straight Arrow Connector 351">
+            <a:extLst>
+              <a:ext uri="{FF2B5EF4-FFF2-40B4-BE49-F238E27FC236}">
+                <a16:creationId xmlns:a16="http://schemas.microsoft.com/office/drawing/2014/main" id="{8BCFEAD1-4CDF-4C91-9EB4-28DD474BEF61}"/>
+              </a:ext>
+            </a:extLst>
+          </p:cNvPr>
+          <p:cNvCxnSpPr>
+            <a:cxnSpLocks/>
+            <a:stCxn id="37" idx="6"/>
+            <a:endCxn id="42" idx="2"/>
+          </p:cNvCxnSpPr>
+          <p:nvPr/>
+        </p:nvCxnSpPr>
+        <p:spPr>
+          <a:xfrm flipV="1">
+            <a:off x="5901552" y="3849001"/>
+            <a:ext cx="1336058" cy="853736"/>
+          </a:xfrm>
+          <a:prstGeom prst="straightConnector1">
+            <a:avLst/>
+          </a:prstGeom>
+          <a:ln>
+            <a:tailEnd type="triangle"/>
+          </a:ln>
+        </p:spPr>
+        <p:style>
+          <a:lnRef idx="3">
+            <a:schemeClr val="dk1"/>
+          </a:lnRef>
+          <a:fillRef idx="0">
+            <a:schemeClr val="dk1"/>
+          </a:fillRef>
+          <a:effectRef idx="2">
+            <a:schemeClr val="dk1"/>
+          </a:effectRef>
+          <a:fontRef idx="minor">
+            <a:schemeClr val="tx1"/>
+          </a:fontRef>
+        </p:style>
+      </p:cxnSp>
+      <p:cxnSp>
+        <p:nvCxnSpPr>
+          <p:cNvPr id="355" name="Straight Arrow Connector 354">
+            <a:extLst>
+              <a:ext uri="{FF2B5EF4-FFF2-40B4-BE49-F238E27FC236}">
+                <a16:creationId xmlns:a16="http://schemas.microsoft.com/office/drawing/2014/main" id="{37909E90-F286-4DAB-A5DD-B192E69246A5}"/>
+              </a:ext>
+            </a:extLst>
+          </p:cNvPr>
+          <p:cNvCxnSpPr>
+            <a:cxnSpLocks/>
+            <a:stCxn id="37" idx="6"/>
+            <a:endCxn id="41" idx="2"/>
+          </p:cNvCxnSpPr>
+          <p:nvPr/>
+        </p:nvCxnSpPr>
+        <p:spPr>
+          <a:xfrm flipV="1">
+            <a:off x="5901552" y="2995265"/>
+            <a:ext cx="1336058" cy="1707472"/>
+          </a:xfrm>
+          <a:prstGeom prst="straightConnector1">
+            <a:avLst/>
+          </a:prstGeom>
+          <a:ln>
+            <a:tailEnd type="triangle"/>
+          </a:ln>
+        </p:spPr>
+        <p:style>
+          <a:lnRef idx="3">
+            <a:schemeClr val="dk1"/>
+          </a:lnRef>
+          <a:fillRef idx="0">
+            <a:schemeClr val="dk1"/>
+          </a:fillRef>
+          <a:effectRef idx="2">
+            <a:schemeClr val="dk1"/>
+          </a:effectRef>
+          <a:fontRef idx="minor">
+            <a:schemeClr val="tx1"/>
+          </a:fontRef>
+        </p:style>
+      </p:cxnSp>
+      <p:cxnSp>
+        <p:nvCxnSpPr>
+          <p:cNvPr id="358" name="Straight Arrow Connector 357">
+            <a:extLst>
+              <a:ext uri="{FF2B5EF4-FFF2-40B4-BE49-F238E27FC236}">
+                <a16:creationId xmlns:a16="http://schemas.microsoft.com/office/drawing/2014/main" id="{0A133F07-4DF1-4885-A47B-CADBA1B158C4}"/>
+              </a:ext>
+            </a:extLst>
+          </p:cNvPr>
+          <p:cNvCxnSpPr>
+            <a:cxnSpLocks/>
+            <a:stCxn id="37" idx="6"/>
+            <a:endCxn id="40" idx="2"/>
+          </p:cNvCxnSpPr>
+          <p:nvPr/>
+        </p:nvCxnSpPr>
+        <p:spPr>
+          <a:xfrm flipV="1">
+            <a:off x="5901552" y="2141529"/>
+            <a:ext cx="1336058" cy="2561208"/>
+          </a:xfrm>
+          <a:prstGeom prst="straightConnector1">
+            <a:avLst/>
+          </a:prstGeom>
+          <a:ln>
+            <a:tailEnd type="triangle"/>
+          </a:ln>
+        </p:spPr>
+        <p:style>
+          <a:lnRef idx="3">
+            <a:schemeClr val="dk1"/>
+          </a:lnRef>
+          <a:fillRef idx="0">
+            <a:schemeClr val="dk1"/>
+          </a:fillRef>
+          <a:effectRef idx="2">
+            <a:schemeClr val="dk1"/>
+          </a:effectRef>
+          <a:fontRef idx="minor">
+            <a:schemeClr val="tx1"/>
+          </a:fontRef>
+        </p:style>
+      </p:cxnSp>
+      <p:cxnSp>
+        <p:nvCxnSpPr>
+          <p:cNvPr id="361" name="Straight Arrow Connector 360">
+            <a:extLst>
+              <a:ext uri="{FF2B5EF4-FFF2-40B4-BE49-F238E27FC236}">
+                <a16:creationId xmlns:a16="http://schemas.microsoft.com/office/drawing/2014/main" id="{B1134460-0E03-4A40-ACD0-40A7BF9BC9B0}"/>
+              </a:ext>
+            </a:extLst>
+          </p:cNvPr>
+          <p:cNvCxnSpPr>
+            <a:cxnSpLocks/>
+            <a:stCxn id="37" idx="6"/>
+            <a:endCxn id="44" idx="2"/>
+          </p:cNvCxnSpPr>
+          <p:nvPr/>
+        </p:nvCxnSpPr>
+        <p:spPr>
+          <a:xfrm flipV="1">
+            <a:off x="5901552" y="1287793"/>
+            <a:ext cx="1336058" cy="3414944"/>
+          </a:xfrm>
+          <a:prstGeom prst="straightConnector1">
+            <a:avLst/>
+          </a:prstGeom>
+          <a:ln>
+            <a:tailEnd type="triangle"/>
+          </a:ln>
+        </p:spPr>
+        <p:style>
+          <a:lnRef idx="3">
+            <a:schemeClr val="dk1"/>
+          </a:lnRef>
+          <a:fillRef idx="0">
+            <a:schemeClr val="dk1"/>
+          </a:fillRef>
+          <a:effectRef idx="2">
+            <a:schemeClr val="dk1"/>
+          </a:effectRef>
+          <a:fontRef idx="minor">
+            <a:schemeClr val="tx1"/>
+          </a:fontRef>
+        </p:style>
+      </p:cxnSp>
+      <p:cxnSp>
+        <p:nvCxnSpPr>
+          <p:cNvPr id="364" name="Straight Arrow Connector 363">
+            <a:extLst>
+              <a:ext uri="{FF2B5EF4-FFF2-40B4-BE49-F238E27FC236}">
+                <a16:creationId xmlns:a16="http://schemas.microsoft.com/office/drawing/2014/main" id="{59154179-1BAE-4820-9ED8-BC569847EC8D}"/>
+              </a:ext>
+            </a:extLst>
+          </p:cNvPr>
+          <p:cNvCxnSpPr>
+            <a:cxnSpLocks/>
+            <a:stCxn id="37" idx="6"/>
+            <a:endCxn id="51" idx="2"/>
+          </p:cNvCxnSpPr>
+          <p:nvPr/>
+        </p:nvCxnSpPr>
+        <p:spPr>
+          <a:xfrm flipV="1">
+            <a:off x="5901552" y="434057"/>
+            <a:ext cx="1325501" cy="4268680"/>
+          </a:xfrm>
+          <a:prstGeom prst="straightConnector1">
+            <a:avLst/>
+          </a:prstGeom>
+          <a:ln>
+            <a:tailEnd type="triangle"/>
+          </a:ln>
+        </p:spPr>
+        <p:style>
+          <a:lnRef idx="3">
+            <a:schemeClr val="dk1"/>
+          </a:lnRef>
+          <a:fillRef idx="0">
+            <a:schemeClr val="dk1"/>
+          </a:fillRef>
+          <a:effectRef idx="2">
+            <a:schemeClr val="dk1"/>
+          </a:effectRef>
+          <a:fontRef idx="minor">
+            <a:schemeClr val="tx1"/>
+          </a:fontRef>
+        </p:style>
+      </p:cxnSp>
+      <p:cxnSp>
+        <p:nvCxnSpPr>
+          <p:cNvPr id="367" name="Straight Arrow Connector 366">
+            <a:extLst>
+              <a:ext uri="{FF2B5EF4-FFF2-40B4-BE49-F238E27FC236}">
+                <a16:creationId xmlns:a16="http://schemas.microsoft.com/office/drawing/2014/main" id="{B54DAF82-43E0-40AF-87B3-B3E35E13CEAC}"/>
+              </a:ext>
+            </a:extLst>
+          </p:cNvPr>
+          <p:cNvCxnSpPr>
+            <a:cxnSpLocks/>
+            <a:stCxn id="36" idx="6"/>
+            <a:endCxn id="50" idx="2"/>
+          </p:cNvCxnSpPr>
+          <p:nvPr/>
+        </p:nvCxnSpPr>
+        <p:spPr>
+          <a:xfrm>
+            <a:off x="5912109" y="3849001"/>
+            <a:ext cx="1325501" cy="2561208"/>
+          </a:xfrm>
+          <a:prstGeom prst="straightConnector1">
+            <a:avLst/>
+          </a:prstGeom>
+          <a:ln>
+            <a:tailEnd type="triangle"/>
+          </a:ln>
+        </p:spPr>
+        <p:style>
+          <a:lnRef idx="3">
+            <a:schemeClr val="dk1"/>
+          </a:lnRef>
+          <a:fillRef idx="0">
+            <a:schemeClr val="dk1"/>
+          </a:fillRef>
+          <a:effectRef idx="2">
+            <a:schemeClr val="dk1"/>
+          </a:effectRef>
+          <a:fontRef idx="minor">
+            <a:schemeClr val="tx1"/>
+          </a:fontRef>
+        </p:style>
+      </p:cxnSp>
+      <p:cxnSp>
+        <p:nvCxnSpPr>
+          <p:cNvPr id="370" name="Straight Arrow Connector 369">
+            <a:extLst>
+              <a:ext uri="{FF2B5EF4-FFF2-40B4-BE49-F238E27FC236}">
+                <a16:creationId xmlns:a16="http://schemas.microsoft.com/office/drawing/2014/main" id="{417EA972-9DD5-462F-B788-32EAD622C1B9}"/>
+              </a:ext>
+            </a:extLst>
+          </p:cNvPr>
+          <p:cNvCxnSpPr>
+            <a:cxnSpLocks/>
+            <a:stCxn id="36" idx="6"/>
+            <a:endCxn id="45" idx="2"/>
+          </p:cNvCxnSpPr>
+          <p:nvPr/>
+        </p:nvCxnSpPr>
+        <p:spPr>
+          <a:xfrm>
+            <a:off x="5912109" y="3849001"/>
+            <a:ext cx="1325501" cy="1707472"/>
+          </a:xfrm>
+          <a:prstGeom prst="straightConnector1">
+            <a:avLst/>
+          </a:prstGeom>
+          <a:ln>
+            <a:tailEnd type="triangle"/>
+          </a:ln>
+        </p:spPr>
+        <p:style>
+          <a:lnRef idx="3">
+            <a:schemeClr val="dk1"/>
+          </a:lnRef>
+          <a:fillRef idx="0">
+            <a:schemeClr val="dk1"/>
+          </a:fillRef>
+          <a:effectRef idx="2">
+            <a:schemeClr val="dk1"/>
+          </a:effectRef>
+          <a:fontRef idx="minor">
+            <a:schemeClr val="tx1"/>
+          </a:fontRef>
+        </p:style>
+      </p:cxnSp>
+      <p:cxnSp>
+        <p:nvCxnSpPr>
+          <p:cNvPr id="373" name="Straight Arrow Connector 372">
+            <a:extLst>
+              <a:ext uri="{FF2B5EF4-FFF2-40B4-BE49-F238E27FC236}">
+                <a16:creationId xmlns:a16="http://schemas.microsoft.com/office/drawing/2014/main" id="{583EE10C-8167-41D9-8833-B3A2758A1DAB}"/>
+              </a:ext>
+            </a:extLst>
+          </p:cNvPr>
+          <p:cNvCxnSpPr>
+            <a:cxnSpLocks/>
+            <a:stCxn id="36" idx="6"/>
+            <a:endCxn id="43" idx="2"/>
+          </p:cNvCxnSpPr>
+          <p:nvPr/>
+        </p:nvCxnSpPr>
+        <p:spPr>
+          <a:xfrm>
+            <a:off x="5912109" y="3849001"/>
+            <a:ext cx="1314944" cy="853736"/>
+          </a:xfrm>
+          <a:prstGeom prst="straightConnector1">
+            <a:avLst/>
+          </a:prstGeom>
+          <a:ln>
+            <a:tailEnd type="triangle"/>
+          </a:ln>
+        </p:spPr>
+        <p:style>
+          <a:lnRef idx="3">
+            <a:schemeClr val="dk1"/>
+          </a:lnRef>
+          <a:fillRef idx="0">
+            <a:schemeClr val="dk1"/>
+          </a:fillRef>
+          <a:effectRef idx="2">
+            <a:schemeClr val="dk1"/>
+          </a:effectRef>
+          <a:fontRef idx="minor">
+            <a:schemeClr val="tx1"/>
+          </a:fontRef>
+        </p:style>
+      </p:cxnSp>
+      <p:cxnSp>
+        <p:nvCxnSpPr>
+          <p:cNvPr id="376" name="Straight Arrow Connector 375">
+            <a:extLst>
+              <a:ext uri="{FF2B5EF4-FFF2-40B4-BE49-F238E27FC236}">
+                <a16:creationId xmlns:a16="http://schemas.microsoft.com/office/drawing/2014/main" id="{A1725DC8-2430-4D6B-96C7-29677346360D}"/>
+              </a:ext>
+            </a:extLst>
+          </p:cNvPr>
+          <p:cNvCxnSpPr>
+            <a:cxnSpLocks/>
+            <a:stCxn id="36" idx="6"/>
+            <a:endCxn id="42" idx="2"/>
+          </p:cNvCxnSpPr>
+          <p:nvPr/>
+        </p:nvCxnSpPr>
+        <p:spPr>
+          <a:xfrm>
+            <a:off x="5912109" y="3849001"/>
+            <a:ext cx="1325501" cy="0"/>
+          </a:xfrm>
+          <a:prstGeom prst="straightConnector1">
+            <a:avLst/>
+          </a:prstGeom>
+          <a:ln>
+            <a:tailEnd type="triangle"/>
+          </a:ln>
+        </p:spPr>
+        <p:style>
+          <a:lnRef idx="3">
+            <a:schemeClr val="dk1"/>
+          </a:lnRef>
+          <a:fillRef idx="0">
+            <a:schemeClr val="dk1"/>
+          </a:fillRef>
+          <a:effectRef idx="2">
+            <a:schemeClr val="dk1"/>
+          </a:effectRef>
+          <a:fontRef idx="minor">
+            <a:schemeClr val="tx1"/>
+          </a:fontRef>
+        </p:style>
+      </p:cxnSp>
+      <p:cxnSp>
+        <p:nvCxnSpPr>
+          <p:cNvPr id="382" name="Straight Arrow Connector 381">
+            <a:extLst>
+              <a:ext uri="{FF2B5EF4-FFF2-40B4-BE49-F238E27FC236}">
+                <a16:creationId xmlns:a16="http://schemas.microsoft.com/office/drawing/2014/main" id="{27FC293B-8A63-4AAC-80E7-114213C1E69A}"/>
+              </a:ext>
+            </a:extLst>
+          </p:cNvPr>
+          <p:cNvCxnSpPr>
+            <a:cxnSpLocks/>
+            <a:stCxn id="36" idx="6"/>
+            <a:endCxn id="41" idx="2"/>
+          </p:cNvCxnSpPr>
+          <p:nvPr/>
+        </p:nvCxnSpPr>
+        <p:spPr>
+          <a:xfrm flipV="1">
+            <a:off x="5912109" y="2995265"/>
+            <a:ext cx="1325501" cy="853736"/>
+          </a:xfrm>
+          <a:prstGeom prst="straightConnector1">
+            <a:avLst/>
+          </a:prstGeom>
+          <a:ln>
+            <a:tailEnd type="triangle"/>
+          </a:ln>
+        </p:spPr>
+        <p:style>
+          <a:lnRef idx="3">
+            <a:schemeClr val="dk1"/>
+          </a:lnRef>
+          <a:fillRef idx="0">
+            <a:schemeClr val="dk1"/>
+          </a:fillRef>
+          <a:effectRef idx="2">
+            <a:schemeClr val="dk1"/>
+          </a:effectRef>
+          <a:fontRef idx="minor">
+            <a:schemeClr val="tx1"/>
+          </a:fontRef>
+        </p:style>
+      </p:cxnSp>
+      <p:cxnSp>
+        <p:nvCxnSpPr>
+          <p:cNvPr id="385" name="Straight Arrow Connector 384">
+            <a:extLst>
+              <a:ext uri="{FF2B5EF4-FFF2-40B4-BE49-F238E27FC236}">
+                <a16:creationId xmlns:a16="http://schemas.microsoft.com/office/drawing/2014/main" id="{41A527DD-90E4-406F-908E-A181C5B9411B}"/>
+              </a:ext>
+            </a:extLst>
+          </p:cNvPr>
+          <p:cNvCxnSpPr>
+            <a:cxnSpLocks/>
+            <a:stCxn id="36" idx="6"/>
+            <a:endCxn id="40" idx="2"/>
+          </p:cNvCxnSpPr>
+          <p:nvPr/>
+        </p:nvCxnSpPr>
+        <p:spPr>
+          <a:xfrm flipV="1">
+            <a:off x="5912109" y="2141529"/>
+            <a:ext cx="1325501" cy="1707472"/>
+          </a:xfrm>
+          <a:prstGeom prst="straightConnector1">
+            <a:avLst/>
+          </a:prstGeom>
+          <a:ln>
+            <a:tailEnd type="triangle"/>
+          </a:ln>
+        </p:spPr>
+        <p:style>
+          <a:lnRef idx="3">
+            <a:schemeClr val="dk1"/>
+          </a:lnRef>
+          <a:fillRef idx="0">
+            <a:schemeClr val="dk1"/>
+          </a:fillRef>
+          <a:effectRef idx="2">
+            <a:schemeClr val="dk1"/>
+          </a:effectRef>
+          <a:fontRef idx="minor">
+            <a:schemeClr val="tx1"/>
+          </a:fontRef>
+        </p:style>
+      </p:cxnSp>
+      <p:cxnSp>
+        <p:nvCxnSpPr>
+          <p:cNvPr id="388" name="Straight Arrow Connector 387">
+            <a:extLst>
+              <a:ext uri="{FF2B5EF4-FFF2-40B4-BE49-F238E27FC236}">
+                <a16:creationId xmlns:a16="http://schemas.microsoft.com/office/drawing/2014/main" id="{4367326F-D678-4FCD-B831-AF11ABB3205F}"/>
+              </a:ext>
+            </a:extLst>
+          </p:cNvPr>
+          <p:cNvCxnSpPr>
+            <a:cxnSpLocks/>
+            <a:stCxn id="36" idx="6"/>
+            <a:endCxn id="44" idx="2"/>
+          </p:cNvCxnSpPr>
+          <p:nvPr/>
+        </p:nvCxnSpPr>
+        <p:spPr>
+          <a:xfrm flipV="1">
+            <a:off x="5912109" y="1287793"/>
+            <a:ext cx="1325501" cy="2561208"/>
+          </a:xfrm>
+          <a:prstGeom prst="straightConnector1">
+            <a:avLst/>
+          </a:prstGeom>
+          <a:ln>
+            <a:tailEnd type="triangle"/>
+          </a:ln>
+        </p:spPr>
+        <p:style>
+          <a:lnRef idx="3">
+            <a:schemeClr val="dk1"/>
+          </a:lnRef>
+          <a:fillRef idx="0">
+            <a:schemeClr val="dk1"/>
+          </a:fillRef>
+          <a:effectRef idx="2">
+            <a:schemeClr val="dk1"/>
+          </a:effectRef>
+          <a:fontRef idx="minor">
+            <a:schemeClr val="tx1"/>
+          </a:fontRef>
+        </p:style>
+      </p:cxnSp>
+      <p:cxnSp>
+        <p:nvCxnSpPr>
+          <p:cNvPr id="391" name="Straight Arrow Connector 390">
+            <a:extLst>
+              <a:ext uri="{FF2B5EF4-FFF2-40B4-BE49-F238E27FC236}">
+                <a16:creationId xmlns:a16="http://schemas.microsoft.com/office/drawing/2014/main" id="{4FBEFBDD-7743-448E-BDF6-9B0D59037212}"/>
+              </a:ext>
+            </a:extLst>
+          </p:cNvPr>
+          <p:cNvCxnSpPr>
+            <a:cxnSpLocks/>
+            <a:stCxn id="36" idx="6"/>
+            <a:endCxn id="51" idx="2"/>
+          </p:cNvCxnSpPr>
+          <p:nvPr/>
+        </p:nvCxnSpPr>
+        <p:spPr>
+          <a:xfrm flipV="1">
+            <a:off x="5912109" y="434057"/>
+            <a:ext cx="1314944" cy="3414944"/>
+          </a:xfrm>
+          <a:prstGeom prst="straightConnector1">
+            <a:avLst/>
+          </a:prstGeom>
+          <a:ln>
+            <a:tailEnd type="triangle"/>
+          </a:ln>
+        </p:spPr>
+        <p:style>
+          <a:lnRef idx="3">
+            <a:schemeClr val="dk1"/>
+          </a:lnRef>
+          <a:fillRef idx="0">
+            <a:schemeClr val="dk1"/>
+          </a:fillRef>
+          <a:effectRef idx="2">
+            <a:schemeClr val="dk1"/>
+          </a:effectRef>
+          <a:fontRef idx="minor">
+            <a:schemeClr val="tx1"/>
+          </a:fontRef>
+        </p:style>
+      </p:cxnSp>
+      <p:cxnSp>
+        <p:nvCxnSpPr>
+          <p:cNvPr id="394" name="Straight Arrow Connector 393">
+            <a:extLst>
+              <a:ext uri="{FF2B5EF4-FFF2-40B4-BE49-F238E27FC236}">
+                <a16:creationId xmlns:a16="http://schemas.microsoft.com/office/drawing/2014/main" id="{E19170F3-2F54-4318-89A1-8C17A3ACC58C}"/>
+              </a:ext>
+            </a:extLst>
+          </p:cNvPr>
+          <p:cNvCxnSpPr>
+            <a:cxnSpLocks/>
+            <a:stCxn id="35" idx="6"/>
+            <a:endCxn id="51" idx="2"/>
+          </p:cNvCxnSpPr>
+          <p:nvPr/>
+        </p:nvCxnSpPr>
+        <p:spPr>
+          <a:xfrm flipV="1">
+            <a:off x="5912109" y="434057"/>
+            <a:ext cx="1314944" cy="2561208"/>
+          </a:xfrm>
+          <a:prstGeom prst="straightConnector1">
+            <a:avLst/>
+          </a:prstGeom>
+          <a:ln>
+            <a:tailEnd type="triangle"/>
+          </a:ln>
+        </p:spPr>
+        <p:style>
+          <a:lnRef idx="3">
+            <a:schemeClr val="dk1"/>
+          </a:lnRef>
+          <a:fillRef idx="0">
+            <a:schemeClr val="dk1"/>
+          </a:fillRef>
+          <a:effectRef idx="2">
+            <a:schemeClr val="dk1"/>
+          </a:effectRef>
+          <a:fontRef idx="minor">
+            <a:schemeClr val="tx1"/>
+          </a:fontRef>
+        </p:style>
+      </p:cxnSp>
+      <p:cxnSp>
+        <p:nvCxnSpPr>
+          <p:cNvPr id="397" name="Straight Arrow Connector 396">
+            <a:extLst>
+              <a:ext uri="{FF2B5EF4-FFF2-40B4-BE49-F238E27FC236}">
+                <a16:creationId xmlns:a16="http://schemas.microsoft.com/office/drawing/2014/main" id="{287788D3-9A3B-47CA-8DBC-1F0625F7442E}"/>
+              </a:ext>
+            </a:extLst>
+          </p:cNvPr>
+          <p:cNvCxnSpPr>
+            <a:cxnSpLocks/>
+            <a:stCxn id="35" idx="6"/>
+            <a:endCxn id="44" idx="2"/>
+          </p:cNvCxnSpPr>
+          <p:nvPr/>
+        </p:nvCxnSpPr>
+        <p:spPr>
+          <a:xfrm flipV="1">
+            <a:off x="5912109" y="1287793"/>
+            <a:ext cx="1325501" cy="1707472"/>
+          </a:xfrm>
+          <a:prstGeom prst="straightConnector1">
+            <a:avLst/>
+          </a:prstGeom>
+          <a:ln>
+            <a:tailEnd type="triangle"/>
+          </a:ln>
+        </p:spPr>
+        <p:style>
+          <a:lnRef idx="3">
+            <a:schemeClr val="dk1"/>
+          </a:lnRef>
+          <a:fillRef idx="0">
+            <a:schemeClr val="dk1"/>
+          </a:fillRef>
+          <a:effectRef idx="2">
+            <a:schemeClr val="dk1"/>
+          </a:effectRef>
+          <a:fontRef idx="minor">
+            <a:schemeClr val="tx1"/>
+          </a:fontRef>
+        </p:style>
+      </p:cxnSp>
+      <p:cxnSp>
+        <p:nvCxnSpPr>
+          <p:cNvPr id="400" name="Straight Arrow Connector 399">
+            <a:extLst>
+              <a:ext uri="{FF2B5EF4-FFF2-40B4-BE49-F238E27FC236}">
+                <a16:creationId xmlns:a16="http://schemas.microsoft.com/office/drawing/2014/main" id="{0245B19C-8C01-4F68-9912-B17E9EAF12C5}"/>
+              </a:ext>
+            </a:extLst>
+          </p:cNvPr>
+          <p:cNvCxnSpPr>
+            <a:cxnSpLocks/>
+            <a:stCxn id="35" idx="6"/>
+            <a:endCxn id="40" idx="2"/>
+          </p:cNvCxnSpPr>
+          <p:nvPr/>
+        </p:nvCxnSpPr>
+        <p:spPr>
+          <a:xfrm flipV="1">
+            <a:off x="5912109" y="2141529"/>
+            <a:ext cx="1325501" cy="853736"/>
+          </a:xfrm>
+          <a:prstGeom prst="straightConnector1">
+            <a:avLst/>
+          </a:prstGeom>
+          <a:ln>
+            <a:tailEnd type="triangle"/>
+          </a:ln>
+        </p:spPr>
+        <p:style>
+          <a:lnRef idx="3">
+            <a:schemeClr val="dk1"/>
+          </a:lnRef>
+          <a:fillRef idx="0">
+            <a:schemeClr val="dk1"/>
+          </a:fillRef>
+          <a:effectRef idx="2">
+            <a:schemeClr val="dk1"/>
+          </a:effectRef>
+          <a:fontRef idx="minor">
+            <a:schemeClr val="tx1"/>
+          </a:fontRef>
+        </p:style>
+      </p:cxnSp>
+      <p:cxnSp>
+        <p:nvCxnSpPr>
+          <p:cNvPr id="403" name="Straight Arrow Connector 402">
+            <a:extLst>
+              <a:ext uri="{FF2B5EF4-FFF2-40B4-BE49-F238E27FC236}">
+                <a16:creationId xmlns:a16="http://schemas.microsoft.com/office/drawing/2014/main" id="{E86C445E-431D-41BF-A5E3-1D7A03A6E27E}"/>
+              </a:ext>
+            </a:extLst>
+          </p:cNvPr>
+          <p:cNvCxnSpPr>
+            <a:cxnSpLocks/>
+            <a:stCxn id="35" idx="6"/>
+            <a:endCxn id="41" idx="2"/>
+          </p:cNvCxnSpPr>
+          <p:nvPr/>
+        </p:nvCxnSpPr>
+        <p:spPr>
+          <a:xfrm>
+            <a:off x="5912109" y="2995265"/>
+            <a:ext cx="1325501" cy="0"/>
+          </a:xfrm>
+          <a:prstGeom prst="straightConnector1">
+            <a:avLst/>
+          </a:prstGeom>
+          <a:ln>
+            <a:tailEnd type="triangle"/>
+          </a:ln>
+        </p:spPr>
+        <p:style>
+          <a:lnRef idx="3">
+            <a:schemeClr val="dk1"/>
+          </a:lnRef>
+          <a:fillRef idx="0">
+            <a:schemeClr val="dk1"/>
+          </a:fillRef>
+          <a:effectRef idx="2">
+            <a:schemeClr val="dk1"/>
+          </a:effectRef>
+          <a:fontRef idx="minor">
+            <a:schemeClr val="tx1"/>
+          </a:fontRef>
+        </p:style>
+      </p:cxnSp>
+      <p:cxnSp>
+        <p:nvCxnSpPr>
+          <p:cNvPr id="406" name="Straight Arrow Connector 405">
+            <a:extLst>
+              <a:ext uri="{FF2B5EF4-FFF2-40B4-BE49-F238E27FC236}">
+                <a16:creationId xmlns:a16="http://schemas.microsoft.com/office/drawing/2014/main" id="{8EEF05A6-7ED8-4C12-9976-52D2A8C941FA}"/>
+              </a:ext>
+            </a:extLst>
+          </p:cNvPr>
+          <p:cNvCxnSpPr>
+            <a:cxnSpLocks/>
+            <a:stCxn id="35" idx="6"/>
+            <a:endCxn id="42" idx="2"/>
+          </p:cNvCxnSpPr>
+          <p:nvPr/>
+        </p:nvCxnSpPr>
+        <p:spPr>
+          <a:xfrm>
+            <a:off x="5912109" y="2995265"/>
+            <a:ext cx="1325501" cy="853736"/>
+          </a:xfrm>
+          <a:prstGeom prst="straightConnector1">
+            <a:avLst/>
+          </a:prstGeom>
+          <a:ln>
+            <a:tailEnd type="triangle"/>
+          </a:ln>
+        </p:spPr>
+        <p:style>
+          <a:lnRef idx="3">
+            <a:schemeClr val="dk1"/>
+          </a:lnRef>
+          <a:fillRef idx="0">
+            <a:schemeClr val="dk1"/>
+          </a:fillRef>
+          <a:effectRef idx="2">
+            <a:schemeClr val="dk1"/>
+          </a:effectRef>
+          <a:fontRef idx="minor">
+            <a:schemeClr val="tx1"/>
+          </a:fontRef>
+        </p:style>
+      </p:cxnSp>
+      <p:cxnSp>
+        <p:nvCxnSpPr>
+          <p:cNvPr id="409" name="Straight Arrow Connector 408">
+            <a:extLst>
+              <a:ext uri="{FF2B5EF4-FFF2-40B4-BE49-F238E27FC236}">
+                <a16:creationId xmlns:a16="http://schemas.microsoft.com/office/drawing/2014/main" id="{D4C03352-AE18-4355-96DE-7863A27293BA}"/>
+              </a:ext>
+            </a:extLst>
+          </p:cNvPr>
+          <p:cNvCxnSpPr>
+            <a:cxnSpLocks/>
+            <a:stCxn id="35" idx="6"/>
+            <a:endCxn id="43" idx="2"/>
+          </p:cNvCxnSpPr>
+          <p:nvPr/>
+        </p:nvCxnSpPr>
+        <p:spPr>
+          <a:xfrm>
+            <a:off x="5912109" y="2995265"/>
+            <a:ext cx="1314944" cy="1707472"/>
+          </a:xfrm>
+          <a:prstGeom prst="straightConnector1">
+            <a:avLst/>
+          </a:prstGeom>
+          <a:ln>
+            <a:tailEnd type="triangle"/>
+          </a:ln>
+        </p:spPr>
+        <p:style>
+          <a:lnRef idx="3">
+            <a:schemeClr val="dk1"/>
+          </a:lnRef>
+          <a:fillRef idx="0">
+            <a:schemeClr val="dk1"/>
+          </a:fillRef>
+          <a:effectRef idx="2">
+            <a:schemeClr val="dk1"/>
+          </a:effectRef>
+          <a:fontRef idx="minor">
+            <a:schemeClr val="tx1"/>
+          </a:fontRef>
+        </p:style>
+      </p:cxnSp>
+      <p:cxnSp>
+        <p:nvCxnSpPr>
+          <p:cNvPr id="412" name="Straight Arrow Connector 411">
+            <a:extLst>
+              <a:ext uri="{FF2B5EF4-FFF2-40B4-BE49-F238E27FC236}">
+                <a16:creationId xmlns:a16="http://schemas.microsoft.com/office/drawing/2014/main" id="{4947E1B0-B6F0-45B7-BAC4-4084686986BD}"/>
+              </a:ext>
+            </a:extLst>
+          </p:cNvPr>
+          <p:cNvCxnSpPr>
+            <a:cxnSpLocks/>
+            <a:stCxn id="35" idx="6"/>
+            <a:endCxn id="45" idx="2"/>
+          </p:cNvCxnSpPr>
+          <p:nvPr/>
+        </p:nvCxnSpPr>
+        <p:spPr>
+          <a:xfrm>
+            <a:off x="5912109" y="2995265"/>
+            <a:ext cx="1325501" cy="2561208"/>
+          </a:xfrm>
+          <a:prstGeom prst="straightConnector1">
+            <a:avLst/>
+          </a:prstGeom>
+          <a:ln>
+            <a:tailEnd type="triangle"/>
+          </a:ln>
+        </p:spPr>
+        <p:style>
+          <a:lnRef idx="3">
+            <a:schemeClr val="dk1"/>
+          </a:lnRef>
+          <a:fillRef idx="0">
+            <a:schemeClr val="dk1"/>
+          </a:fillRef>
+          <a:effectRef idx="2">
+            <a:schemeClr val="dk1"/>
+          </a:effectRef>
+          <a:fontRef idx="minor">
+            <a:schemeClr val="tx1"/>
+          </a:fontRef>
+        </p:style>
+      </p:cxnSp>
+      <p:cxnSp>
+        <p:nvCxnSpPr>
+          <p:cNvPr id="415" name="Straight Arrow Connector 414">
+            <a:extLst>
+              <a:ext uri="{FF2B5EF4-FFF2-40B4-BE49-F238E27FC236}">
+                <a16:creationId xmlns:a16="http://schemas.microsoft.com/office/drawing/2014/main" id="{7A9731C5-2B2D-4468-8B01-A112106B0AF7}"/>
+              </a:ext>
+            </a:extLst>
+          </p:cNvPr>
+          <p:cNvCxnSpPr>
+            <a:cxnSpLocks/>
+            <a:stCxn id="35" idx="6"/>
+            <a:endCxn id="50" idx="2"/>
+          </p:cNvCxnSpPr>
+          <p:nvPr/>
+        </p:nvCxnSpPr>
+        <p:spPr>
+          <a:xfrm>
+            <a:off x="5912109" y="2995265"/>
+            <a:ext cx="1325501" cy="3414944"/>
+          </a:xfrm>
+          <a:prstGeom prst="straightConnector1">
+            <a:avLst/>
+          </a:prstGeom>
+          <a:ln>
+            <a:tailEnd type="triangle"/>
+          </a:ln>
+        </p:spPr>
+        <p:style>
+          <a:lnRef idx="3">
+            <a:schemeClr val="dk1"/>
+          </a:lnRef>
+          <a:fillRef idx="0">
+            <a:schemeClr val="dk1"/>
+          </a:fillRef>
+          <a:effectRef idx="2">
+            <a:schemeClr val="dk1"/>
+          </a:effectRef>
+          <a:fontRef idx="minor">
+            <a:schemeClr val="tx1"/>
+          </a:fontRef>
+        </p:style>
+      </p:cxnSp>
+      <p:cxnSp>
+        <p:nvCxnSpPr>
+          <p:cNvPr id="418" name="Straight Arrow Connector 417">
+            <a:extLst>
+              <a:ext uri="{FF2B5EF4-FFF2-40B4-BE49-F238E27FC236}">
+                <a16:creationId xmlns:a16="http://schemas.microsoft.com/office/drawing/2014/main" id="{BC49D161-2118-4380-BFF4-E76A84D7E378}"/>
+              </a:ext>
+            </a:extLst>
+          </p:cNvPr>
+          <p:cNvCxnSpPr>
+            <a:cxnSpLocks/>
+            <a:stCxn id="34" idx="6"/>
+            <a:endCxn id="51" idx="2"/>
+          </p:cNvCxnSpPr>
+          <p:nvPr/>
+        </p:nvCxnSpPr>
+        <p:spPr>
+          <a:xfrm flipV="1">
+            <a:off x="5912109" y="434057"/>
+            <a:ext cx="1314944" cy="1707472"/>
+          </a:xfrm>
+          <a:prstGeom prst="straightConnector1">
+            <a:avLst/>
+          </a:prstGeom>
+          <a:ln>
+            <a:tailEnd type="triangle"/>
+          </a:ln>
+        </p:spPr>
+        <p:style>
+          <a:lnRef idx="3">
+            <a:schemeClr val="dk1"/>
+          </a:lnRef>
+          <a:fillRef idx="0">
+            <a:schemeClr val="dk1"/>
+          </a:fillRef>
+          <a:effectRef idx="2">
+            <a:schemeClr val="dk1"/>
+          </a:effectRef>
+          <a:fontRef idx="minor">
+            <a:schemeClr val="tx1"/>
+          </a:fontRef>
+        </p:style>
+      </p:cxnSp>
+      <p:cxnSp>
+        <p:nvCxnSpPr>
+          <p:cNvPr id="421" name="Straight Arrow Connector 420">
+            <a:extLst>
+              <a:ext uri="{FF2B5EF4-FFF2-40B4-BE49-F238E27FC236}">
+                <a16:creationId xmlns:a16="http://schemas.microsoft.com/office/drawing/2014/main" id="{13218CFD-7A05-4354-9336-8CD40BBA320E}"/>
+              </a:ext>
+            </a:extLst>
+          </p:cNvPr>
+          <p:cNvCxnSpPr>
+            <a:cxnSpLocks/>
+            <a:stCxn id="34" idx="6"/>
+            <a:endCxn id="44" idx="2"/>
+          </p:cNvCxnSpPr>
+          <p:nvPr/>
+        </p:nvCxnSpPr>
+        <p:spPr>
+          <a:xfrm flipV="1">
+            <a:off x="5912109" y="1287793"/>
+            <a:ext cx="1325501" cy="853736"/>
+          </a:xfrm>
+          <a:prstGeom prst="straightConnector1">
+            <a:avLst/>
+          </a:prstGeom>
+          <a:ln>
+            <a:tailEnd type="triangle"/>
+          </a:ln>
+        </p:spPr>
+        <p:style>
+          <a:lnRef idx="3">
+            <a:schemeClr val="dk1"/>
+          </a:lnRef>
+          <a:fillRef idx="0">
+            <a:schemeClr val="dk1"/>
+          </a:fillRef>
+          <a:effectRef idx="2">
+            <a:schemeClr val="dk1"/>
+          </a:effectRef>
+          <a:fontRef idx="minor">
+            <a:schemeClr val="tx1"/>
+          </a:fontRef>
+        </p:style>
+      </p:cxnSp>
+      <p:cxnSp>
+        <p:nvCxnSpPr>
+          <p:cNvPr id="424" name="Straight Arrow Connector 423">
+            <a:extLst>
+              <a:ext uri="{FF2B5EF4-FFF2-40B4-BE49-F238E27FC236}">
+                <a16:creationId xmlns:a16="http://schemas.microsoft.com/office/drawing/2014/main" id="{68040DB7-50FA-4C9E-B6FB-5800389987F2}"/>
+              </a:ext>
+            </a:extLst>
+          </p:cNvPr>
+          <p:cNvCxnSpPr>
+            <a:cxnSpLocks/>
+            <a:stCxn id="34" idx="6"/>
+            <a:endCxn id="40" idx="2"/>
+          </p:cNvCxnSpPr>
+          <p:nvPr/>
+        </p:nvCxnSpPr>
+        <p:spPr>
+          <a:xfrm>
+            <a:off x="5912109" y="2141529"/>
+            <a:ext cx="1325501" cy="0"/>
+          </a:xfrm>
+          <a:prstGeom prst="straightConnector1">
+            <a:avLst/>
+          </a:prstGeom>
+          <a:ln>
+            <a:tailEnd type="triangle"/>
+          </a:ln>
+        </p:spPr>
+        <p:style>
+          <a:lnRef idx="3">
+            <a:schemeClr val="dk1"/>
+          </a:lnRef>
+          <a:fillRef idx="0">
+            <a:schemeClr val="dk1"/>
+          </a:fillRef>
+          <a:effectRef idx="2">
+            <a:schemeClr val="dk1"/>
+          </a:effectRef>
+          <a:fontRef idx="minor">
+            <a:schemeClr val="tx1"/>
+          </a:fontRef>
+        </p:style>
+      </p:cxnSp>
+      <p:cxnSp>
+        <p:nvCxnSpPr>
+          <p:cNvPr id="427" name="Straight Arrow Connector 426">
+            <a:extLst>
+              <a:ext uri="{FF2B5EF4-FFF2-40B4-BE49-F238E27FC236}">
+                <a16:creationId xmlns:a16="http://schemas.microsoft.com/office/drawing/2014/main" id="{1D852B43-C60A-4CC0-BAD9-5F5989D87464}"/>
+              </a:ext>
+            </a:extLst>
+          </p:cNvPr>
+          <p:cNvCxnSpPr>
+            <a:cxnSpLocks/>
+            <a:stCxn id="34" idx="6"/>
+            <a:endCxn id="41" idx="2"/>
+          </p:cNvCxnSpPr>
+          <p:nvPr/>
+        </p:nvCxnSpPr>
+        <p:spPr>
+          <a:xfrm>
+            <a:off x="5912109" y="2141529"/>
+            <a:ext cx="1325501" cy="853736"/>
+          </a:xfrm>
+          <a:prstGeom prst="straightConnector1">
+            <a:avLst/>
+          </a:prstGeom>
+          <a:ln>
+            <a:tailEnd type="triangle"/>
+          </a:ln>
+        </p:spPr>
+        <p:style>
+          <a:lnRef idx="3">
+            <a:schemeClr val="dk1"/>
+          </a:lnRef>
+          <a:fillRef idx="0">
+            <a:schemeClr val="dk1"/>
+          </a:fillRef>
+          <a:effectRef idx="2">
+            <a:schemeClr val="dk1"/>
+          </a:effectRef>
+          <a:fontRef idx="minor">
+            <a:schemeClr val="tx1"/>
+          </a:fontRef>
+        </p:style>
+      </p:cxnSp>
+      <p:cxnSp>
+        <p:nvCxnSpPr>
+          <p:cNvPr id="430" name="Straight Arrow Connector 429">
+            <a:extLst>
+              <a:ext uri="{FF2B5EF4-FFF2-40B4-BE49-F238E27FC236}">
+                <a16:creationId xmlns:a16="http://schemas.microsoft.com/office/drawing/2014/main" id="{ABA77D09-4673-47C7-AF3C-05D43C8A44BF}"/>
+              </a:ext>
+            </a:extLst>
+          </p:cNvPr>
+          <p:cNvCxnSpPr>
+            <a:cxnSpLocks/>
+            <a:stCxn id="34" idx="6"/>
+            <a:endCxn id="42" idx="2"/>
+          </p:cNvCxnSpPr>
+          <p:nvPr/>
+        </p:nvCxnSpPr>
+        <p:spPr>
+          <a:xfrm>
+            <a:off x="5912109" y="2141529"/>
+            <a:ext cx="1325501" cy="1707472"/>
+          </a:xfrm>
+          <a:prstGeom prst="straightConnector1">
+            <a:avLst/>
+          </a:prstGeom>
+          <a:ln>
+            <a:tailEnd type="triangle"/>
+          </a:ln>
+        </p:spPr>
+        <p:style>
+          <a:lnRef idx="3">
+            <a:schemeClr val="dk1"/>
+          </a:lnRef>
+          <a:fillRef idx="0">
+            <a:schemeClr val="dk1"/>
+          </a:fillRef>
+          <a:effectRef idx="2">
+            <a:schemeClr val="dk1"/>
+          </a:effectRef>
+          <a:fontRef idx="minor">
+            <a:schemeClr val="tx1"/>
+          </a:fontRef>
+        </p:style>
+      </p:cxnSp>
+      <p:cxnSp>
+        <p:nvCxnSpPr>
+          <p:cNvPr id="433" name="Straight Arrow Connector 432">
+            <a:extLst>
+              <a:ext uri="{FF2B5EF4-FFF2-40B4-BE49-F238E27FC236}">
+                <a16:creationId xmlns:a16="http://schemas.microsoft.com/office/drawing/2014/main" id="{D89C029A-4A40-4829-8D21-10AD4B5F0886}"/>
+              </a:ext>
+            </a:extLst>
+          </p:cNvPr>
+          <p:cNvCxnSpPr>
+            <a:cxnSpLocks/>
+            <a:stCxn id="34" idx="6"/>
+            <a:endCxn id="43" idx="2"/>
+          </p:cNvCxnSpPr>
+          <p:nvPr/>
+        </p:nvCxnSpPr>
+        <p:spPr>
+          <a:xfrm>
+            <a:off x="5912109" y="2141529"/>
+            <a:ext cx="1314944" cy="2561208"/>
+          </a:xfrm>
+          <a:prstGeom prst="straightConnector1">
+            <a:avLst/>
+          </a:prstGeom>
+          <a:ln>
+            <a:tailEnd type="triangle"/>
+          </a:ln>
+        </p:spPr>
+        <p:style>
+          <a:lnRef idx="3">
+            <a:schemeClr val="dk1"/>
+          </a:lnRef>
+          <a:fillRef idx="0">
+            <a:schemeClr val="dk1"/>
+          </a:fillRef>
+          <a:effectRef idx="2">
+            <a:schemeClr val="dk1"/>
+          </a:effectRef>
+          <a:fontRef idx="minor">
+            <a:schemeClr val="tx1"/>
+          </a:fontRef>
+        </p:style>
+      </p:cxnSp>
+      <p:cxnSp>
+        <p:nvCxnSpPr>
+          <p:cNvPr id="436" name="Straight Arrow Connector 435">
+            <a:extLst>
+              <a:ext uri="{FF2B5EF4-FFF2-40B4-BE49-F238E27FC236}">
+                <a16:creationId xmlns:a16="http://schemas.microsoft.com/office/drawing/2014/main" id="{E38DAAEF-1C07-4B15-A2C8-5977E9295542}"/>
+              </a:ext>
+            </a:extLst>
+          </p:cNvPr>
+          <p:cNvCxnSpPr>
+            <a:cxnSpLocks/>
+            <a:stCxn id="34" idx="6"/>
+            <a:endCxn id="43" idx="2"/>
+          </p:cNvCxnSpPr>
+          <p:nvPr/>
+        </p:nvCxnSpPr>
+        <p:spPr>
+          <a:xfrm>
+            <a:off x="5912109" y="2141529"/>
+            <a:ext cx="1314944" cy="2561208"/>
+          </a:xfrm>
+          <a:prstGeom prst="straightConnector1">
+            <a:avLst/>
+          </a:prstGeom>
+          <a:ln>
+            <a:tailEnd type="triangle"/>
+          </a:ln>
+        </p:spPr>
+        <p:style>
+          <a:lnRef idx="3">
+            <a:schemeClr val="dk1"/>
+          </a:lnRef>
+          <a:fillRef idx="0">
+            <a:schemeClr val="dk1"/>
+          </a:fillRef>
+          <a:effectRef idx="2">
+            <a:schemeClr val="dk1"/>
+          </a:effectRef>
+          <a:fontRef idx="minor">
+            <a:schemeClr val="tx1"/>
+          </a:fontRef>
+        </p:style>
+      </p:cxnSp>
+      <p:cxnSp>
+        <p:nvCxnSpPr>
+          <p:cNvPr id="439" name="Straight Arrow Connector 438">
+            <a:extLst>
+              <a:ext uri="{FF2B5EF4-FFF2-40B4-BE49-F238E27FC236}">
+                <a16:creationId xmlns:a16="http://schemas.microsoft.com/office/drawing/2014/main" id="{9F8492C8-8CC2-4D2D-9676-15D559440E7F}"/>
+              </a:ext>
+            </a:extLst>
+          </p:cNvPr>
+          <p:cNvCxnSpPr>
+            <a:cxnSpLocks/>
+            <a:stCxn id="34" idx="6"/>
+            <a:endCxn id="45" idx="2"/>
+          </p:cNvCxnSpPr>
+          <p:nvPr/>
+        </p:nvCxnSpPr>
+        <p:spPr>
+          <a:xfrm>
+            <a:off x="5912109" y="2141529"/>
+            <a:ext cx="1325501" cy="3414944"/>
+          </a:xfrm>
+          <a:prstGeom prst="straightConnector1">
+            <a:avLst/>
+          </a:prstGeom>
+          <a:ln>
+            <a:tailEnd type="triangle"/>
+          </a:ln>
+        </p:spPr>
+        <p:style>
+          <a:lnRef idx="3">
+            <a:schemeClr val="dk1"/>
+          </a:lnRef>
+          <a:fillRef idx="0">
+            <a:schemeClr val="dk1"/>
+          </a:fillRef>
+          <a:effectRef idx="2">
+            <a:schemeClr val="dk1"/>
+          </a:effectRef>
+          <a:fontRef idx="minor">
+            <a:schemeClr val="tx1"/>
+          </a:fontRef>
+        </p:style>
+      </p:cxnSp>
+      <p:cxnSp>
+        <p:nvCxnSpPr>
+          <p:cNvPr id="442" name="Straight Arrow Connector 441">
+            <a:extLst>
+              <a:ext uri="{FF2B5EF4-FFF2-40B4-BE49-F238E27FC236}">
+                <a16:creationId xmlns:a16="http://schemas.microsoft.com/office/drawing/2014/main" id="{F90C650D-DB66-47C9-8D87-6AE9279801CC}"/>
+              </a:ext>
+            </a:extLst>
+          </p:cNvPr>
+          <p:cNvCxnSpPr>
+            <a:cxnSpLocks/>
+            <a:stCxn id="34" idx="6"/>
+            <a:endCxn id="50" idx="2"/>
+          </p:cNvCxnSpPr>
+          <p:nvPr/>
+        </p:nvCxnSpPr>
+        <p:spPr>
+          <a:xfrm>
+            <a:off x="5912109" y="2141529"/>
+            <a:ext cx="1325501" cy="4268680"/>
+          </a:xfrm>
+          <a:prstGeom prst="straightConnector1">
+            <a:avLst/>
+          </a:prstGeom>
+          <a:ln>
+            <a:tailEnd type="triangle"/>
+          </a:ln>
+        </p:spPr>
+        <p:style>
+          <a:lnRef idx="3">
+            <a:schemeClr val="dk1"/>
+          </a:lnRef>
+          <a:fillRef idx="0">
+            <a:schemeClr val="dk1"/>
+          </a:fillRef>
+          <a:effectRef idx="2">
+            <a:schemeClr val="dk1"/>
+          </a:effectRef>
+          <a:fontRef idx="minor">
+            <a:schemeClr val="tx1"/>
+          </a:fontRef>
+        </p:style>
+      </p:cxnSp>
+      <p:cxnSp>
+        <p:nvCxnSpPr>
+          <p:cNvPr id="445" name="Straight Arrow Connector 444">
+            <a:extLst>
+              <a:ext uri="{FF2B5EF4-FFF2-40B4-BE49-F238E27FC236}">
+                <a16:creationId xmlns:a16="http://schemas.microsoft.com/office/drawing/2014/main" id="{C290FF34-BCDD-4B63-A32B-B236ACE94A67}"/>
+              </a:ext>
+            </a:extLst>
+          </p:cNvPr>
+          <p:cNvCxnSpPr>
+            <a:cxnSpLocks/>
+            <a:stCxn id="38" idx="6"/>
+            <a:endCxn id="51" idx="2"/>
+          </p:cNvCxnSpPr>
+          <p:nvPr/>
+        </p:nvCxnSpPr>
+        <p:spPr>
+          <a:xfrm flipV="1">
+            <a:off x="5912109" y="434057"/>
+            <a:ext cx="1314944" cy="853736"/>
+          </a:xfrm>
+          <a:prstGeom prst="straightConnector1">
+            <a:avLst/>
+          </a:prstGeom>
+          <a:ln>
+            <a:tailEnd type="triangle"/>
+          </a:ln>
+        </p:spPr>
+        <p:style>
+          <a:lnRef idx="3">
+            <a:schemeClr val="dk1"/>
+          </a:lnRef>
+          <a:fillRef idx="0">
+            <a:schemeClr val="dk1"/>
+          </a:fillRef>
+          <a:effectRef idx="2">
+            <a:schemeClr val="dk1"/>
+          </a:effectRef>
+          <a:fontRef idx="minor">
+            <a:schemeClr val="tx1"/>
+          </a:fontRef>
+        </p:style>
+      </p:cxnSp>
+      <p:cxnSp>
+        <p:nvCxnSpPr>
+          <p:cNvPr id="448" name="Straight Arrow Connector 447">
+            <a:extLst>
+              <a:ext uri="{FF2B5EF4-FFF2-40B4-BE49-F238E27FC236}">
+                <a16:creationId xmlns:a16="http://schemas.microsoft.com/office/drawing/2014/main" id="{AF1DDB52-2E07-4F6C-930B-96B60EE251D6}"/>
+              </a:ext>
+            </a:extLst>
+          </p:cNvPr>
+          <p:cNvCxnSpPr>
+            <a:cxnSpLocks/>
+            <a:stCxn id="38" idx="6"/>
+            <a:endCxn id="44" idx="2"/>
+          </p:cNvCxnSpPr>
+          <p:nvPr/>
+        </p:nvCxnSpPr>
+        <p:spPr>
+          <a:xfrm>
+            <a:off x="5912109" y="1287793"/>
+            <a:ext cx="1325501" cy="0"/>
+          </a:xfrm>
+          <a:prstGeom prst="straightConnector1">
+            <a:avLst/>
+          </a:prstGeom>
+          <a:ln>
+            <a:tailEnd type="triangle"/>
+          </a:ln>
+        </p:spPr>
+        <p:style>
+          <a:lnRef idx="3">
+            <a:schemeClr val="dk1"/>
+          </a:lnRef>
+          <a:fillRef idx="0">
+            <a:schemeClr val="dk1"/>
+          </a:fillRef>
+          <a:effectRef idx="2">
+            <a:schemeClr val="dk1"/>
+          </a:effectRef>
+          <a:fontRef idx="minor">
+            <a:schemeClr val="tx1"/>
+          </a:fontRef>
+        </p:style>
+      </p:cxnSp>
+      <p:cxnSp>
+        <p:nvCxnSpPr>
+          <p:cNvPr id="451" name="Straight Arrow Connector 450">
+            <a:extLst>
+              <a:ext uri="{FF2B5EF4-FFF2-40B4-BE49-F238E27FC236}">
+                <a16:creationId xmlns:a16="http://schemas.microsoft.com/office/drawing/2014/main" id="{6C849759-E82C-4ABA-9D82-E16155D24D73}"/>
+              </a:ext>
+            </a:extLst>
+          </p:cNvPr>
+          <p:cNvCxnSpPr>
+            <a:cxnSpLocks/>
+            <a:stCxn id="38" idx="6"/>
+            <a:endCxn id="40" idx="2"/>
+          </p:cNvCxnSpPr>
+          <p:nvPr/>
+        </p:nvCxnSpPr>
+        <p:spPr>
+          <a:xfrm>
+            <a:off x="5912109" y="1287793"/>
+            <a:ext cx="1325501" cy="853736"/>
+          </a:xfrm>
+          <a:prstGeom prst="straightConnector1">
+            <a:avLst/>
+          </a:prstGeom>
+          <a:ln>
+            <a:tailEnd type="triangle"/>
+          </a:ln>
+        </p:spPr>
+        <p:style>
+          <a:lnRef idx="3">
+            <a:schemeClr val="dk1"/>
+          </a:lnRef>
+          <a:fillRef idx="0">
+            <a:schemeClr val="dk1"/>
+          </a:fillRef>
+          <a:effectRef idx="2">
+            <a:schemeClr val="dk1"/>
+          </a:effectRef>
+          <a:fontRef idx="minor">
+            <a:schemeClr val="tx1"/>
+          </a:fontRef>
+        </p:style>
+      </p:cxnSp>
+      <p:cxnSp>
+        <p:nvCxnSpPr>
+          <p:cNvPr id="454" name="Straight Arrow Connector 453">
+            <a:extLst>
+              <a:ext uri="{FF2B5EF4-FFF2-40B4-BE49-F238E27FC236}">
+                <a16:creationId xmlns:a16="http://schemas.microsoft.com/office/drawing/2014/main" id="{79FEDC8B-039A-4D95-AA8A-705626D1B32A}"/>
+              </a:ext>
+            </a:extLst>
+          </p:cNvPr>
+          <p:cNvCxnSpPr>
+            <a:cxnSpLocks/>
+            <a:stCxn id="38" idx="6"/>
+            <a:endCxn id="41" idx="2"/>
+          </p:cNvCxnSpPr>
+          <p:nvPr/>
+        </p:nvCxnSpPr>
+        <p:spPr>
+          <a:xfrm>
+            <a:off x="5912109" y="1287793"/>
+            <a:ext cx="1325501" cy="1707472"/>
+          </a:xfrm>
+          <a:prstGeom prst="straightConnector1">
+            <a:avLst/>
+          </a:prstGeom>
+          <a:ln>
+            <a:tailEnd type="triangle"/>
+          </a:ln>
+        </p:spPr>
+        <p:style>
+          <a:lnRef idx="3">
+            <a:schemeClr val="dk1"/>
+          </a:lnRef>
+          <a:fillRef idx="0">
+            <a:schemeClr val="dk1"/>
+          </a:fillRef>
+          <a:effectRef idx="2">
+            <a:schemeClr val="dk1"/>
+          </a:effectRef>
+          <a:fontRef idx="minor">
+            <a:schemeClr val="tx1"/>
+          </a:fontRef>
+        </p:style>
+      </p:cxnSp>
+      <p:cxnSp>
+        <p:nvCxnSpPr>
+          <p:cNvPr id="457" name="Straight Arrow Connector 456">
+            <a:extLst>
+              <a:ext uri="{FF2B5EF4-FFF2-40B4-BE49-F238E27FC236}">
+                <a16:creationId xmlns:a16="http://schemas.microsoft.com/office/drawing/2014/main" id="{409789C6-EB99-4527-B268-5548BF2D72CF}"/>
+              </a:ext>
+            </a:extLst>
+          </p:cNvPr>
+          <p:cNvCxnSpPr>
+            <a:cxnSpLocks/>
+            <a:stCxn id="38" idx="6"/>
+            <a:endCxn id="42" idx="2"/>
+          </p:cNvCxnSpPr>
+          <p:nvPr/>
+        </p:nvCxnSpPr>
+        <p:spPr>
+          <a:xfrm>
+            <a:off x="5912109" y="1287793"/>
+            <a:ext cx="1325501" cy="2561208"/>
+          </a:xfrm>
+          <a:prstGeom prst="straightConnector1">
+            <a:avLst/>
+          </a:prstGeom>
+          <a:ln>
+            <a:tailEnd type="triangle"/>
+          </a:ln>
+        </p:spPr>
+        <p:style>
+          <a:lnRef idx="3">
+            <a:schemeClr val="dk1"/>
+          </a:lnRef>
+          <a:fillRef idx="0">
+            <a:schemeClr val="dk1"/>
+          </a:fillRef>
+          <a:effectRef idx="2">
+            <a:schemeClr val="dk1"/>
+          </a:effectRef>
+          <a:fontRef idx="minor">
+            <a:schemeClr val="tx1"/>
+          </a:fontRef>
+        </p:style>
+      </p:cxnSp>
+      <p:cxnSp>
+        <p:nvCxnSpPr>
+          <p:cNvPr id="460" name="Straight Arrow Connector 459">
+            <a:extLst>
+              <a:ext uri="{FF2B5EF4-FFF2-40B4-BE49-F238E27FC236}">
+                <a16:creationId xmlns:a16="http://schemas.microsoft.com/office/drawing/2014/main" id="{E066A61A-1312-4DB7-A8D0-A8701DDDC723}"/>
+              </a:ext>
+            </a:extLst>
+          </p:cNvPr>
+          <p:cNvCxnSpPr>
+            <a:cxnSpLocks/>
+            <a:stCxn id="38" idx="6"/>
+            <a:endCxn id="43" idx="2"/>
+          </p:cNvCxnSpPr>
+          <p:nvPr/>
+        </p:nvCxnSpPr>
+        <p:spPr>
+          <a:xfrm>
+            <a:off x="5912109" y="1287793"/>
+            <a:ext cx="1314944" cy="3414944"/>
+          </a:xfrm>
+          <a:prstGeom prst="straightConnector1">
+            <a:avLst/>
+          </a:prstGeom>
+          <a:ln>
+            <a:tailEnd type="triangle"/>
+          </a:ln>
+        </p:spPr>
+        <p:style>
+          <a:lnRef idx="3">
+            <a:schemeClr val="dk1"/>
+          </a:lnRef>
+          <a:fillRef idx="0">
+            <a:schemeClr val="dk1"/>
+          </a:fillRef>
+          <a:effectRef idx="2">
+            <a:schemeClr val="dk1"/>
+          </a:effectRef>
+          <a:fontRef idx="minor">
+            <a:schemeClr val="tx1"/>
+          </a:fontRef>
+        </p:style>
+      </p:cxnSp>
+      <p:cxnSp>
+        <p:nvCxnSpPr>
+          <p:cNvPr id="463" name="Straight Arrow Connector 462">
+            <a:extLst>
+              <a:ext uri="{FF2B5EF4-FFF2-40B4-BE49-F238E27FC236}">
+                <a16:creationId xmlns:a16="http://schemas.microsoft.com/office/drawing/2014/main" id="{0B43C443-AFD7-4068-8555-2465B63EE7B0}"/>
+              </a:ext>
+            </a:extLst>
+          </p:cNvPr>
+          <p:cNvCxnSpPr>
+            <a:cxnSpLocks/>
+            <a:stCxn id="38" idx="6"/>
+            <a:endCxn id="45" idx="2"/>
+          </p:cNvCxnSpPr>
+          <p:nvPr/>
+        </p:nvCxnSpPr>
+        <p:spPr>
+          <a:xfrm>
+            <a:off x="5912109" y="1287793"/>
+            <a:ext cx="1325501" cy="4268680"/>
+          </a:xfrm>
+          <a:prstGeom prst="straightConnector1">
+            <a:avLst/>
+          </a:prstGeom>
+          <a:ln>
+            <a:tailEnd type="triangle"/>
+          </a:ln>
+        </p:spPr>
+        <p:style>
+          <a:lnRef idx="3">
+            <a:schemeClr val="dk1"/>
+          </a:lnRef>
+          <a:fillRef idx="0">
+            <a:schemeClr val="dk1"/>
+          </a:fillRef>
+          <a:effectRef idx="2">
+            <a:schemeClr val="dk1"/>
+          </a:effectRef>
+          <a:fontRef idx="minor">
+            <a:schemeClr val="tx1"/>
+          </a:fontRef>
+        </p:style>
+      </p:cxnSp>
+      <p:cxnSp>
+        <p:nvCxnSpPr>
+          <p:cNvPr id="466" name="Straight Arrow Connector 465">
+            <a:extLst>
+              <a:ext uri="{FF2B5EF4-FFF2-40B4-BE49-F238E27FC236}">
+                <a16:creationId xmlns:a16="http://schemas.microsoft.com/office/drawing/2014/main" id="{EBD63D07-EBA5-4E15-969A-083D84FF076E}"/>
+              </a:ext>
+            </a:extLst>
+          </p:cNvPr>
+          <p:cNvCxnSpPr>
+            <a:cxnSpLocks/>
+            <a:stCxn id="38" idx="6"/>
+            <a:endCxn id="50" idx="2"/>
+          </p:cNvCxnSpPr>
+          <p:nvPr/>
+        </p:nvCxnSpPr>
+        <p:spPr>
+          <a:xfrm>
+            <a:off x="5912109" y="1287793"/>
+            <a:ext cx="1325501" cy="5122416"/>
+          </a:xfrm>
+          <a:prstGeom prst="straightConnector1">
+            <a:avLst/>
+          </a:prstGeom>
+          <a:ln>
+            <a:tailEnd type="triangle"/>
+          </a:ln>
+        </p:spPr>
+        <p:style>
+          <a:lnRef idx="3">
+            <a:schemeClr val="dk1"/>
+          </a:lnRef>
+          <a:fillRef idx="0">
+            <a:schemeClr val="dk1"/>
+          </a:fillRef>
+          <a:effectRef idx="2">
+            <a:schemeClr val="dk1"/>
+          </a:effectRef>
+          <a:fontRef idx="minor">
+            <a:schemeClr val="tx1"/>
+          </a:fontRef>
+        </p:style>
+      </p:cxnSp>
+      <p:cxnSp>
+        <p:nvCxnSpPr>
+          <p:cNvPr id="469" name="Straight Arrow Connector 468">
+            <a:extLst>
+              <a:ext uri="{FF2B5EF4-FFF2-40B4-BE49-F238E27FC236}">
+                <a16:creationId xmlns:a16="http://schemas.microsoft.com/office/drawing/2014/main" id="{9207E2A8-ECBC-42DA-AE36-AF7E89AFCB75}"/>
+              </a:ext>
+            </a:extLst>
+          </p:cNvPr>
+          <p:cNvCxnSpPr>
+            <a:cxnSpLocks/>
+            <a:stCxn id="50" idx="6"/>
+            <a:endCxn id="49" idx="2"/>
+          </p:cNvCxnSpPr>
+          <p:nvPr/>
+        </p:nvCxnSpPr>
+        <p:spPr>
+          <a:xfrm flipV="1">
+            <a:off x="7917814" y="4702737"/>
+            <a:ext cx="1859662" cy="1707472"/>
+          </a:xfrm>
+          <a:prstGeom prst="straightConnector1">
+            <a:avLst/>
+          </a:prstGeom>
+          <a:ln>
+            <a:tailEnd type="triangle"/>
+          </a:ln>
+        </p:spPr>
+        <p:style>
+          <a:lnRef idx="3">
+            <a:schemeClr val="dk1"/>
+          </a:lnRef>
+          <a:fillRef idx="0">
+            <a:schemeClr val="dk1"/>
+          </a:fillRef>
+          <a:effectRef idx="2">
+            <a:schemeClr val="dk1"/>
+          </a:effectRef>
+          <a:fontRef idx="minor">
+            <a:schemeClr val="tx1"/>
+          </a:fontRef>
+        </p:style>
+      </p:cxnSp>
+      <p:cxnSp>
+        <p:nvCxnSpPr>
+          <p:cNvPr id="472" name="Straight Arrow Connector 471">
+            <a:extLst>
+              <a:ext uri="{FF2B5EF4-FFF2-40B4-BE49-F238E27FC236}">
+                <a16:creationId xmlns:a16="http://schemas.microsoft.com/office/drawing/2014/main" id="{F891C975-42F2-458B-ADFA-30F71D72A2D1}"/>
+              </a:ext>
+            </a:extLst>
+          </p:cNvPr>
+          <p:cNvCxnSpPr>
+            <a:cxnSpLocks/>
+            <a:stCxn id="50" idx="6"/>
+            <a:endCxn id="46" idx="2"/>
+          </p:cNvCxnSpPr>
+          <p:nvPr/>
+        </p:nvCxnSpPr>
+        <p:spPr>
+          <a:xfrm flipV="1">
+            <a:off x="7917814" y="2141529"/>
+            <a:ext cx="1870219" cy="4268680"/>
+          </a:xfrm>
+          <a:prstGeom prst="straightConnector1">
+            <a:avLst/>
+          </a:prstGeom>
+          <a:ln>
+            <a:tailEnd type="triangle"/>
+          </a:ln>
+        </p:spPr>
+        <p:style>
+          <a:lnRef idx="3">
+            <a:schemeClr val="dk1"/>
+          </a:lnRef>
+          <a:fillRef idx="0">
+            <a:schemeClr val="dk1"/>
+          </a:fillRef>
+          <a:effectRef idx="2">
+            <a:schemeClr val="dk1"/>
+          </a:effectRef>
+          <a:fontRef idx="minor">
+            <a:schemeClr val="tx1"/>
+          </a:fontRef>
+        </p:style>
+      </p:cxnSp>
+      <p:cxnSp>
+        <p:nvCxnSpPr>
+          <p:cNvPr id="476" name="Straight Arrow Connector 475">
+            <a:extLst>
+              <a:ext uri="{FF2B5EF4-FFF2-40B4-BE49-F238E27FC236}">
+                <a16:creationId xmlns:a16="http://schemas.microsoft.com/office/drawing/2014/main" id="{DAE09617-87D0-474A-8943-F86A5F48B217}"/>
+              </a:ext>
+            </a:extLst>
+          </p:cNvPr>
+          <p:cNvCxnSpPr>
+            <a:cxnSpLocks/>
+            <a:stCxn id="45" idx="6"/>
+            <a:endCxn id="49" idx="2"/>
+          </p:cNvCxnSpPr>
+          <p:nvPr/>
+        </p:nvCxnSpPr>
+        <p:spPr>
+          <a:xfrm flipV="1">
+            <a:off x="7917814" y="4702737"/>
+            <a:ext cx="1859662" cy="853736"/>
+          </a:xfrm>
+          <a:prstGeom prst="straightConnector1">
+            <a:avLst/>
+          </a:prstGeom>
+          <a:ln>
+            <a:tailEnd type="triangle"/>
+          </a:ln>
+        </p:spPr>
+        <p:style>
+          <a:lnRef idx="3">
+            <a:schemeClr val="dk1"/>
+          </a:lnRef>
+          <a:fillRef idx="0">
+            <a:schemeClr val="dk1"/>
+          </a:fillRef>
+          <a:effectRef idx="2">
+            <a:schemeClr val="dk1"/>
+          </a:effectRef>
+          <a:fontRef idx="minor">
+            <a:schemeClr val="tx1"/>
+          </a:fontRef>
+        </p:style>
+      </p:cxnSp>
+      <p:cxnSp>
+        <p:nvCxnSpPr>
+          <p:cNvPr id="479" name="Straight Arrow Connector 478">
+            <a:extLst>
+              <a:ext uri="{FF2B5EF4-FFF2-40B4-BE49-F238E27FC236}">
+                <a16:creationId xmlns:a16="http://schemas.microsoft.com/office/drawing/2014/main" id="{5DDE476E-6EB6-4551-B35F-E807FDCE3E68}"/>
+              </a:ext>
+            </a:extLst>
+          </p:cNvPr>
+          <p:cNvCxnSpPr>
+            <a:cxnSpLocks/>
+            <a:stCxn id="45" idx="6"/>
+            <a:endCxn id="46" idx="2"/>
+          </p:cNvCxnSpPr>
+          <p:nvPr/>
+        </p:nvCxnSpPr>
+        <p:spPr>
+          <a:xfrm flipV="1">
+            <a:off x="7917814" y="2141529"/>
+            <a:ext cx="1870219" cy="3414944"/>
+          </a:xfrm>
+          <a:prstGeom prst="straightConnector1">
+            <a:avLst/>
+          </a:prstGeom>
+          <a:ln>
+            <a:tailEnd type="triangle"/>
+          </a:ln>
+        </p:spPr>
+        <p:style>
+          <a:lnRef idx="3">
+            <a:schemeClr val="dk1"/>
+          </a:lnRef>
+          <a:fillRef idx="0">
+            <a:schemeClr val="dk1"/>
+          </a:fillRef>
+          <a:effectRef idx="2">
+            <a:schemeClr val="dk1"/>
+          </a:effectRef>
+          <a:fontRef idx="minor">
+            <a:schemeClr val="tx1"/>
+          </a:fontRef>
+        </p:style>
+      </p:cxnSp>
+      <p:cxnSp>
+        <p:nvCxnSpPr>
+          <p:cNvPr id="482" name="Straight Arrow Connector 481">
+            <a:extLst>
+              <a:ext uri="{FF2B5EF4-FFF2-40B4-BE49-F238E27FC236}">
+                <a16:creationId xmlns:a16="http://schemas.microsoft.com/office/drawing/2014/main" id="{67EC8FBA-74E7-41E6-BCAE-C81B3361ABDE}"/>
+              </a:ext>
+            </a:extLst>
+          </p:cNvPr>
+          <p:cNvCxnSpPr>
+            <a:cxnSpLocks/>
+            <a:stCxn id="43" idx="6"/>
+            <a:endCxn id="46" idx="2"/>
+          </p:cNvCxnSpPr>
+          <p:nvPr/>
+        </p:nvCxnSpPr>
+        <p:spPr>
+          <a:xfrm flipV="1">
+            <a:off x="7907257" y="2141529"/>
+            <a:ext cx="1880776" cy="2561208"/>
+          </a:xfrm>
+          <a:prstGeom prst="straightConnector1">
+            <a:avLst/>
+          </a:prstGeom>
+          <a:ln>
+            <a:tailEnd type="triangle"/>
+          </a:ln>
+        </p:spPr>
+        <p:style>
+          <a:lnRef idx="3">
+            <a:schemeClr val="dk1"/>
+          </a:lnRef>
+          <a:fillRef idx="0">
+            <a:schemeClr val="dk1"/>
+          </a:fillRef>
+          <a:effectRef idx="2">
+            <a:schemeClr val="dk1"/>
+          </a:effectRef>
+          <a:fontRef idx="minor">
+            <a:schemeClr val="tx1"/>
+          </a:fontRef>
+        </p:style>
+      </p:cxnSp>
+      <p:cxnSp>
+        <p:nvCxnSpPr>
+          <p:cNvPr id="485" name="Straight Arrow Connector 484">
+            <a:extLst>
+              <a:ext uri="{FF2B5EF4-FFF2-40B4-BE49-F238E27FC236}">
+                <a16:creationId xmlns:a16="http://schemas.microsoft.com/office/drawing/2014/main" id="{E58F1C1F-1270-49B3-AEE0-656C26E2B8D4}"/>
+              </a:ext>
+            </a:extLst>
+          </p:cNvPr>
+          <p:cNvCxnSpPr>
+            <a:cxnSpLocks/>
+            <a:stCxn id="43" idx="6"/>
+            <a:endCxn id="49" idx="2"/>
+          </p:cNvCxnSpPr>
+          <p:nvPr/>
+        </p:nvCxnSpPr>
+        <p:spPr>
+          <a:xfrm>
+            <a:off x="7907257" y="4702737"/>
+            <a:ext cx="1870219" cy="0"/>
+          </a:xfrm>
+          <a:prstGeom prst="straightConnector1">
+            <a:avLst/>
+          </a:prstGeom>
+          <a:ln>
+            <a:tailEnd type="triangle"/>
+          </a:ln>
+        </p:spPr>
+        <p:style>
+          <a:lnRef idx="3">
+            <a:schemeClr val="dk1"/>
+          </a:lnRef>
+          <a:fillRef idx="0">
+            <a:schemeClr val="dk1"/>
+          </a:fillRef>
+          <a:effectRef idx="2">
+            <a:schemeClr val="dk1"/>
+          </a:effectRef>
+          <a:fontRef idx="minor">
+            <a:schemeClr val="tx1"/>
+          </a:fontRef>
+        </p:style>
+      </p:cxnSp>
+      <p:cxnSp>
+        <p:nvCxnSpPr>
+          <p:cNvPr id="488" name="Straight Arrow Connector 487">
+            <a:extLst>
+              <a:ext uri="{FF2B5EF4-FFF2-40B4-BE49-F238E27FC236}">
+                <a16:creationId xmlns:a16="http://schemas.microsoft.com/office/drawing/2014/main" id="{DE3609BC-74D7-4B05-A638-C2025EF9F07C}"/>
+              </a:ext>
+            </a:extLst>
+          </p:cNvPr>
+          <p:cNvCxnSpPr>
+            <a:cxnSpLocks/>
+            <a:stCxn id="42" idx="6"/>
+            <a:endCxn id="49" idx="2"/>
+          </p:cNvCxnSpPr>
+          <p:nvPr/>
+        </p:nvCxnSpPr>
+        <p:spPr>
+          <a:xfrm>
+            <a:off x="7917814" y="3849001"/>
+            <a:ext cx="1859662" cy="853736"/>
+          </a:xfrm>
+          <a:prstGeom prst="straightConnector1">
+            <a:avLst/>
+          </a:prstGeom>
+          <a:ln>
+            <a:tailEnd type="triangle"/>
+          </a:ln>
+        </p:spPr>
+        <p:style>
+          <a:lnRef idx="3">
+            <a:schemeClr val="dk1"/>
+          </a:lnRef>
+          <a:fillRef idx="0">
+            <a:schemeClr val="dk1"/>
+          </a:fillRef>
+          <a:effectRef idx="2">
+            <a:schemeClr val="dk1"/>
+          </a:effectRef>
+          <a:fontRef idx="minor">
+            <a:schemeClr val="tx1"/>
+          </a:fontRef>
+        </p:style>
+      </p:cxnSp>
+      <p:cxnSp>
+        <p:nvCxnSpPr>
+          <p:cNvPr id="491" name="Straight Arrow Connector 490">
+            <a:extLst>
+              <a:ext uri="{FF2B5EF4-FFF2-40B4-BE49-F238E27FC236}">
+                <a16:creationId xmlns:a16="http://schemas.microsoft.com/office/drawing/2014/main" id="{3A29BBC5-EE4E-4AE7-9614-FBE346500F1F}"/>
+              </a:ext>
+            </a:extLst>
+          </p:cNvPr>
+          <p:cNvCxnSpPr>
+            <a:cxnSpLocks/>
+            <a:stCxn id="41" idx="6"/>
+            <a:endCxn id="46" idx="2"/>
+          </p:cNvCxnSpPr>
+          <p:nvPr/>
+        </p:nvCxnSpPr>
+        <p:spPr>
+          <a:xfrm flipV="1">
+            <a:off x="7917814" y="2141529"/>
+            <a:ext cx="1870219" cy="853736"/>
+          </a:xfrm>
+          <a:prstGeom prst="straightConnector1">
+            <a:avLst/>
+          </a:prstGeom>
+          <a:ln>
+            <a:tailEnd type="triangle"/>
+          </a:ln>
+        </p:spPr>
+        <p:style>
+          <a:lnRef idx="3">
+            <a:schemeClr val="dk1"/>
+          </a:lnRef>
+          <a:fillRef idx="0">
+            <a:schemeClr val="dk1"/>
+          </a:fillRef>
+          <a:effectRef idx="2">
+            <a:schemeClr val="dk1"/>
+          </a:effectRef>
+          <a:fontRef idx="minor">
+            <a:schemeClr val="tx1"/>
+          </a:fontRef>
+        </p:style>
+      </p:cxnSp>
+      <p:cxnSp>
+        <p:nvCxnSpPr>
+          <p:cNvPr id="494" name="Straight Arrow Connector 493">
+            <a:extLst>
+              <a:ext uri="{FF2B5EF4-FFF2-40B4-BE49-F238E27FC236}">
+                <a16:creationId xmlns:a16="http://schemas.microsoft.com/office/drawing/2014/main" id="{E133D9D5-32AA-4619-8FE3-024A76D304D4}"/>
+              </a:ext>
+            </a:extLst>
+          </p:cNvPr>
+          <p:cNvCxnSpPr>
+            <a:cxnSpLocks/>
+            <a:stCxn id="42" idx="6"/>
+            <a:endCxn id="46" idx="2"/>
+          </p:cNvCxnSpPr>
+          <p:nvPr/>
+        </p:nvCxnSpPr>
+        <p:spPr>
+          <a:xfrm flipV="1">
+            <a:off x="7917814" y="2141529"/>
+            <a:ext cx="1870219" cy="1707472"/>
+          </a:xfrm>
+          <a:prstGeom prst="straightConnector1">
+            <a:avLst/>
+          </a:prstGeom>
+          <a:ln>
+            <a:tailEnd type="triangle"/>
+          </a:ln>
+        </p:spPr>
+        <p:style>
+          <a:lnRef idx="3">
+            <a:schemeClr val="dk1"/>
+          </a:lnRef>
+          <a:fillRef idx="0">
+            <a:schemeClr val="dk1"/>
+          </a:fillRef>
+          <a:effectRef idx="2">
+            <a:schemeClr val="dk1"/>
+          </a:effectRef>
+          <a:fontRef idx="minor">
+            <a:schemeClr val="tx1"/>
+          </a:fontRef>
+        </p:style>
+      </p:cxnSp>
+      <p:cxnSp>
+        <p:nvCxnSpPr>
+          <p:cNvPr id="497" name="Straight Arrow Connector 496">
+            <a:extLst>
+              <a:ext uri="{FF2B5EF4-FFF2-40B4-BE49-F238E27FC236}">
+                <a16:creationId xmlns:a16="http://schemas.microsoft.com/office/drawing/2014/main" id="{4DB7445C-204A-43CF-BC0B-03FCEDBD4FFC}"/>
+              </a:ext>
+            </a:extLst>
+          </p:cNvPr>
+          <p:cNvCxnSpPr>
+            <a:cxnSpLocks/>
+            <a:stCxn id="41" idx="6"/>
+            <a:endCxn id="49" idx="2"/>
+          </p:cNvCxnSpPr>
+          <p:nvPr/>
+        </p:nvCxnSpPr>
+        <p:spPr>
+          <a:xfrm>
+            <a:off x="7917814" y="2995265"/>
+            <a:ext cx="1859662" cy="1707472"/>
+          </a:xfrm>
+          <a:prstGeom prst="straightConnector1">
+            <a:avLst/>
+          </a:prstGeom>
+          <a:ln>
+            <a:tailEnd type="triangle"/>
+          </a:ln>
+        </p:spPr>
+        <p:style>
+          <a:lnRef idx="3">
+            <a:schemeClr val="dk1"/>
+          </a:lnRef>
+          <a:fillRef idx="0">
+            <a:schemeClr val="dk1"/>
+          </a:fillRef>
+          <a:effectRef idx="2">
+            <a:schemeClr val="dk1"/>
+          </a:effectRef>
+          <a:fontRef idx="minor">
+            <a:schemeClr val="tx1"/>
+          </a:fontRef>
+        </p:style>
+      </p:cxnSp>
+      <p:cxnSp>
+        <p:nvCxnSpPr>
+          <p:cNvPr id="500" name="Straight Arrow Connector 499">
+            <a:extLst>
+              <a:ext uri="{FF2B5EF4-FFF2-40B4-BE49-F238E27FC236}">
+                <a16:creationId xmlns:a16="http://schemas.microsoft.com/office/drawing/2014/main" id="{0D4A6A43-D0F4-4633-B6B7-A717A77C9803}"/>
+              </a:ext>
+            </a:extLst>
+          </p:cNvPr>
+          <p:cNvCxnSpPr>
+            <a:cxnSpLocks/>
+            <a:stCxn id="40" idx="6"/>
+            <a:endCxn id="46" idx="2"/>
+          </p:cNvCxnSpPr>
+          <p:nvPr/>
+        </p:nvCxnSpPr>
+        <p:spPr>
+          <a:xfrm>
+            <a:off x="7917814" y="2141529"/>
+            <a:ext cx="1870219" cy="0"/>
+          </a:xfrm>
+          <a:prstGeom prst="straightConnector1">
+            <a:avLst/>
+          </a:prstGeom>
+          <a:ln>
+            <a:tailEnd type="triangle"/>
+          </a:ln>
+        </p:spPr>
+        <p:style>
+          <a:lnRef idx="3">
+            <a:schemeClr val="dk1"/>
+          </a:lnRef>
+          <a:fillRef idx="0">
+            <a:schemeClr val="dk1"/>
+          </a:fillRef>
+          <a:effectRef idx="2">
+            <a:schemeClr val="dk1"/>
+          </a:effectRef>
+          <a:fontRef idx="minor">
+            <a:schemeClr val="tx1"/>
+          </a:fontRef>
+        </p:style>
+      </p:cxnSp>
+      <p:cxnSp>
+        <p:nvCxnSpPr>
+          <p:cNvPr id="503" name="Straight Arrow Connector 502">
+            <a:extLst>
+              <a:ext uri="{FF2B5EF4-FFF2-40B4-BE49-F238E27FC236}">
+                <a16:creationId xmlns:a16="http://schemas.microsoft.com/office/drawing/2014/main" id="{C3C11C56-8B81-4554-8CDC-B98958D36342}"/>
+              </a:ext>
+            </a:extLst>
+          </p:cNvPr>
+          <p:cNvCxnSpPr>
+            <a:cxnSpLocks/>
+            <a:stCxn id="40" idx="6"/>
+            <a:endCxn id="49" idx="2"/>
+          </p:cNvCxnSpPr>
+          <p:nvPr/>
+        </p:nvCxnSpPr>
+        <p:spPr>
+          <a:xfrm>
+            <a:off x="7917814" y="2141529"/>
+            <a:ext cx="1859662" cy="2561208"/>
+          </a:xfrm>
+          <a:prstGeom prst="straightConnector1">
+            <a:avLst/>
+          </a:prstGeom>
+          <a:ln>
+            <a:tailEnd type="triangle"/>
+          </a:ln>
+        </p:spPr>
+        <p:style>
+          <a:lnRef idx="3">
+            <a:schemeClr val="dk1"/>
+          </a:lnRef>
+          <a:fillRef idx="0">
+            <a:schemeClr val="dk1"/>
+          </a:fillRef>
+          <a:effectRef idx="2">
+            <a:schemeClr val="dk1"/>
+          </a:effectRef>
+          <a:fontRef idx="minor">
+            <a:schemeClr val="tx1"/>
+          </a:fontRef>
+        </p:style>
+      </p:cxnSp>
+      <p:cxnSp>
+        <p:nvCxnSpPr>
+          <p:cNvPr id="506" name="Straight Arrow Connector 505">
+            <a:extLst>
+              <a:ext uri="{FF2B5EF4-FFF2-40B4-BE49-F238E27FC236}">
+                <a16:creationId xmlns:a16="http://schemas.microsoft.com/office/drawing/2014/main" id="{8519735B-47B1-4127-9D6C-685E7E419B1C}"/>
+              </a:ext>
+            </a:extLst>
+          </p:cNvPr>
+          <p:cNvCxnSpPr>
+            <a:cxnSpLocks/>
+            <a:stCxn id="44" idx="6"/>
+            <a:endCxn id="49" idx="2"/>
+          </p:cNvCxnSpPr>
+          <p:nvPr/>
+        </p:nvCxnSpPr>
+        <p:spPr>
+          <a:xfrm>
+            <a:off x="7917814" y="1287793"/>
+            <a:ext cx="1859662" cy="3414944"/>
+          </a:xfrm>
+          <a:prstGeom prst="straightConnector1">
+            <a:avLst/>
+          </a:prstGeom>
+          <a:ln>
+            <a:tailEnd type="triangle"/>
+          </a:ln>
+        </p:spPr>
+        <p:style>
+          <a:lnRef idx="3">
+            <a:schemeClr val="dk1"/>
+          </a:lnRef>
+          <a:fillRef idx="0">
+            <a:schemeClr val="dk1"/>
+          </a:fillRef>
+          <a:effectRef idx="2">
+            <a:schemeClr val="dk1"/>
+          </a:effectRef>
+          <a:fontRef idx="minor">
+            <a:schemeClr val="tx1"/>
+          </a:fontRef>
+        </p:style>
+      </p:cxnSp>
+      <p:cxnSp>
+        <p:nvCxnSpPr>
+          <p:cNvPr id="509" name="Straight Arrow Connector 508">
+            <a:extLst>
+              <a:ext uri="{FF2B5EF4-FFF2-40B4-BE49-F238E27FC236}">
+                <a16:creationId xmlns:a16="http://schemas.microsoft.com/office/drawing/2014/main" id="{A238CDA7-EB21-41D1-980A-AAE467CF1CCE}"/>
+              </a:ext>
+            </a:extLst>
+          </p:cNvPr>
+          <p:cNvCxnSpPr>
+            <a:cxnSpLocks/>
+            <a:stCxn id="44" idx="6"/>
+            <a:endCxn id="46" idx="2"/>
+          </p:cNvCxnSpPr>
+          <p:nvPr/>
+        </p:nvCxnSpPr>
+        <p:spPr>
+          <a:xfrm>
+            <a:off x="7917814" y="1287793"/>
+            <a:ext cx="1870219" cy="853736"/>
+          </a:xfrm>
+          <a:prstGeom prst="straightConnector1">
+            <a:avLst/>
+          </a:prstGeom>
+          <a:ln>
+            <a:tailEnd type="triangle"/>
+          </a:ln>
+        </p:spPr>
+        <p:style>
+          <a:lnRef idx="3">
+            <a:schemeClr val="dk1"/>
+          </a:lnRef>
+          <a:fillRef idx="0">
+            <a:schemeClr val="dk1"/>
+          </a:fillRef>
+          <a:effectRef idx="2">
+            <a:schemeClr val="dk1"/>
+          </a:effectRef>
+          <a:fontRef idx="minor">
+            <a:schemeClr val="tx1"/>
+          </a:fontRef>
+        </p:style>
+      </p:cxnSp>
+      <p:cxnSp>
+        <p:nvCxnSpPr>
+          <p:cNvPr id="512" name="Straight Arrow Connector 511">
+            <a:extLst>
+              <a:ext uri="{FF2B5EF4-FFF2-40B4-BE49-F238E27FC236}">
+                <a16:creationId xmlns:a16="http://schemas.microsoft.com/office/drawing/2014/main" id="{39FDE4A0-01EF-4E1A-9C81-B1712679AB8B}"/>
+              </a:ext>
+            </a:extLst>
+          </p:cNvPr>
+          <p:cNvCxnSpPr>
+            <a:cxnSpLocks/>
+            <a:stCxn id="51" idx="6"/>
+            <a:endCxn id="46" idx="2"/>
+          </p:cNvCxnSpPr>
+          <p:nvPr/>
+        </p:nvCxnSpPr>
+        <p:spPr>
+          <a:xfrm>
+            <a:off x="7907257" y="434057"/>
+            <a:ext cx="1880776" cy="1707472"/>
+          </a:xfrm>
+          <a:prstGeom prst="straightConnector1">
+            <a:avLst/>
+          </a:prstGeom>
+          <a:ln>
+            <a:tailEnd type="triangle"/>
+          </a:ln>
+        </p:spPr>
+        <p:style>
+          <a:lnRef idx="3">
+            <a:schemeClr val="dk1"/>
+          </a:lnRef>
+          <a:fillRef idx="0">
+            <a:schemeClr val="dk1"/>
+          </a:fillRef>
+          <a:effectRef idx="2">
+            <a:schemeClr val="dk1"/>
+          </a:effectRef>
+          <a:fontRef idx="minor">
+            <a:schemeClr val="tx1"/>
+          </a:fontRef>
+        </p:style>
+      </p:cxnSp>
+      <p:cxnSp>
+        <p:nvCxnSpPr>
+          <p:cNvPr id="515" name="Straight Arrow Connector 514">
+            <a:extLst>
+              <a:ext uri="{FF2B5EF4-FFF2-40B4-BE49-F238E27FC236}">
+                <a16:creationId xmlns:a16="http://schemas.microsoft.com/office/drawing/2014/main" id="{24969ED1-3536-4156-828E-735002125B57}"/>
+              </a:ext>
+            </a:extLst>
+          </p:cNvPr>
+          <p:cNvCxnSpPr>
+            <a:cxnSpLocks/>
+            <a:stCxn id="51" idx="6"/>
+            <a:endCxn id="49" idx="2"/>
+          </p:cNvCxnSpPr>
+          <p:nvPr/>
+        </p:nvCxnSpPr>
+        <p:spPr>
+          <a:xfrm>
+            <a:off x="7907257" y="434057"/>
+            <a:ext cx="1870219" cy="4268680"/>
+          </a:xfrm>
+          <a:prstGeom prst="straightConnector1">
+            <a:avLst/>
+          </a:prstGeom>
+          <a:ln>
+            <a:tailEnd type="triangle"/>
+          </a:ln>
+        </p:spPr>
+        <p:style>
+          <a:lnRef idx="3">
+            <a:schemeClr val="dk1"/>
+          </a:lnRef>
+          <a:fillRef idx="0">
+            <a:schemeClr val="dk1"/>
+          </a:fillRef>
+          <a:effectRef idx="2">
+            <a:schemeClr val="dk1"/>
+          </a:effectRef>
+          <a:fontRef idx="minor">
+            <a:schemeClr val="tx1"/>
+          </a:fontRef>
+        </p:style>
+      </p:cxnSp>
+      <p:sp>
+        <p:nvSpPr>
+          <p:cNvPr id="156" name="Flowchart: Connector 155">
+            <a:extLst>
+              <a:ext uri="{FF2B5EF4-FFF2-40B4-BE49-F238E27FC236}">
+                <a16:creationId xmlns:a16="http://schemas.microsoft.com/office/drawing/2014/main" id="{50D199FD-CF30-4EC4-92DA-7F1B775A5A97}"/>
+              </a:ext>
+            </a:extLst>
+          </p:cNvPr>
+          <p:cNvSpPr/>
+          <p:nvPr/>
+        </p:nvSpPr>
+        <p:spPr>
+          <a:xfrm>
+            <a:off x="9777476" y="2612254"/>
+            <a:ext cx="680204" cy="680204"/>
+          </a:xfrm>
+          <a:prstGeom prst="flowChartConnector">
+            <a:avLst/>
+          </a:prstGeom>
+        </p:spPr>
+        <p:style>
+          <a:lnRef idx="3">
+            <a:schemeClr val="lt1"/>
+          </a:lnRef>
+          <a:fillRef idx="1">
+            <a:schemeClr val="accent3"/>
+          </a:fillRef>
+          <a:effectRef idx="1">
+            <a:schemeClr val="accent3"/>
+          </a:effectRef>
+          <a:fontRef idx="minor">
+            <a:schemeClr val="lt1"/>
+          </a:fontRef>
+        </p:style>
+        <p:txBody>
+          <a:bodyPr rtlCol="0" anchor="ctr"/>
+          <a:lstStyle/>
+          <a:p>
+            <a:pPr algn="ctr"/>
+            <a:endParaRPr lang="en-GB"/>
+          </a:p>
+        </p:txBody>
+      </p:sp>
+      <p:sp>
+        <p:nvSpPr>
+          <p:cNvPr id="157" name="Flowchart: Connector 156">
+            <a:extLst>
+              <a:ext uri="{FF2B5EF4-FFF2-40B4-BE49-F238E27FC236}">
+                <a16:creationId xmlns:a16="http://schemas.microsoft.com/office/drawing/2014/main" id="{8FF88769-4018-4E41-8B96-51428697A7BF}"/>
+              </a:ext>
+            </a:extLst>
+          </p:cNvPr>
+          <p:cNvSpPr/>
+          <p:nvPr/>
+        </p:nvSpPr>
+        <p:spPr>
+          <a:xfrm>
+            <a:off x="9766919" y="3465990"/>
+            <a:ext cx="680204" cy="680204"/>
+          </a:xfrm>
+          <a:prstGeom prst="flowChartConnector">
+            <a:avLst/>
+          </a:prstGeom>
+        </p:spPr>
+        <p:style>
+          <a:lnRef idx="3">
+            <a:schemeClr val="lt1"/>
+          </a:lnRef>
+          <a:fillRef idx="1">
+            <a:schemeClr val="accent3"/>
+          </a:fillRef>
+          <a:effectRef idx="1">
+            <a:schemeClr val="accent3"/>
+          </a:effectRef>
+          <a:fontRef idx="minor">
+            <a:schemeClr val="lt1"/>
+          </a:fontRef>
+        </p:style>
+        <p:txBody>
+          <a:bodyPr rtlCol="0" anchor="ctr"/>
+          <a:lstStyle/>
+          <a:p>
+            <a:pPr algn="ctr"/>
+            <a:endParaRPr lang="en-GB"/>
+          </a:p>
+        </p:txBody>
+      </p:sp>
+      <p:cxnSp>
+        <p:nvCxnSpPr>
+          <p:cNvPr id="159" name="Straight Arrow Connector 158">
+            <a:extLst>
+              <a:ext uri="{FF2B5EF4-FFF2-40B4-BE49-F238E27FC236}">
+                <a16:creationId xmlns:a16="http://schemas.microsoft.com/office/drawing/2014/main" id="{CA977070-AADE-4AFC-8BCA-592C72FEB861}"/>
+              </a:ext>
+            </a:extLst>
+          </p:cNvPr>
+          <p:cNvCxnSpPr>
+            <a:cxnSpLocks/>
+            <a:stCxn id="50" idx="6"/>
+            <a:endCxn id="157" idx="2"/>
+          </p:cNvCxnSpPr>
+          <p:nvPr/>
+        </p:nvCxnSpPr>
+        <p:spPr>
+          <a:xfrm flipV="1">
+            <a:off x="7917814" y="3806092"/>
+            <a:ext cx="1849105" cy="2604117"/>
+          </a:xfrm>
+          <a:prstGeom prst="straightConnector1">
+            <a:avLst/>
+          </a:prstGeom>
+          <a:ln>
+            <a:tailEnd type="triangle"/>
+          </a:ln>
+        </p:spPr>
+        <p:style>
+          <a:lnRef idx="3">
+            <a:schemeClr val="dk1"/>
+          </a:lnRef>
+          <a:fillRef idx="0">
+            <a:schemeClr val="dk1"/>
+          </a:fillRef>
+          <a:effectRef idx="2">
+            <a:schemeClr val="dk1"/>
+          </a:effectRef>
+          <a:fontRef idx="minor">
+            <a:schemeClr val="tx1"/>
+          </a:fontRef>
+        </p:style>
+      </p:cxnSp>
+      <p:cxnSp>
+        <p:nvCxnSpPr>
+          <p:cNvPr id="160" name="Straight Arrow Connector 159">
+            <a:extLst>
+              <a:ext uri="{FF2B5EF4-FFF2-40B4-BE49-F238E27FC236}">
+                <a16:creationId xmlns:a16="http://schemas.microsoft.com/office/drawing/2014/main" id="{0B60F16C-BB69-4E17-A59C-5B59334EFE68}"/>
+              </a:ext>
+            </a:extLst>
+          </p:cNvPr>
+          <p:cNvCxnSpPr>
+            <a:cxnSpLocks/>
+            <a:stCxn id="50" idx="6"/>
+            <a:endCxn id="156" idx="2"/>
+          </p:cNvCxnSpPr>
+          <p:nvPr/>
+        </p:nvCxnSpPr>
+        <p:spPr>
+          <a:xfrm flipV="1">
+            <a:off x="7917814" y="2952356"/>
+            <a:ext cx="1859662" cy="3457853"/>
+          </a:xfrm>
+          <a:prstGeom prst="straightConnector1">
+            <a:avLst/>
+          </a:prstGeom>
+          <a:ln>
+            <a:tailEnd type="triangle"/>
+          </a:ln>
+        </p:spPr>
+        <p:style>
+          <a:lnRef idx="3">
+            <a:schemeClr val="dk1"/>
+          </a:lnRef>
+          <a:fillRef idx="0">
+            <a:schemeClr val="dk1"/>
+          </a:fillRef>
+          <a:effectRef idx="2">
+            <a:schemeClr val="dk1"/>
+          </a:effectRef>
+          <a:fontRef idx="minor">
+            <a:schemeClr val="tx1"/>
+          </a:fontRef>
+        </p:style>
+      </p:cxnSp>
+      <p:cxnSp>
+        <p:nvCxnSpPr>
+          <p:cNvPr id="163" name="Straight Arrow Connector 162">
+            <a:extLst>
+              <a:ext uri="{FF2B5EF4-FFF2-40B4-BE49-F238E27FC236}">
+                <a16:creationId xmlns:a16="http://schemas.microsoft.com/office/drawing/2014/main" id="{1D88893D-F735-4ED8-8D7B-33CD812019E8}"/>
+              </a:ext>
+            </a:extLst>
+          </p:cNvPr>
+          <p:cNvCxnSpPr>
+            <a:cxnSpLocks/>
+            <a:stCxn id="45" idx="6"/>
+            <a:endCxn id="157" idx="2"/>
+          </p:cNvCxnSpPr>
+          <p:nvPr/>
+        </p:nvCxnSpPr>
+        <p:spPr>
+          <a:xfrm flipV="1">
+            <a:off x="7917814" y="3806092"/>
+            <a:ext cx="1849105" cy="1750381"/>
+          </a:xfrm>
+          <a:prstGeom prst="straightConnector1">
+            <a:avLst/>
+          </a:prstGeom>
+          <a:ln>
+            <a:tailEnd type="triangle"/>
+          </a:ln>
+        </p:spPr>
+        <p:style>
+          <a:lnRef idx="3">
+            <a:schemeClr val="dk1"/>
+          </a:lnRef>
+          <a:fillRef idx="0">
+            <a:schemeClr val="dk1"/>
+          </a:fillRef>
+          <a:effectRef idx="2">
+            <a:schemeClr val="dk1"/>
+          </a:effectRef>
+          <a:fontRef idx="minor">
+            <a:schemeClr val="tx1"/>
+          </a:fontRef>
+        </p:style>
+      </p:cxnSp>
+      <p:cxnSp>
+        <p:nvCxnSpPr>
+          <p:cNvPr id="166" name="Straight Arrow Connector 165">
+            <a:extLst>
+              <a:ext uri="{FF2B5EF4-FFF2-40B4-BE49-F238E27FC236}">
+                <a16:creationId xmlns:a16="http://schemas.microsoft.com/office/drawing/2014/main" id="{8151E163-0937-4AC0-8A74-C30F6623A747}"/>
+              </a:ext>
+            </a:extLst>
+          </p:cNvPr>
+          <p:cNvCxnSpPr>
+            <a:cxnSpLocks/>
+            <a:stCxn id="45" idx="6"/>
+            <a:endCxn id="156" idx="2"/>
+          </p:cNvCxnSpPr>
+          <p:nvPr/>
+        </p:nvCxnSpPr>
+        <p:spPr>
+          <a:xfrm flipV="1">
+            <a:off x="7917814" y="2952356"/>
+            <a:ext cx="1859662" cy="2604117"/>
+          </a:xfrm>
+          <a:prstGeom prst="straightConnector1">
+            <a:avLst/>
+          </a:prstGeom>
+          <a:ln>
+            <a:tailEnd type="triangle"/>
+          </a:ln>
+        </p:spPr>
+        <p:style>
+          <a:lnRef idx="3">
+            <a:schemeClr val="dk1"/>
+          </a:lnRef>
+          <a:fillRef idx="0">
+            <a:schemeClr val="dk1"/>
+          </a:fillRef>
+          <a:effectRef idx="2">
+            <a:schemeClr val="dk1"/>
+          </a:effectRef>
+          <a:fontRef idx="minor">
+            <a:schemeClr val="tx1"/>
+          </a:fontRef>
+        </p:style>
+      </p:cxnSp>
+      <p:cxnSp>
+        <p:nvCxnSpPr>
+          <p:cNvPr id="169" name="Straight Arrow Connector 168">
+            <a:extLst>
+              <a:ext uri="{FF2B5EF4-FFF2-40B4-BE49-F238E27FC236}">
+                <a16:creationId xmlns:a16="http://schemas.microsoft.com/office/drawing/2014/main" id="{3268C661-97DD-4F35-BD09-34EAB8F5CD8A}"/>
+              </a:ext>
+            </a:extLst>
+          </p:cNvPr>
+          <p:cNvCxnSpPr>
+            <a:cxnSpLocks/>
+            <a:stCxn id="43" idx="6"/>
+            <a:endCxn id="157" idx="2"/>
+          </p:cNvCxnSpPr>
+          <p:nvPr/>
+        </p:nvCxnSpPr>
+        <p:spPr>
+          <a:xfrm flipV="1">
+            <a:off x="7907257" y="3806092"/>
+            <a:ext cx="1859662" cy="896645"/>
+          </a:xfrm>
+          <a:prstGeom prst="straightConnector1">
+            <a:avLst/>
+          </a:prstGeom>
+          <a:ln>
+            <a:tailEnd type="triangle"/>
+          </a:ln>
+        </p:spPr>
+        <p:style>
+          <a:lnRef idx="3">
+            <a:schemeClr val="dk1"/>
+          </a:lnRef>
+          <a:fillRef idx="0">
+            <a:schemeClr val="dk1"/>
+          </a:fillRef>
+          <a:effectRef idx="2">
+            <a:schemeClr val="dk1"/>
+          </a:effectRef>
+          <a:fontRef idx="minor">
+            <a:schemeClr val="tx1"/>
+          </a:fontRef>
+        </p:style>
+      </p:cxnSp>
+      <p:cxnSp>
+        <p:nvCxnSpPr>
+          <p:cNvPr id="172" name="Straight Arrow Connector 171">
+            <a:extLst>
+              <a:ext uri="{FF2B5EF4-FFF2-40B4-BE49-F238E27FC236}">
+                <a16:creationId xmlns:a16="http://schemas.microsoft.com/office/drawing/2014/main" id="{9F0E15C4-3493-4000-9064-B447660447FD}"/>
+              </a:ext>
+            </a:extLst>
+          </p:cNvPr>
+          <p:cNvCxnSpPr>
+            <a:cxnSpLocks/>
+            <a:stCxn id="43" idx="6"/>
+            <a:endCxn id="156" idx="2"/>
+          </p:cNvCxnSpPr>
+          <p:nvPr/>
+        </p:nvCxnSpPr>
+        <p:spPr>
+          <a:xfrm flipV="1">
+            <a:off x="7907257" y="2952356"/>
+            <a:ext cx="1870219" cy="1750381"/>
+          </a:xfrm>
+          <a:prstGeom prst="straightConnector1">
+            <a:avLst/>
+          </a:prstGeom>
+          <a:ln>
+            <a:tailEnd type="triangle"/>
+          </a:ln>
+        </p:spPr>
+        <p:style>
+          <a:lnRef idx="3">
+            <a:schemeClr val="dk1"/>
+          </a:lnRef>
+          <a:fillRef idx="0">
+            <a:schemeClr val="dk1"/>
+          </a:fillRef>
+          <a:effectRef idx="2">
+            <a:schemeClr val="dk1"/>
+          </a:effectRef>
+          <a:fontRef idx="minor">
+            <a:schemeClr val="tx1"/>
+          </a:fontRef>
+        </p:style>
+      </p:cxnSp>
+      <p:cxnSp>
+        <p:nvCxnSpPr>
+          <p:cNvPr id="175" name="Straight Arrow Connector 174">
+            <a:extLst>
+              <a:ext uri="{FF2B5EF4-FFF2-40B4-BE49-F238E27FC236}">
+                <a16:creationId xmlns:a16="http://schemas.microsoft.com/office/drawing/2014/main" id="{BF95B199-F47A-424D-BDA0-85B698FB031F}"/>
+              </a:ext>
+            </a:extLst>
+          </p:cNvPr>
+          <p:cNvCxnSpPr>
+            <a:cxnSpLocks/>
+            <a:stCxn id="42" idx="6"/>
+            <a:endCxn id="157" idx="2"/>
+          </p:cNvCxnSpPr>
+          <p:nvPr/>
+        </p:nvCxnSpPr>
+        <p:spPr>
+          <a:xfrm flipV="1">
+            <a:off x="7917814" y="3806092"/>
+            <a:ext cx="1849105" cy="42909"/>
+          </a:xfrm>
+          <a:prstGeom prst="straightConnector1">
+            <a:avLst/>
+          </a:prstGeom>
+          <a:ln>
+            <a:tailEnd type="triangle"/>
+          </a:ln>
+        </p:spPr>
+        <p:style>
+          <a:lnRef idx="3">
+            <a:schemeClr val="dk1"/>
+          </a:lnRef>
+          <a:fillRef idx="0">
+            <a:schemeClr val="dk1"/>
+          </a:fillRef>
+          <a:effectRef idx="2">
+            <a:schemeClr val="dk1"/>
+          </a:effectRef>
+          <a:fontRef idx="minor">
+            <a:schemeClr val="tx1"/>
+          </a:fontRef>
+        </p:style>
+      </p:cxnSp>
+      <p:cxnSp>
+        <p:nvCxnSpPr>
+          <p:cNvPr id="178" name="Straight Arrow Connector 177">
+            <a:extLst>
+              <a:ext uri="{FF2B5EF4-FFF2-40B4-BE49-F238E27FC236}">
+                <a16:creationId xmlns:a16="http://schemas.microsoft.com/office/drawing/2014/main" id="{02FC379E-9863-4253-8313-43821FF44EDB}"/>
+              </a:ext>
+            </a:extLst>
+          </p:cNvPr>
+          <p:cNvCxnSpPr>
+            <a:cxnSpLocks/>
+            <a:stCxn id="42" idx="6"/>
+            <a:endCxn id="156" idx="2"/>
+          </p:cNvCxnSpPr>
+          <p:nvPr/>
+        </p:nvCxnSpPr>
+        <p:spPr>
+          <a:xfrm flipV="1">
+            <a:off x="7917814" y="2952356"/>
+            <a:ext cx="1859662" cy="896645"/>
+          </a:xfrm>
+          <a:prstGeom prst="straightConnector1">
+            <a:avLst/>
+          </a:prstGeom>
+          <a:ln>
+            <a:tailEnd type="triangle"/>
+          </a:ln>
+        </p:spPr>
+        <p:style>
+          <a:lnRef idx="3">
+            <a:schemeClr val="dk1"/>
+          </a:lnRef>
+          <a:fillRef idx="0">
+            <a:schemeClr val="dk1"/>
+          </a:fillRef>
+          <a:effectRef idx="2">
+            <a:schemeClr val="dk1"/>
+          </a:effectRef>
+          <a:fontRef idx="minor">
+            <a:schemeClr val="tx1"/>
+          </a:fontRef>
+        </p:style>
+      </p:cxnSp>
+      <p:cxnSp>
+        <p:nvCxnSpPr>
+          <p:cNvPr id="181" name="Straight Arrow Connector 180">
+            <a:extLst>
+              <a:ext uri="{FF2B5EF4-FFF2-40B4-BE49-F238E27FC236}">
+                <a16:creationId xmlns:a16="http://schemas.microsoft.com/office/drawing/2014/main" id="{59D65DA6-231A-4908-902C-7AE4C0F095AF}"/>
+              </a:ext>
+            </a:extLst>
+          </p:cNvPr>
+          <p:cNvCxnSpPr>
+            <a:cxnSpLocks/>
+            <a:stCxn id="41" idx="6"/>
+            <a:endCxn id="157" idx="2"/>
+          </p:cNvCxnSpPr>
+          <p:nvPr/>
+        </p:nvCxnSpPr>
+        <p:spPr>
+          <a:xfrm>
+            <a:off x="7917814" y="2995265"/>
+            <a:ext cx="1849105" cy="810827"/>
+          </a:xfrm>
+          <a:prstGeom prst="straightConnector1">
+            <a:avLst/>
+          </a:prstGeom>
+          <a:ln>
+            <a:tailEnd type="triangle"/>
+          </a:ln>
+        </p:spPr>
+        <p:style>
+          <a:lnRef idx="3">
+            <a:schemeClr val="dk1"/>
+          </a:lnRef>
+          <a:fillRef idx="0">
+            <a:schemeClr val="dk1"/>
+          </a:fillRef>
+          <a:effectRef idx="2">
+            <a:schemeClr val="dk1"/>
+          </a:effectRef>
+          <a:fontRef idx="minor">
+            <a:schemeClr val="tx1"/>
+          </a:fontRef>
+        </p:style>
+      </p:cxnSp>
+      <p:cxnSp>
+        <p:nvCxnSpPr>
+          <p:cNvPr id="184" name="Straight Arrow Connector 183">
+            <a:extLst>
+              <a:ext uri="{FF2B5EF4-FFF2-40B4-BE49-F238E27FC236}">
+                <a16:creationId xmlns:a16="http://schemas.microsoft.com/office/drawing/2014/main" id="{649AD2A0-AAAB-414D-AF7D-C496BABD0693}"/>
+              </a:ext>
+            </a:extLst>
+          </p:cNvPr>
+          <p:cNvCxnSpPr>
+            <a:cxnSpLocks/>
+            <a:stCxn id="41" idx="6"/>
+            <a:endCxn id="156" idx="2"/>
+          </p:cNvCxnSpPr>
+          <p:nvPr/>
+        </p:nvCxnSpPr>
+        <p:spPr>
+          <a:xfrm flipV="1">
+            <a:off x="7917814" y="2952356"/>
+            <a:ext cx="1859662" cy="42909"/>
+          </a:xfrm>
+          <a:prstGeom prst="straightConnector1">
+            <a:avLst/>
+          </a:prstGeom>
+          <a:ln>
+            <a:tailEnd type="triangle"/>
+          </a:ln>
+        </p:spPr>
+        <p:style>
+          <a:lnRef idx="3">
+            <a:schemeClr val="dk1"/>
+          </a:lnRef>
+          <a:fillRef idx="0">
+            <a:schemeClr val="dk1"/>
+          </a:fillRef>
+          <a:effectRef idx="2">
+            <a:schemeClr val="dk1"/>
+          </a:effectRef>
+          <a:fontRef idx="minor">
+            <a:schemeClr val="tx1"/>
+          </a:fontRef>
+        </p:style>
+      </p:cxnSp>
+      <p:cxnSp>
+        <p:nvCxnSpPr>
+          <p:cNvPr id="187" name="Straight Arrow Connector 186">
+            <a:extLst>
+              <a:ext uri="{FF2B5EF4-FFF2-40B4-BE49-F238E27FC236}">
+                <a16:creationId xmlns:a16="http://schemas.microsoft.com/office/drawing/2014/main" id="{796A5187-E075-4950-BB09-105D185180EA}"/>
+              </a:ext>
+            </a:extLst>
+          </p:cNvPr>
+          <p:cNvCxnSpPr>
+            <a:cxnSpLocks/>
+            <a:stCxn id="40" idx="6"/>
+            <a:endCxn id="157" idx="2"/>
+          </p:cNvCxnSpPr>
+          <p:nvPr/>
+        </p:nvCxnSpPr>
+        <p:spPr>
+          <a:xfrm>
+            <a:off x="7917814" y="2141529"/>
+            <a:ext cx="1849105" cy="1664563"/>
+          </a:xfrm>
+          <a:prstGeom prst="straightConnector1">
+            <a:avLst/>
+          </a:prstGeom>
+          <a:ln>
+            <a:tailEnd type="triangle"/>
+          </a:ln>
+        </p:spPr>
+        <p:style>
+          <a:lnRef idx="3">
+            <a:schemeClr val="dk1"/>
+          </a:lnRef>
+          <a:fillRef idx="0">
+            <a:schemeClr val="dk1"/>
+          </a:fillRef>
+          <a:effectRef idx="2">
+            <a:schemeClr val="dk1"/>
+          </a:effectRef>
+          <a:fontRef idx="minor">
+            <a:schemeClr val="tx1"/>
+          </a:fontRef>
+        </p:style>
+      </p:cxnSp>
+      <p:cxnSp>
+        <p:nvCxnSpPr>
+          <p:cNvPr id="190" name="Straight Arrow Connector 189">
+            <a:extLst>
+              <a:ext uri="{FF2B5EF4-FFF2-40B4-BE49-F238E27FC236}">
+                <a16:creationId xmlns:a16="http://schemas.microsoft.com/office/drawing/2014/main" id="{A61EFC8B-ED69-4650-90B8-BE2EF31603DB}"/>
+              </a:ext>
+            </a:extLst>
+          </p:cNvPr>
+          <p:cNvCxnSpPr>
+            <a:cxnSpLocks/>
+            <a:stCxn id="40" idx="6"/>
+            <a:endCxn id="156" idx="2"/>
+          </p:cNvCxnSpPr>
+          <p:nvPr/>
+        </p:nvCxnSpPr>
+        <p:spPr>
+          <a:xfrm>
+            <a:off x="7917814" y="2141529"/>
+            <a:ext cx="1859662" cy="810827"/>
+          </a:xfrm>
+          <a:prstGeom prst="straightConnector1">
+            <a:avLst/>
+          </a:prstGeom>
+          <a:ln>
+            <a:tailEnd type="triangle"/>
+          </a:ln>
+        </p:spPr>
+        <p:style>
+          <a:lnRef idx="3">
+            <a:schemeClr val="dk1"/>
+          </a:lnRef>
+          <a:fillRef idx="0">
+            <a:schemeClr val="dk1"/>
+          </a:fillRef>
+          <a:effectRef idx="2">
+            <a:schemeClr val="dk1"/>
+          </a:effectRef>
+          <a:fontRef idx="minor">
+            <a:schemeClr val="tx1"/>
+          </a:fontRef>
+        </p:style>
+      </p:cxnSp>
+      <p:cxnSp>
+        <p:nvCxnSpPr>
+          <p:cNvPr id="193" name="Straight Arrow Connector 192">
+            <a:extLst>
+              <a:ext uri="{FF2B5EF4-FFF2-40B4-BE49-F238E27FC236}">
+                <a16:creationId xmlns:a16="http://schemas.microsoft.com/office/drawing/2014/main" id="{4034B722-B2DC-4B6C-98B9-6BA213AFF38E}"/>
+              </a:ext>
+            </a:extLst>
+          </p:cNvPr>
+          <p:cNvCxnSpPr>
+            <a:cxnSpLocks/>
+            <a:stCxn id="44" idx="6"/>
+            <a:endCxn id="156" idx="2"/>
+          </p:cNvCxnSpPr>
+          <p:nvPr/>
+        </p:nvCxnSpPr>
+        <p:spPr>
+          <a:xfrm>
+            <a:off x="7917814" y="1287793"/>
+            <a:ext cx="1859662" cy="1664563"/>
+          </a:xfrm>
+          <a:prstGeom prst="straightConnector1">
+            <a:avLst/>
+          </a:prstGeom>
+          <a:ln>
+            <a:tailEnd type="triangle"/>
+          </a:ln>
+        </p:spPr>
+        <p:style>
+          <a:lnRef idx="3">
+            <a:schemeClr val="dk1"/>
+          </a:lnRef>
+          <a:fillRef idx="0">
+            <a:schemeClr val="dk1"/>
+          </a:fillRef>
+          <a:effectRef idx="2">
+            <a:schemeClr val="dk1"/>
+          </a:effectRef>
+          <a:fontRef idx="minor">
+            <a:schemeClr val="tx1"/>
+          </a:fontRef>
+        </p:style>
+      </p:cxnSp>
+      <p:cxnSp>
+        <p:nvCxnSpPr>
+          <p:cNvPr id="196" name="Straight Arrow Connector 195">
+            <a:extLst>
+              <a:ext uri="{FF2B5EF4-FFF2-40B4-BE49-F238E27FC236}">
+                <a16:creationId xmlns:a16="http://schemas.microsoft.com/office/drawing/2014/main" id="{0A6FA35F-9E39-4AD2-9CFE-20EEC1F7E4C9}"/>
+              </a:ext>
+            </a:extLst>
+          </p:cNvPr>
+          <p:cNvCxnSpPr>
+            <a:cxnSpLocks/>
+            <a:stCxn id="44" idx="6"/>
+            <a:endCxn id="157" idx="2"/>
+          </p:cNvCxnSpPr>
+          <p:nvPr/>
+        </p:nvCxnSpPr>
+        <p:spPr>
+          <a:xfrm>
+            <a:off x="7917814" y="1287793"/>
+            <a:ext cx="1849105" cy="2518299"/>
+          </a:xfrm>
+          <a:prstGeom prst="straightConnector1">
+            <a:avLst/>
+          </a:prstGeom>
+          <a:ln>
+            <a:tailEnd type="triangle"/>
+          </a:ln>
+        </p:spPr>
+        <p:style>
+          <a:lnRef idx="3">
+            <a:schemeClr val="dk1"/>
+          </a:lnRef>
+          <a:fillRef idx="0">
+            <a:schemeClr val="dk1"/>
+          </a:fillRef>
+          <a:effectRef idx="2">
+            <a:schemeClr val="dk1"/>
+          </a:effectRef>
+          <a:fontRef idx="minor">
+            <a:schemeClr val="tx1"/>
+          </a:fontRef>
+        </p:style>
+      </p:cxnSp>
+      <p:cxnSp>
+        <p:nvCxnSpPr>
+          <p:cNvPr id="199" name="Straight Arrow Connector 198">
+            <a:extLst>
+              <a:ext uri="{FF2B5EF4-FFF2-40B4-BE49-F238E27FC236}">
+                <a16:creationId xmlns:a16="http://schemas.microsoft.com/office/drawing/2014/main" id="{BCF44110-EFD6-4F9D-9C0A-E72BF40C0D96}"/>
+              </a:ext>
+            </a:extLst>
+          </p:cNvPr>
+          <p:cNvCxnSpPr>
+            <a:cxnSpLocks/>
+            <a:stCxn id="51" idx="6"/>
+            <a:endCxn id="156" idx="2"/>
+          </p:cNvCxnSpPr>
+          <p:nvPr/>
+        </p:nvCxnSpPr>
+        <p:spPr>
+          <a:xfrm>
+            <a:off x="7907257" y="434057"/>
+            <a:ext cx="1870219" cy="2518299"/>
+          </a:xfrm>
+          <a:prstGeom prst="straightConnector1">
+            <a:avLst/>
+          </a:prstGeom>
+          <a:ln>
+            <a:tailEnd type="triangle"/>
+          </a:ln>
+        </p:spPr>
+        <p:style>
+          <a:lnRef idx="3">
+            <a:schemeClr val="dk1"/>
+          </a:lnRef>
+          <a:fillRef idx="0">
+            <a:schemeClr val="dk1"/>
+          </a:fillRef>
+          <a:effectRef idx="2">
+            <a:schemeClr val="dk1"/>
+          </a:effectRef>
+          <a:fontRef idx="minor">
+            <a:schemeClr val="tx1"/>
+          </a:fontRef>
+        </p:style>
+      </p:cxnSp>
+      <p:cxnSp>
+        <p:nvCxnSpPr>
+          <p:cNvPr id="202" name="Straight Arrow Connector 201">
+            <a:extLst>
+              <a:ext uri="{FF2B5EF4-FFF2-40B4-BE49-F238E27FC236}">
+                <a16:creationId xmlns:a16="http://schemas.microsoft.com/office/drawing/2014/main" id="{067C927E-FAF6-4B6F-ACC3-65728820692E}"/>
+              </a:ext>
+            </a:extLst>
+          </p:cNvPr>
+          <p:cNvCxnSpPr>
+            <a:cxnSpLocks/>
+            <a:stCxn id="51" idx="6"/>
+            <a:endCxn id="157" idx="2"/>
+          </p:cNvCxnSpPr>
+          <p:nvPr/>
+        </p:nvCxnSpPr>
+        <p:spPr>
+          <a:xfrm>
+            <a:off x="7907257" y="434057"/>
+            <a:ext cx="1859662" cy="3372035"/>
+          </a:xfrm>
+          <a:prstGeom prst="straightConnector1">
+            <a:avLst/>
+          </a:prstGeom>
+          <a:ln>
+            <a:tailEnd type="triangle"/>
+          </a:ln>
+        </p:spPr>
+        <p:style>
+          <a:lnRef idx="3">
+            <a:schemeClr val="dk1"/>
+          </a:lnRef>
+          <a:fillRef idx="0">
+            <a:schemeClr val="dk1"/>
+          </a:fillRef>
+          <a:effectRef idx="2">
+            <a:schemeClr val="dk1"/>
+          </a:effectRef>
+          <a:fontRef idx="minor">
+            <a:schemeClr val="tx1"/>
+          </a:fontRef>
+        </p:style>
+      </p:cxnSp>
+      <p:cxnSp>
+        <p:nvCxnSpPr>
+          <p:cNvPr id="215" name="Straight Arrow Connector 214">
+            <a:extLst>
+              <a:ext uri="{FF2B5EF4-FFF2-40B4-BE49-F238E27FC236}">
+                <a16:creationId xmlns:a16="http://schemas.microsoft.com/office/drawing/2014/main" id="{13A13223-F944-42EA-8ECC-98B4D829DD6A}"/>
+              </a:ext>
+            </a:extLst>
+          </p:cNvPr>
+          <p:cNvCxnSpPr>
+            <a:cxnSpLocks/>
+            <a:stCxn id="49" idx="6"/>
+          </p:cNvCxnSpPr>
+          <p:nvPr/>
+        </p:nvCxnSpPr>
+        <p:spPr>
+          <a:xfrm>
+            <a:off x="10457680" y="4702737"/>
+            <a:ext cx="468938" cy="0"/>
+          </a:xfrm>
+          <a:prstGeom prst="straightConnector1">
+            <a:avLst/>
+          </a:prstGeom>
+          <a:ln>
+            <a:tailEnd type="triangle"/>
+          </a:ln>
+        </p:spPr>
+        <p:style>
+          <a:lnRef idx="3">
+            <a:schemeClr val="dk1"/>
+          </a:lnRef>
+          <a:fillRef idx="0">
+            <a:schemeClr val="dk1"/>
+          </a:fillRef>
+          <a:effectRef idx="2">
+            <a:schemeClr val="dk1"/>
+          </a:effectRef>
+          <a:fontRef idx="minor">
+            <a:schemeClr val="tx1"/>
+          </a:fontRef>
+        </p:style>
+      </p:cxnSp>
+      <mc:AlternateContent xmlns:mc="http://schemas.openxmlformats.org/markup-compatibility/2006">
+        <mc:Choice xmlns:a14="http://schemas.microsoft.com/office/drawing/2010/main" Requires="a14">
+          <p:sp>
+            <p:nvSpPr>
+              <p:cNvPr id="464" name="TextBox 463">
+                <a:extLst>
+                  <a:ext uri="{FF2B5EF4-FFF2-40B4-BE49-F238E27FC236}">
+                    <a16:creationId xmlns:a16="http://schemas.microsoft.com/office/drawing/2014/main" id="{3DE73F24-FB4D-42F5-BA47-4FE1F756DBB2}"/>
+                  </a:ext>
+                </a:extLst>
+              </p:cNvPr>
+              <p:cNvSpPr txBox="1"/>
+              <p:nvPr/>
+            </p:nvSpPr>
+            <p:spPr>
+              <a:xfrm>
+                <a:off x="10863002" y="2252940"/>
+                <a:ext cx="1548272" cy="2352119"/>
+              </a:xfrm>
+              <a:prstGeom prst="rect">
+                <a:avLst/>
+              </a:prstGeom>
+              <a:noFill/>
+            </p:spPr>
+            <p:txBody>
+              <a:bodyPr wrap="square" rtlCol="0">
+                <a:spAutoFit/>
+              </a:bodyPr>
+              <a:lstStyle/>
+              <a:p>
+                <a14:m>
+                  <m:oMathPara xmlns:m="http://schemas.openxmlformats.org/officeDocument/2006/math">
+                    <m:oMathParaPr>
+                      <m:jc m:val="centerGroup"/>
+                    </m:oMathParaPr>
+                    <m:oMath xmlns:m="http://schemas.openxmlformats.org/officeDocument/2006/math">
+                      <m:d>
+                        <m:dPr>
+                          <m:begChr m:val="["/>
+                          <m:endChr m:val="]"/>
+                          <m:ctrlPr>
+                            <a:rPr lang="en-GB" i="1" smtClean="0">
+                              <a:latin typeface="Cambria Math" panose="02040503050406030204" pitchFamily="18" charset="0"/>
+                            </a:rPr>
+                          </m:ctrlPr>
+                        </m:dPr>
+                        <m:e>
+                          <m:eqArr>
+                            <m:eqArrPr>
+                              <m:ctrlPr>
+                                <a:rPr lang="en-GB" b="0" i="1" smtClean="0">
+                                  <a:latin typeface="Cambria Math" panose="02040503050406030204" pitchFamily="18" charset="0"/>
+                                </a:rPr>
+                              </m:ctrlPr>
+                            </m:eqArrPr>
+                            <m:e>
+                              <m:r>
+                                <a:rPr lang="en-GB" b="0" i="1" smtClean="0">
+                                  <a:latin typeface="Cambria Math" panose="02040503050406030204" pitchFamily="18" charset="0"/>
+                                </a:rPr>
+                                <m:t>𝑄</m:t>
+                              </m:r>
+                              <m:r>
+                                <a:rPr lang="en-GB" b="0" i="1" smtClean="0">
+                                  <a:latin typeface="Cambria Math" panose="02040503050406030204" pitchFamily="18" charset="0"/>
+                                </a:rPr>
+                                <m:t>(</m:t>
+                              </m:r>
+                              <m:r>
+                                <a:rPr lang="en-GB" b="0" i="1" smtClean="0">
+                                  <a:latin typeface="Cambria Math" panose="02040503050406030204" pitchFamily="18" charset="0"/>
+                                </a:rPr>
+                                <m:t>𝑠</m:t>
+                              </m:r>
+                              <m:r>
+                                <a:rPr lang="en-GB" b="0" i="1" smtClean="0">
+                                  <a:latin typeface="Cambria Math" panose="02040503050406030204" pitchFamily="18" charset="0"/>
+                                </a:rPr>
+                                <m:t>, </m:t>
+                              </m:r>
+                              <m:sSub>
+                                <m:sSubPr>
+                                  <m:ctrlPr>
+                                    <a:rPr lang="en-GB" b="0" i="1" smtClean="0">
+                                      <a:latin typeface="Cambria Math" panose="02040503050406030204" pitchFamily="18" charset="0"/>
+                                    </a:rPr>
+                                  </m:ctrlPr>
+                                </m:sSubPr>
+                                <m:e>
+                                  <m:r>
+                                    <a:rPr lang="en-GB" b="0" i="1" smtClean="0">
+                                      <a:latin typeface="Cambria Math" panose="02040503050406030204" pitchFamily="18" charset="0"/>
+                                    </a:rPr>
+                                    <m:t>𝑎</m:t>
+                                  </m:r>
+                                </m:e>
+                                <m:sub>
+                                  <m:r>
+                                    <a:rPr lang="en-GB" b="0" i="1" smtClean="0">
+                                      <a:latin typeface="Cambria Math" panose="02040503050406030204" pitchFamily="18" charset="0"/>
+                                    </a:rPr>
+                                    <m:t>0</m:t>
+                                  </m:r>
+                                </m:sub>
+                              </m:sSub>
+                              <m:r>
+                                <a:rPr lang="en-GB" b="0" i="1" smtClean="0">
+                                  <a:latin typeface="Cambria Math" panose="02040503050406030204" pitchFamily="18" charset="0"/>
+                                </a:rPr>
+                                <m:t>)</m:t>
+                              </m:r>
+                            </m:e>
+                            <m:e>
+                              <m:r>
+                                <a:rPr lang="en-GB" b="0" i="1" smtClean="0">
+                                  <a:latin typeface="Cambria Math" panose="02040503050406030204" pitchFamily="18" charset="0"/>
+                                </a:rPr>
+                                <m:t>𝑄</m:t>
+                              </m:r>
+                              <m:r>
+                                <a:rPr lang="en-GB" i="1">
+                                  <a:latin typeface="Cambria Math" panose="02040503050406030204" pitchFamily="18" charset="0"/>
+                                </a:rPr>
+                                <m:t>(</m:t>
+                              </m:r>
+                              <m:r>
+                                <a:rPr lang="en-GB" i="1">
+                                  <a:latin typeface="Cambria Math" panose="02040503050406030204" pitchFamily="18" charset="0"/>
+                                </a:rPr>
+                                <m:t>𝑠</m:t>
+                              </m:r>
+                              <m:r>
+                                <a:rPr lang="en-GB" i="1">
+                                  <a:latin typeface="Cambria Math" panose="02040503050406030204" pitchFamily="18" charset="0"/>
+                                </a:rPr>
+                                <m:t>, </m:t>
+                              </m:r>
+                              <m:sSub>
+                                <m:sSubPr>
+                                  <m:ctrlPr>
+                                    <a:rPr lang="en-GB" b="0" i="1" smtClean="0">
+                                      <a:latin typeface="Cambria Math" panose="02040503050406030204" pitchFamily="18" charset="0"/>
+                                    </a:rPr>
+                                  </m:ctrlPr>
+                                </m:sSubPr>
+                                <m:e>
+                                  <m:r>
+                                    <a:rPr lang="en-GB" b="0" i="1" smtClean="0">
+                                      <a:latin typeface="Cambria Math" panose="02040503050406030204" pitchFamily="18" charset="0"/>
+                                    </a:rPr>
+                                    <m:t>𝑎</m:t>
+                                  </m:r>
+                                </m:e>
+                                <m:sub>
+                                  <m:r>
+                                    <a:rPr lang="en-GB" b="0" i="1" smtClean="0">
+                                      <a:latin typeface="Cambria Math" panose="02040503050406030204" pitchFamily="18" charset="0"/>
+                                    </a:rPr>
+                                    <m:t>1</m:t>
+                                  </m:r>
+                                </m:sub>
+                              </m:sSub>
+                              <m:r>
+                                <a:rPr lang="en-GB" b="0" i="1" smtClean="0">
+                                  <a:latin typeface="Cambria Math" panose="02040503050406030204" pitchFamily="18" charset="0"/>
+                                </a:rPr>
+                                <m:t>)</m:t>
+                              </m:r>
+                            </m:e>
+                            <m:e>
+                              <m:r>
+                                <a:rPr lang="en-GB" i="1">
+                                  <a:latin typeface="Cambria Math" panose="02040503050406030204" pitchFamily="18" charset="0"/>
+                                </a:rPr>
+                                <m:t>𝑄</m:t>
+                              </m:r>
+                              <m:r>
+                                <a:rPr lang="en-GB" i="1">
+                                  <a:latin typeface="Cambria Math" panose="02040503050406030204" pitchFamily="18" charset="0"/>
+                                </a:rPr>
+                                <m:t>(</m:t>
+                              </m:r>
+                              <m:r>
+                                <a:rPr lang="en-GB" i="1">
+                                  <a:latin typeface="Cambria Math" panose="02040503050406030204" pitchFamily="18" charset="0"/>
+                                </a:rPr>
+                                <m:t>𝑠</m:t>
+                              </m:r>
+                              <m:r>
+                                <a:rPr lang="en-GB" i="1">
+                                  <a:latin typeface="Cambria Math" panose="02040503050406030204" pitchFamily="18" charset="0"/>
+                                </a:rPr>
+                                <m:t>, </m:t>
+                              </m:r>
+                              <m:sSub>
+                                <m:sSubPr>
+                                  <m:ctrlPr>
+                                    <a:rPr lang="en-GB" i="1">
+                                      <a:latin typeface="Cambria Math" panose="02040503050406030204" pitchFamily="18" charset="0"/>
+                                    </a:rPr>
+                                  </m:ctrlPr>
+                                </m:sSubPr>
+                                <m:e>
+                                  <m:r>
+                                    <a:rPr lang="en-GB" i="1">
+                                      <a:latin typeface="Cambria Math" panose="02040503050406030204" pitchFamily="18" charset="0"/>
+                                    </a:rPr>
+                                    <m:t>𝑎</m:t>
+                                  </m:r>
+                                </m:e>
+                                <m:sub>
+                                  <m:r>
+                                    <a:rPr lang="en-GB" b="0" i="1" smtClean="0">
+                                      <a:latin typeface="Cambria Math" panose="02040503050406030204" pitchFamily="18" charset="0"/>
+                                    </a:rPr>
+                                    <m:t>2</m:t>
+                                  </m:r>
+                                </m:sub>
+                              </m:sSub>
+                              <m:r>
+                                <a:rPr lang="en-GB" i="1">
+                                  <a:latin typeface="Cambria Math" panose="02040503050406030204" pitchFamily="18" charset="0"/>
+                                </a:rPr>
+                                <m:t>)</m:t>
+                              </m:r>
+                            </m:e>
+                            <m:e>
+                              <m:r>
+                                <a:rPr lang="en-GB" i="1">
+                                  <a:latin typeface="Cambria Math" panose="02040503050406030204" pitchFamily="18" charset="0"/>
+                                </a:rPr>
+                                <m:t>𝑄</m:t>
+                              </m:r>
+                              <m:r>
+                                <a:rPr lang="en-GB" i="1">
+                                  <a:latin typeface="Cambria Math" panose="02040503050406030204" pitchFamily="18" charset="0"/>
+                                </a:rPr>
+                                <m:t>(</m:t>
+                              </m:r>
+                              <m:r>
+                                <a:rPr lang="en-GB" i="1">
+                                  <a:latin typeface="Cambria Math" panose="02040503050406030204" pitchFamily="18" charset="0"/>
+                                </a:rPr>
+                                <m:t>𝑠</m:t>
+                              </m:r>
+                              <m:r>
+                                <a:rPr lang="en-GB" i="1">
+                                  <a:latin typeface="Cambria Math" panose="02040503050406030204" pitchFamily="18" charset="0"/>
+                                </a:rPr>
+                                <m:t>, </m:t>
+                              </m:r>
+                              <m:sSub>
+                                <m:sSubPr>
+                                  <m:ctrlPr>
+                                    <a:rPr lang="en-GB" i="1">
+                                      <a:latin typeface="Cambria Math" panose="02040503050406030204" pitchFamily="18" charset="0"/>
+                                    </a:rPr>
+                                  </m:ctrlPr>
+                                </m:sSubPr>
+                                <m:e>
+                                  <m:r>
+                                    <a:rPr lang="en-GB" i="1">
+                                      <a:latin typeface="Cambria Math" panose="02040503050406030204" pitchFamily="18" charset="0"/>
+                                    </a:rPr>
+                                    <m:t>𝑎</m:t>
+                                  </m:r>
+                                </m:e>
+                                <m:sub>
+                                  <m:r>
+                                    <a:rPr lang="en-GB" b="0" i="1" smtClean="0">
+                                      <a:latin typeface="Cambria Math" panose="02040503050406030204" pitchFamily="18" charset="0"/>
+                                    </a:rPr>
+                                    <m:t>3</m:t>
+                                  </m:r>
+                                </m:sub>
+                              </m:sSub>
+                              <m:r>
+                                <a:rPr lang="en-GB" i="1">
+                                  <a:latin typeface="Cambria Math" panose="02040503050406030204" pitchFamily="18" charset="0"/>
+                                </a:rPr>
+                                <m:t>)</m:t>
+                              </m:r>
+                            </m:e>
+                            <m:e>
+                              <m:r>
+                                <a:rPr lang="en-GB" i="1">
+                                  <a:latin typeface="Cambria Math" panose="02040503050406030204" pitchFamily="18" charset="0"/>
+                                </a:rPr>
+                                <m:t>𝑄</m:t>
+                              </m:r>
+                              <m:r>
+                                <a:rPr lang="en-GB" i="1">
+                                  <a:latin typeface="Cambria Math" panose="02040503050406030204" pitchFamily="18" charset="0"/>
+                                </a:rPr>
+                                <m:t>(</m:t>
+                              </m:r>
+                              <m:r>
+                                <a:rPr lang="en-GB" i="1">
+                                  <a:latin typeface="Cambria Math" panose="02040503050406030204" pitchFamily="18" charset="0"/>
+                                </a:rPr>
+                                <m:t>𝑠</m:t>
+                              </m:r>
+                              <m:r>
+                                <a:rPr lang="en-GB" i="1">
+                                  <a:latin typeface="Cambria Math" panose="02040503050406030204" pitchFamily="18" charset="0"/>
+                                </a:rPr>
+                                <m:t>, </m:t>
+                              </m:r>
+                              <m:sSub>
+                                <m:sSubPr>
+                                  <m:ctrlPr>
+                                    <a:rPr lang="en-GB" i="1">
+                                      <a:latin typeface="Cambria Math" panose="02040503050406030204" pitchFamily="18" charset="0"/>
+                                    </a:rPr>
+                                  </m:ctrlPr>
+                                </m:sSubPr>
+                                <m:e>
+                                  <m:r>
+                                    <a:rPr lang="en-GB" i="1">
+                                      <a:latin typeface="Cambria Math" panose="02040503050406030204" pitchFamily="18" charset="0"/>
+                                    </a:rPr>
+                                    <m:t>𝑎</m:t>
+                                  </m:r>
+                                </m:e>
+                                <m:sub>
+                                  <m:r>
+                                    <a:rPr lang="en-GB" b="0" i="1" smtClean="0">
+                                      <a:latin typeface="Cambria Math" panose="02040503050406030204" pitchFamily="18" charset="0"/>
+                                    </a:rPr>
+                                    <m:t>4</m:t>
+                                  </m:r>
+                                </m:sub>
+                              </m:sSub>
+                              <m:r>
+                                <a:rPr lang="en-GB" i="1">
+                                  <a:latin typeface="Cambria Math" panose="02040503050406030204" pitchFamily="18" charset="0"/>
+                                </a:rPr>
+                                <m:t>)</m:t>
+                              </m:r>
+                            </m:e>
+                            <m:e>
+                              <m:r>
+                                <a:rPr lang="en-GB" i="1">
+                                  <a:latin typeface="Cambria Math" panose="02040503050406030204" pitchFamily="18" charset="0"/>
+                                </a:rPr>
+                                <m:t>𝑄</m:t>
+                              </m:r>
+                              <m:r>
+                                <a:rPr lang="en-GB" i="1">
+                                  <a:latin typeface="Cambria Math" panose="02040503050406030204" pitchFamily="18" charset="0"/>
+                                </a:rPr>
+                                <m:t>(</m:t>
+                              </m:r>
+                              <m:r>
+                                <a:rPr lang="en-GB" i="1">
+                                  <a:latin typeface="Cambria Math" panose="02040503050406030204" pitchFamily="18" charset="0"/>
+                                </a:rPr>
+                                <m:t>𝑠</m:t>
+                              </m:r>
+                              <m:r>
+                                <a:rPr lang="en-GB" i="1">
+                                  <a:latin typeface="Cambria Math" panose="02040503050406030204" pitchFamily="18" charset="0"/>
+                                </a:rPr>
+                                <m:t>, </m:t>
+                              </m:r>
+                              <m:sSub>
+                                <m:sSubPr>
+                                  <m:ctrlPr>
+                                    <a:rPr lang="en-GB" i="1">
+                                      <a:latin typeface="Cambria Math" panose="02040503050406030204" pitchFamily="18" charset="0"/>
+                                    </a:rPr>
+                                  </m:ctrlPr>
+                                </m:sSubPr>
+                                <m:e>
+                                  <m:r>
+                                    <a:rPr lang="en-GB" i="1">
+                                      <a:latin typeface="Cambria Math" panose="02040503050406030204" pitchFamily="18" charset="0"/>
+                                    </a:rPr>
+                                    <m:t>𝑎</m:t>
+                                  </m:r>
+                                </m:e>
+                                <m:sub>
+                                  <m:r>
+                                    <a:rPr lang="en-GB" b="0" i="1" smtClean="0">
+                                      <a:latin typeface="Cambria Math" panose="02040503050406030204" pitchFamily="18" charset="0"/>
+                                    </a:rPr>
+                                    <m:t>5</m:t>
+                                  </m:r>
+                                </m:sub>
+                              </m:sSub>
+                              <m:r>
+                                <a:rPr lang="en-GB" i="1">
+                                  <a:latin typeface="Cambria Math" panose="02040503050406030204" pitchFamily="18" charset="0"/>
+                                </a:rPr>
+                                <m:t>)</m:t>
+                              </m:r>
+                            </m:e>
+                            <m:e>
+                              <m:r>
+                                <a:rPr lang="en-GB" i="1">
+                                  <a:latin typeface="Cambria Math" panose="02040503050406030204" pitchFamily="18" charset="0"/>
+                                </a:rPr>
+                                <m:t>𝑄</m:t>
+                              </m:r>
+                              <m:r>
+                                <a:rPr lang="en-GB" i="1">
+                                  <a:latin typeface="Cambria Math" panose="02040503050406030204" pitchFamily="18" charset="0"/>
+                                </a:rPr>
+                                <m:t>(</m:t>
+                              </m:r>
+                              <m:r>
+                                <a:rPr lang="en-GB" i="1">
+                                  <a:latin typeface="Cambria Math" panose="02040503050406030204" pitchFamily="18" charset="0"/>
+                                </a:rPr>
+                                <m:t>𝑠</m:t>
+                              </m:r>
+                              <m:r>
+                                <a:rPr lang="en-GB" i="1">
+                                  <a:latin typeface="Cambria Math" panose="02040503050406030204" pitchFamily="18" charset="0"/>
+                                </a:rPr>
+                                <m:t>, </m:t>
+                              </m:r>
+                              <m:sSub>
+                                <m:sSubPr>
+                                  <m:ctrlPr>
+                                    <a:rPr lang="en-GB" i="1">
+                                      <a:latin typeface="Cambria Math" panose="02040503050406030204" pitchFamily="18" charset="0"/>
+                                    </a:rPr>
+                                  </m:ctrlPr>
+                                </m:sSubPr>
+                                <m:e>
+                                  <m:r>
+                                    <a:rPr lang="en-GB" i="1">
+                                      <a:latin typeface="Cambria Math" panose="02040503050406030204" pitchFamily="18" charset="0"/>
+                                    </a:rPr>
+                                    <m:t>𝑎</m:t>
+                                  </m:r>
+                                </m:e>
+                                <m:sub>
+                                  <m:r>
+                                    <a:rPr lang="en-GB" b="0" i="1" smtClean="0">
+                                      <a:latin typeface="Cambria Math" panose="02040503050406030204" pitchFamily="18" charset="0"/>
+                                    </a:rPr>
+                                    <m:t>6</m:t>
+                                  </m:r>
+                                </m:sub>
+                              </m:sSub>
+                              <m:r>
+                                <a:rPr lang="en-GB" i="1">
+                                  <a:latin typeface="Cambria Math" panose="02040503050406030204" pitchFamily="18" charset="0"/>
+                                </a:rPr>
+                                <m:t>)</m:t>
+                              </m:r>
+                            </m:e>
+                            <m:e>
+                              <m:r>
+                                <a:rPr lang="en-GB" i="1">
+                                  <a:latin typeface="Cambria Math" panose="02040503050406030204" pitchFamily="18" charset="0"/>
+                                </a:rPr>
+                                <m:t>𝑄</m:t>
+                              </m:r>
+                              <m:r>
+                                <a:rPr lang="en-GB" i="1">
+                                  <a:latin typeface="Cambria Math" panose="02040503050406030204" pitchFamily="18" charset="0"/>
+                                </a:rPr>
+                                <m:t>(</m:t>
+                              </m:r>
+                              <m:r>
+                                <a:rPr lang="en-GB" i="1">
+                                  <a:latin typeface="Cambria Math" panose="02040503050406030204" pitchFamily="18" charset="0"/>
+                                </a:rPr>
+                                <m:t>𝑠</m:t>
+                              </m:r>
+                              <m:r>
+                                <a:rPr lang="en-GB" i="1">
+                                  <a:latin typeface="Cambria Math" panose="02040503050406030204" pitchFamily="18" charset="0"/>
+                                </a:rPr>
+                                <m:t>, </m:t>
+                              </m:r>
+                              <m:sSub>
+                                <m:sSubPr>
+                                  <m:ctrlPr>
+                                    <a:rPr lang="en-GB" i="1">
+                                      <a:latin typeface="Cambria Math" panose="02040503050406030204" pitchFamily="18" charset="0"/>
+                                    </a:rPr>
+                                  </m:ctrlPr>
+                                </m:sSubPr>
+                                <m:e>
+                                  <m:r>
+                                    <a:rPr lang="en-GB" i="1">
+                                      <a:latin typeface="Cambria Math" panose="02040503050406030204" pitchFamily="18" charset="0"/>
+                                    </a:rPr>
+                                    <m:t>𝑎</m:t>
+                                  </m:r>
+                                </m:e>
+                                <m:sub>
+                                  <m:r>
+                                    <a:rPr lang="en-GB" b="0" i="1" smtClean="0">
+                                      <a:latin typeface="Cambria Math" panose="02040503050406030204" pitchFamily="18" charset="0"/>
+                                    </a:rPr>
+                                    <m:t>7</m:t>
+                                  </m:r>
+                                </m:sub>
+                              </m:sSub>
+                              <m:r>
+                                <a:rPr lang="en-GB" i="1">
+                                  <a:latin typeface="Cambria Math" panose="02040503050406030204" pitchFamily="18" charset="0"/>
+                                </a:rPr>
+                                <m:t>)</m:t>
+                              </m:r>
+                            </m:e>
+                          </m:eqArr>
+                        </m:e>
+                      </m:d>
+                    </m:oMath>
+                  </m:oMathPara>
+                </a14:m>
+                <a:endParaRPr lang="en-GB" dirty="0"/>
+              </a:p>
+            </p:txBody>
+          </p:sp>
+        </mc:Choice>
+        <mc:Fallback>
+          <p:sp>
+            <p:nvSpPr>
+              <p:cNvPr id="464" name="TextBox 463">
+                <a:extLst>
+                  <a:ext uri="{FF2B5EF4-FFF2-40B4-BE49-F238E27FC236}">
+                    <a16:creationId xmlns:a16="http://schemas.microsoft.com/office/drawing/2014/main" id="{3DE73F24-FB4D-42F5-BA47-4FE1F756DBB2}"/>
+                  </a:ext>
+                </a:extLst>
+              </p:cNvPr>
+              <p:cNvSpPr txBox="1">
+                <a:spLocks noRot="1" noChangeAspect="1" noMove="1" noResize="1" noEditPoints="1" noAdjustHandles="1" noChangeArrowheads="1" noChangeShapeType="1" noTextEdit="1"/>
+              </p:cNvSpPr>
+              <p:nvPr/>
+            </p:nvSpPr>
+            <p:spPr>
+              <a:xfrm>
+                <a:off x="10863002" y="2252940"/>
+                <a:ext cx="1548272" cy="2352119"/>
+              </a:xfrm>
+              <a:prstGeom prst="rect">
+                <a:avLst/>
+              </a:prstGeom>
+              <a:blipFill>
+                <a:blip r:embed="rId2"/>
+                <a:stretch>
+                  <a:fillRect/>
+                </a:stretch>
+              </a:blipFill>
+            </p:spPr>
+            <p:txBody>
+              <a:bodyPr/>
+              <a:lstStyle/>
+              <a:p>
+                <a:r>
+                  <a:rPr lang="en-GB">
+                    <a:noFill/>
+                  </a:rPr>
+                  <a:t> </a:t>
+                </a:r>
+              </a:p>
+            </p:txBody>
+          </p:sp>
+        </mc:Fallback>
+      </mc:AlternateContent>
+      <p:cxnSp>
+        <p:nvCxnSpPr>
+          <p:cNvPr id="221" name="Straight Arrow Connector 220">
+            <a:extLst>
+              <a:ext uri="{FF2B5EF4-FFF2-40B4-BE49-F238E27FC236}">
+                <a16:creationId xmlns:a16="http://schemas.microsoft.com/office/drawing/2014/main" id="{8B29EB25-08C9-4B24-BDE2-3523AC30C607}"/>
+              </a:ext>
+            </a:extLst>
+          </p:cNvPr>
+          <p:cNvCxnSpPr>
+            <a:cxnSpLocks/>
+          </p:cNvCxnSpPr>
+          <p:nvPr/>
+        </p:nvCxnSpPr>
+        <p:spPr>
+          <a:xfrm>
+            <a:off x="10447123" y="3805883"/>
+            <a:ext cx="468938" cy="0"/>
+          </a:xfrm>
+          <a:prstGeom prst="straightConnector1">
+            <a:avLst/>
+          </a:prstGeom>
+          <a:ln>
+            <a:tailEnd type="triangle"/>
+          </a:ln>
+        </p:spPr>
+        <p:style>
+          <a:lnRef idx="3">
+            <a:schemeClr val="dk1"/>
+          </a:lnRef>
+          <a:fillRef idx="0">
+            <a:schemeClr val="dk1"/>
+          </a:fillRef>
+          <a:effectRef idx="2">
+            <a:schemeClr val="dk1"/>
+          </a:effectRef>
+          <a:fontRef idx="minor">
+            <a:schemeClr val="tx1"/>
+          </a:fontRef>
+        </p:style>
+      </p:cxnSp>
+      <p:cxnSp>
+        <p:nvCxnSpPr>
+          <p:cNvPr id="223" name="Straight Arrow Connector 222">
+            <a:extLst>
+              <a:ext uri="{FF2B5EF4-FFF2-40B4-BE49-F238E27FC236}">
+                <a16:creationId xmlns:a16="http://schemas.microsoft.com/office/drawing/2014/main" id="{7F870032-79FF-4F42-8A93-BB40FFD8DEB2}"/>
+              </a:ext>
+            </a:extLst>
+          </p:cNvPr>
+          <p:cNvCxnSpPr>
+            <a:cxnSpLocks/>
+          </p:cNvCxnSpPr>
+          <p:nvPr/>
+        </p:nvCxnSpPr>
+        <p:spPr>
+          <a:xfrm>
+            <a:off x="10457680" y="2952356"/>
+            <a:ext cx="468938" cy="0"/>
+          </a:xfrm>
+          <a:prstGeom prst="straightConnector1">
+            <a:avLst/>
+          </a:prstGeom>
+          <a:ln>
+            <a:tailEnd type="triangle"/>
+          </a:ln>
+        </p:spPr>
+        <p:style>
+          <a:lnRef idx="3">
+            <a:schemeClr val="dk1"/>
+          </a:lnRef>
+          <a:fillRef idx="0">
+            <a:schemeClr val="dk1"/>
+          </a:fillRef>
+          <a:effectRef idx="2">
+            <a:schemeClr val="dk1"/>
+          </a:effectRef>
+          <a:fontRef idx="minor">
+            <a:schemeClr val="tx1"/>
+          </a:fontRef>
+        </p:style>
+      </p:cxnSp>
+      <p:cxnSp>
+        <p:nvCxnSpPr>
+          <p:cNvPr id="224" name="Straight Arrow Connector 223">
+            <a:extLst>
+              <a:ext uri="{FF2B5EF4-FFF2-40B4-BE49-F238E27FC236}">
+                <a16:creationId xmlns:a16="http://schemas.microsoft.com/office/drawing/2014/main" id="{EEE830FF-A870-4FF7-820D-AD8F7881666C}"/>
+              </a:ext>
+            </a:extLst>
+          </p:cNvPr>
+          <p:cNvCxnSpPr>
+            <a:cxnSpLocks/>
+          </p:cNvCxnSpPr>
+          <p:nvPr/>
+        </p:nvCxnSpPr>
+        <p:spPr>
+          <a:xfrm>
+            <a:off x="10457417" y="2141529"/>
+            <a:ext cx="468938" cy="0"/>
+          </a:xfrm>
+          <a:prstGeom prst="straightConnector1">
+            <a:avLst/>
+          </a:prstGeom>
+          <a:ln>
+            <a:tailEnd type="triangle"/>
+          </a:ln>
+        </p:spPr>
+        <p:style>
+          <a:lnRef idx="3">
+            <a:schemeClr val="dk1"/>
+          </a:lnRef>
+          <a:fillRef idx="0">
+            <a:schemeClr val="dk1"/>
+          </a:fillRef>
+          <a:effectRef idx="2">
+            <a:schemeClr val="dk1"/>
+          </a:effectRef>
+          <a:fontRef idx="minor">
+            <a:schemeClr val="tx1"/>
+          </a:fontRef>
+        </p:style>
+      </p:cxnSp>
+    </p:spTree>
+    <p:extLst>
+      <p:ext uri="{BB962C8B-B14F-4D97-AF65-F5344CB8AC3E}">
+        <p14:creationId xmlns:p14="http://schemas.microsoft.com/office/powerpoint/2010/main" val="4282569169"/>
       </p:ext>
     </p:extLst>
   </p:cSld>

--- a/nn_template.pptx
+++ b/nn_template.pptx
@@ -262,7 +262,7 @@
           <a:p>
             <a:fld id="{7244D9E2-EFDF-4FB2-A286-68762F24C285}" type="datetimeFigureOut">
               <a:rPr lang="en-GB" smtClean="0"/>
-              <a:t>23/04/2020</a:t>
+              <a:t>09/05/2020</a:t>
             </a:fld>
             <a:endParaRPr lang="en-GB"/>
           </a:p>
@@ -462,7 +462,7 @@
           <a:p>
             <a:fld id="{7244D9E2-EFDF-4FB2-A286-68762F24C285}" type="datetimeFigureOut">
               <a:rPr lang="en-GB" smtClean="0"/>
-              <a:t>23/04/2020</a:t>
+              <a:t>09/05/2020</a:t>
             </a:fld>
             <a:endParaRPr lang="en-GB"/>
           </a:p>
@@ -672,7 +672,7 @@
           <a:p>
             <a:fld id="{7244D9E2-EFDF-4FB2-A286-68762F24C285}" type="datetimeFigureOut">
               <a:rPr lang="en-GB" smtClean="0"/>
-              <a:t>23/04/2020</a:t>
+              <a:t>09/05/2020</a:t>
             </a:fld>
             <a:endParaRPr lang="en-GB"/>
           </a:p>
@@ -872,7 +872,7 @@
           <a:p>
             <a:fld id="{7244D9E2-EFDF-4FB2-A286-68762F24C285}" type="datetimeFigureOut">
               <a:rPr lang="en-GB" smtClean="0"/>
-              <a:t>23/04/2020</a:t>
+              <a:t>09/05/2020</a:t>
             </a:fld>
             <a:endParaRPr lang="en-GB"/>
           </a:p>
@@ -1148,7 +1148,7 @@
           <a:p>
             <a:fld id="{7244D9E2-EFDF-4FB2-A286-68762F24C285}" type="datetimeFigureOut">
               <a:rPr lang="en-GB" smtClean="0"/>
-              <a:t>23/04/2020</a:t>
+              <a:t>09/05/2020</a:t>
             </a:fld>
             <a:endParaRPr lang="en-GB"/>
           </a:p>
@@ -1416,7 +1416,7 @@
           <a:p>
             <a:fld id="{7244D9E2-EFDF-4FB2-A286-68762F24C285}" type="datetimeFigureOut">
               <a:rPr lang="en-GB" smtClean="0"/>
-              <a:t>23/04/2020</a:t>
+              <a:t>09/05/2020</a:t>
             </a:fld>
             <a:endParaRPr lang="en-GB"/>
           </a:p>
@@ -1831,7 +1831,7 @@
           <a:p>
             <a:fld id="{7244D9E2-EFDF-4FB2-A286-68762F24C285}" type="datetimeFigureOut">
               <a:rPr lang="en-GB" smtClean="0"/>
-              <a:t>23/04/2020</a:t>
+              <a:t>09/05/2020</a:t>
             </a:fld>
             <a:endParaRPr lang="en-GB"/>
           </a:p>
@@ -1973,7 +1973,7 @@
           <a:p>
             <a:fld id="{7244D9E2-EFDF-4FB2-A286-68762F24C285}" type="datetimeFigureOut">
               <a:rPr lang="en-GB" smtClean="0"/>
-              <a:t>23/04/2020</a:t>
+              <a:t>09/05/2020</a:t>
             </a:fld>
             <a:endParaRPr lang="en-GB"/>
           </a:p>
@@ -2086,7 +2086,7 @@
           <a:p>
             <a:fld id="{7244D9E2-EFDF-4FB2-A286-68762F24C285}" type="datetimeFigureOut">
               <a:rPr lang="en-GB" smtClean="0"/>
-              <a:t>23/04/2020</a:t>
+              <a:t>09/05/2020</a:t>
             </a:fld>
             <a:endParaRPr lang="en-GB"/>
           </a:p>
@@ -2399,7 +2399,7 @@
           <a:p>
             <a:fld id="{7244D9E2-EFDF-4FB2-A286-68762F24C285}" type="datetimeFigureOut">
               <a:rPr lang="en-GB" smtClean="0"/>
-              <a:t>23/04/2020</a:t>
+              <a:t>09/05/2020</a:t>
             </a:fld>
             <a:endParaRPr lang="en-GB"/>
           </a:p>
@@ -2688,7 +2688,7 @@
           <a:p>
             <a:fld id="{7244D9E2-EFDF-4FB2-A286-68762F24C285}" type="datetimeFigureOut">
               <a:rPr lang="en-GB" smtClean="0"/>
-              <a:t>23/04/2020</a:t>
+              <a:t>09/05/2020</a:t>
             </a:fld>
             <a:endParaRPr lang="en-GB"/>
           </a:p>
@@ -2931,7 +2931,7 @@
           <a:p>
             <a:fld id="{7244D9E2-EFDF-4FB2-A286-68762F24C285}" type="datetimeFigureOut">
               <a:rPr lang="en-GB" smtClean="0"/>
-              <a:t>23/04/2020</a:t>
+              <a:t>09/05/2020</a:t>
             </a:fld>
             <a:endParaRPr lang="en-GB"/>
           </a:p>
@@ -17353,8 +17353,8 @@
           </a:fontRef>
         </p:style>
       </p:cxnSp>
-      <mc:AlternateContent xmlns:mc="http://schemas.openxmlformats.org/markup-compatibility/2006">
-        <mc:Choice xmlns:a14="http://schemas.microsoft.com/office/drawing/2010/main" Requires="a14">
+      <mc:AlternateContent xmlns:mc="http://schemas.openxmlformats.org/markup-compatibility/2006" xmlns:a14="http://schemas.microsoft.com/office/drawing/2010/main">
+        <mc:Choice Requires="a14">
           <p:sp>
             <p:nvSpPr>
               <p:cNvPr id="464" name="TextBox 463">
@@ -17383,6 +17383,7 @@
               </a:bodyPr>
               <a:lstStyle/>
               <a:p>
+                <a:pPr/>
                 <a14:m>
                   <m:oMathPara xmlns:m="http://schemas.openxmlformats.org/officeDocument/2006/math">
                     <m:oMathParaPr>
@@ -17875,7 +17876,7 @@
             </p:txBody>
           </p:sp>
         </mc:Choice>
-        <mc:Fallback>
+        <mc:Fallback xmlns="">
           <p:sp>
             <p:nvSpPr>
               <p:cNvPr id="464" name="TextBox 463">
